--- a/doc/プレゼン資料/レコレコプレゼン資料(参考用).pptx
+++ b/doc/プレゼン資料/レコレコプレゼン資料(参考用).pptx
@@ -4,27 +4,37 @@
   <p:sldMasterIdLst>
     <p:sldMasterId id="2147483648" r:id="rId1"/>
   </p:sldMasterIdLst>
+  <p:notesMasterIdLst>
+    <p:notesMasterId r:id="rId29"/>
+  </p:notesMasterIdLst>
   <p:sldIdLst>
     <p:sldId id="256" r:id="rId2"/>
     <p:sldId id="258" r:id="rId3"/>
     <p:sldId id="257" r:id="rId4"/>
-    <p:sldId id="259" r:id="rId5"/>
-    <p:sldId id="260" r:id="rId6"/>
-    <p:sldId id="272" r:id="rId7"/>
-    <p:sldId id="273" r:id="rId8"/>
-    <p:sldId id="274" r:id="rId9"/>
-    <p:sldId id="276" r:id="rId10"/>
-    <p:sldId id="269" r:id="rId11"/>
-    <p:sldId id="270" r:id="rId12"/>
-    <p:sldId id="271" r:id="rId13"/>
-    <p:sldId id="261" r:id="rId14"/>
-    <p:sldId id="262" r:id="rId15"/>
-    <p:sldId id="263" r:id="rId16"/>
-    <p:sldId id="264" r:id="rId17"/>
-    <p:sldId id="265" r:id="rId18"/>
-    <p:sldId id="266" r:id="rId19"/>
-    <p:sldId id="268" r:id="rId20"/>
-    <p:sldId id="267" r:id="rId21"/>
+    <p:sldId id="272" r:id="rId5"/>
+    <p:sldId id="277" r:id="rId6"/>
+    <p:sldId id="278" r:id="rId7"/>
+    <p:sldId id="279" r:id="rId8"/>
+    <p:sldId id="280" r:id="rId9"/>
+    <p:sldId id="282" r:id="rId10"/>
+    <p:sldId id="281" r:id="rId11"/>
+    <p:sldId id="284" r:id="rId12"/>
+    <p:sldId id="285" r:id="rId13"/>
+    <p:sldId id="289" r:id="rId14"/>
+    <p:sldId id="286" r:id="rId15"/>
+    <p:sldId id="290" r:id="rId16"/>
+    <p:sldId id="276" r:id="rId17"/>
+    <p:sldId id="269" r:id="rId18"/>
+    <p:sldId id="270" r:id="rId19"/>
+    <p:sldId id="271" r:id="rId20"/>
+    <p:sldId id="263" r:id="rId21"/>
+    <p:sldId id="264" r:id="rId22"/>
+    <p:sldId id="265" r:id="rId23"/>
+    <p:sldId id="262" r:id="rId24"/>
+    <p:sldId id="261" r:id="rId25"/>
+    <p:sldId id="266" r:id="rId26"/>
+    <p:sldId id="268" r:id="rId27"/>
+    <p:sldId id="267" r:id="rId28"/>
   </p:sldIdLst>
   <p:sldSz cx="12192000" cy="6858000"/>
   <p:notesSz cx="6858000" cy="9144000"/>
@@ -266,6 +276,1344 @@
 </inkml:ink>
 </file>
 
+<file path=ppt/notesMasters/notesMaster1.xml><?xml version="1.0" encoding="utf-8"?>
+<p:notesMaster xmlns:a="http://schemas.openxmlformats.org/drawingml/2006/main" xmlns:r="http://schemas.openxmlformats.org/officeDocument/2006/relationships" xmlns:p="http://schemas.openxmlformats.org/presentationml/2006/main">
+  <p:cSld>
+    <p:bg>
+      <p:bgRef idx="1001">
+        <a:schemeClr val="bg1"/>
+      </p:bgRef>
+    </p:bg>
+    <p:spTree>
+      <p:nvGrpSpPr>
+        <p:cNvPr id="1" name=""/>
+        <p:cNvGrpSpPr/>
+        <p:nvPr/>
+      </p:nvGrpSpPr>
+      <p:grpSpPr>
+        <a:xfrm>
+          <a:off x="0" y="0"/>
+          <a:ext cx="0" cy="0"/>
+          <a:chOff x="0" y="0"/>
+          <a:chExt cx="0" cy="0"/>
+        </a:xfrm>
+      </p:grpSpPr>
+      <p:sp>
+        <p:nvSpPr>
+          <p:cNvPr id="2" name="ヘッダー プレースホルダー 1"/>
+          <p:cNvSpPr>
+            <a:spLocks noGrp="1"/>
+          </p:cNvSpPr>
+          <p:nvPr>
+            <p:ph type="hdr" sz="quarter"/>
+          </p:nvPr>
+        </p:nvSpPr>
+        <p:spPr>
+          <a:xfrm>
+            <a:off x="0" y="0"/>
+            <a:ext cx="2971800" cy="458788"/>
+          </a:xfrm>
+          <a:prstGeom prst="rect">
+            <a:avLst/>
+          </a:prstGeom>
+        </p:spPr>
+        <p:txBody>
+          <a:bodyPr vert="horz" lIns="91440" tIns="45720" rIns="91440" bIns="45720" rtlCol="0"/>
+          <a:lstStyle>
+            <a:lvl1pPr algn="l">
+              <a:defRPr sz="1200"/>
+            </a:lvl1pPr>
+          </a:lstStyle>
+          <a:p>
+            <a:endParaRPr kumimoji="1" lang="ja-JP" altLang="en-US"/>
+          </a:p>
+        </p:txBody>
+      </p:sp>
+      <p:sp>
+        <p:nvSpPr>
+          <p:cNvPr id="3" name="日付プレースホルダー 2"/>
+          <p:cNvSpPr>
+            <a:spLocks noGrp="1"/>
+          </p:cNvSpPr>
+          <p:nvPr>
+            <p:ph type="dt" idx="1"/>
+          </p:nvPr>
+        </p:nvSpPr>
+        <p:spPr>
+          <a:xfrm>
+            <a:off x="3884613" y="0"/>
+            <a:ext cx="2971800" cy="458788"/>
+          </a:xfrm>
+          <a:prstGeom prst="rect">
+            <a:avLst/>
+          </a:prstGeom>
+        </p:spPr>
+        <p:txBody>
+          <a:bodyPr vert="horz" lIns="91440" tIns="45720" rIns="91440" bIns="45720" rtlCol="0"/>
+          <a:lstStyle>
+            <a:lvl1pPr algn="r">
+              <a:defRPr sz="1200"/>
+            </a:lvl1pPr>
+          </a:lstStyle>
+          <a:p>
+            <a:fld id="{9C3FBC71-4BB8-48B2-A41D-310DA710D561}" type="datetimeFigureOut">
+              <a:rPr kumimoji="1" lang="ja-JP" altLang="en-US" smtClean="0"/>
+              <a:t>2024/6/25</a:t>
+            </a:fld>
+            <a:endParaRPr kumimoji="1" lang="ja-JP" altLang="en-US"/>
+          </a:p>
+        </p:txBody>
+      </p:sp>
+      <p:sp>
+        <p:nvSpPr>
+          <p:cNvPr id="4" name="スライド イメージ プレースホルダー 3"/>
+          <p:cNvSpPr>
+            <a:spLocks noGrp="1" noRot="1" noChangeAspect="1"/>
+          </p:cNvSpPr>
+          <p:nvPr>
+            <p:ph type="sldImg" idx="2"/>
+          </p:nvPr>
+        </p:nvSpPr>
+        <p:spPr>
+          <a:xfrm>
+            <a:off x="685800" y="1143000"/>
+            <a:ext cx="5486400" cy="3086100"/>
+          </a:xfrm>
+          <a:prstGeom prst="rect">
+            <a:avLst/>
+          </a:prstGeom>
+          <a:noFill/>
+          <a:ln w="12700">
+            <a:solidFill>
+              <a:prstClr val="black"/>
+            </a:solidFill>
+          </a:ln>
+        </p:spPr>
+        <p:txBody>
+          <a:bodyPr vert="horz" lIns="91440" tIns="45720" rIns="91440" bIns="45720" rtlCol="0" anchor="ctr"/>
+          <a:lstStyle/>
+          <a:p>
+            <a:endParaRPr lang="ja-JP" altLang="en-US"/>
+          </a:p>
+        </p:txBody>
+      </p:sp>
+      <p:sp>
+        <p:nvSpPr>
+          <p:cNvPr id="5" name="ノート プレースホルダー 4"/>
+          <p:cNvSpPr>
+            <a:spLocks noGrp="1"/>
+          </p:cNvSpPr>
+          <p:nvPr>
+            <p:ph type="body" sz="quarter" idx="3"/>
+          </p:nvPr>
+        </p:nvSpPr>
+        <p:spPr>
+          <a:xfrm>
+            <a:off x="685800" y="4400550"/>
+            <a:ext cx="5486400" cy="3600450"/>
+          </a:xfrm>
+          <a:prstGeom prst="rect">
+            <a:avLst/>
+          </a:prstGeom>
+        </p:spPr>
+        <p:txBody>
+          <a:bodyPr vert="horz" lIns="91440" tIns="45720" rIns="91440" bIns="45720" rtlCol="0"/>
+          <a:lstStyle/>
+          <a:p>
+            <a:pPr lvl="0"/>
+            <a:r>
+              <a:rPr kumimoji="1" lang="ja-JP" altLang="en-US"/>
+              <a:t>マスター テキストの書式設定</a:t>
+            </a:r>
+          </a:p>
+          <a:p>
+            <a:pPr lvl="1"/>
+            <a:r>
+              <a:rPr kumimoji="1" lang="ja-JP" altLang="en-US"/>
+              <a:t>第 </a:t>
+            </a:r>
+            <a:r>
+              <a:rPr kumimoji="1" lang="en-US" altLang="ja-JP"/>
+              <a:t>2 </a:t>
+            </a:r>
+            <a:r>
+              <a:rPr kumimoji="1" lang="ja-JP" altLang="en-US"/>
+              <a:t>レベル</a:t>
+            </a:r>
+          </a:p>
+          <a:p>
+            <a:pPr lvl="2"/>
+            <a:r>
+              <a:rPr kumimoji="1" lang="ja-JP" altLang="en-US"/>
+              <a:t>第 </a:t>
+            </a:r>
+            <a:r>
+              <a:rPr kumimoji="1" lang="en-US" altLang="ja-JP"/>
+              <a:t>3 </a:t>
+            </a:r>
+            <a:r>
+              <a:rPr kumimoji="1" lang="ja-JP" altLang="en-US"/>
+              <a:t>レベル</a:t>
+            </a:r>
+          </a:p>
+          <a:p>
+            <a:pPr lvl="3"/>
+            <a:r>
+              <a:rPr kumimoji="1" lang="ja-JP" altLang="en-US"/>
+              <a:t>第 </a:t>
+            </a:r>
+            <a:r>
+              <a:rPr kumimoji="1" lang="en-US" altLang="ja-JP"/>
+              <a:t>4 </a:t>
+            </a:r>
+            <a:r>
+              <a:rPr kumimoji="1" lang="ja-JP" altLang="en-US"/>
+              <a:t>レベル</a:t>
+            </a:r>
+          </a:p>
+          <a:p>
+            <a:pPr lvl="4"/>
+            <a:r>
+              <a:rPr kumimoji="1" lang="ja-JP" altLang="en-US"/>
+              <a:t>第 </a:t>
+            </a:r>
+            <a:r>
+              <a:rPr kumimoji="1" lang="en-US" altLang="ja-JP"/>
+              <a:t>5 </a:t>
+            </a:r>
+            <a:r>
+              <a:rPr kumimoji="1" lang="ja-JP" altLang="en-US"/>
+              <a:t>レベル</a:t>
+            </a:r>
+          </a:p>
+        </p:txBody>
+      </p:sp>
+      <p:sp>
+        <p:nvSpPr>
+          <p:cNvPr id="6" name="フッター プレースホルダー 5"/>
+          <p:cNvSpPr>
+            <a:spLocks noGrp="1"/>
+          </p:cNvSpPr>
+          <p:nvPr>
+            <p:ph type="ftr" sz="quarter" idx="4"/>
+          </p:nvPr>
+        </p:nvSpPr>
+        <p:spPr>
+          <a:xfrm>
+            <a:off x="0" y="8685213"/>
+            <a:ext cx="2971800" cy="458787"/>
+          </a:xfrm>
+          <a:prstGeom prst="rect">
+            <a:avLst/>
+          </a:prstGeom>
+        </p:spPr>
+        <p:txBody>
+          <a:bodyPr vert="horz" lIns="91440" tIns="45720" rIns="91440" bIns="45720" rtlCol="0" anchor="b"/>
+          <a:lstStyle>
+            <a:lvl1pPr algn="l">
+              <a:defRPr sz="1200"/>
+            </a:lvl1pPr>
+          </a:lstStyle>
+          <a:p>
+            <a:endParaRPr kumimoji="1" lang="ja-JP" altLang="en-US"/>
+          </a:p>
+        </p:txBody>
+      </p:sp>
+      <p:sp>
+        <p:nvSpPr>
+          <p:cNvPr id="7" name="スライド番号プレースホルダー 6"/>
+          <p:cNvSpPr>
+            <a:spLocks noGrp="1"/>
+          </p:cNvSpPr>
+          <p:nvPr>
+            <p:ph type="sldNum" sz="quarter" idx="5"/>
+          </p:nvPr>
+        </p:nvSpPr>
+        <p:spPr>
+          <a:xfrm>
+            <a:off x="3884613" y="8685213"/>
+            <a:ext cx="2971800" cy="458787"/>
+          </a:xfrm>
+          <a:prstGeom prst="rect">
+            <a:avLst/>
+          </a:prstGeom>
+        </p:spPr>
+        <p:txBody>
+          <a:bodyPr vert="horz" lIns="91440" tIns="45720" rIns="91440" bIns="45720" rtlCol="0" anchor="b"/>
+          <a:lstStyle>
+            <a:lvl1pPr algn="r">
+              <a:defRPr sz="1200"/>
+            </a:lvl1pPr>
+          </a:lstStyle>
+          <a:p>
+            <a:fld id="{76E231F8-1284-42C9-AFAB-422EFDFD8316}" type="slidenum">
+              <a:rPr kumimoji="1" lang="ja-JP" altLang="en-US" smtClean="0"/>
+              <a:t>‹#›</a:t>
+            </a:fld>
+            <a:endParaRPr kumimoji="1" lang="ja-JP" altLang="en-US"/>
+          </a:p>
+        </p:txBody>
+      </p:sp>
+    </p:spTree>
+    <p:extLst>
+      <p:ext uri="{BB962C8B-B14F-4D97-AF65-F5344CB8AC3E}">
+        <p14:creationId xmlns:p14="http://schemas.microsoft.com/office/powerpoint/2010/main" val="1476054656"/>
+      </p:ext>
+    </p:extLst>
+  </p:cSld>
+  <p:clrMap bg1="lt1" tx1="dk1" bg2="lt2" tx2="dk2" accent1="accent1" accent2="accent2" accent3="accent3" accent4="accent4" accent5="accent5" accent6="accent6" hlink="hlink" folHlink="folHlink"/>
+  <p:notesStyle>
+    <a:lvl1pPr marL="0" algn="l" defTabSz="914400" rtl="0" eaLnBrk="1" latinLnBrk="0" hangingPunct="1">
+      <a:defRPr kumimoji="1" sz="1200" kern="1200">
+        <a:solidFill>
+          <a:schemeClr val="tx1"/>
+        </a:solidFill>
+        <a:latin typeface="+mn-lt"/>
+        <a:ea typeface="+mn-ea"/>
+        <a:cs typeface="+mn-cs"/>
+      </a:defRPr>
+    </a:lvl1pPr>
+    <a:lvl2pPr marL="457200" algn="l" defTabSz="914400" rtl="0" eaLnBrk="1" latinLnBrk="0" hangingPunct="1">
+      <a:defRPr kumimoji="1" sz="1200" kern="1200">
+        <a:solidFill>
+          <a:schemeClr val="tx1"/>
+        </a:solidFill>
+        <a:latin typeface="+mn-lt"/>
+        <a:ea typeface="+mn-ea"/>
+        <a:cs typeface="+mn-cs"/>
+      </a:defRPr>
+    </a:lvl2pPr>
+    <a:lvl3pPr marL="914400" algn="l" defTabSz="914400" rtl="0" eaLnBrk="1" latinLnBrk="0" hangingPunct="1">
+      <a:defRPr kumimoji="1" sz="1200" kern="1200">
+        <a:solidFill>
+          <a:schemeClr val="tx1"/>
+        </a:solidFill>
+        <a:latin typeface="+mn-lt"/>
+        <a:ea typeface="+mn-ea"/>
+        <a:cs typeface="+mn-cs"/>
+      </a:defRPr>
+    </a:lvl3pPr>
+    <a:lvl4pPr marL="1371600" algn="l" defTabSz="914400" rtl="0" eaLnBrk="1" latinLnBrk="0" hangingPunct="1">
+      <a:defRPr kumimoji="1" sz="1200" kern="1200">
+        <a:solidFill>
+          <a:schemeClr val="tx1"/>
+        </a:solidFill>
+        <a:latin typeface="+mn-lt"/>
+        <a:ea typeface="+mn-ea"/>
+        <a:cs typeface="+mn-cs"/>
+      </a:defRPr>
+    </a:lvl4pPr>
+    <a:lvl5pPr marL="1828800" algn="l" defTabSz="914400" rtl="0" eaLnBrk="1" latinLnBrk="0" hangingPunct="1">
+      <a:defRPr kumimoji="1" sz="1200" kern="1200">
+        <a:solidFill>
+          <a:schemeClr val="tx1"/>
+        </a:solidFill>
+        <a:latin typeface="+mn-lt"/>
+        <a:ea typeface="+mn-ea"/>
+        <a:cs typeface="+mn-cs"/>
+      </a:defRPr>
+    </a:lvl5pPr>
+    <a:lvl6pPr marL="2286000" algn="l" defTabSz="914400" rtl="0" eaLnBrk="1" latinLnBrk="0" hangingPunct="1">
+      <a:defRPr kumimoji="1" sz="1200" kern="1200">
+        <a:solidFill>
+          <a:schemeClr val="tx1"/>
+        </a:solidFill>
+        <a:latin typeface="+mn-lt"/>
+        <a:ea typeface="+mn-ea"/>
+        <a:cs typeface="+mn-cs"/>
+      </a:defRPr>
+    </a:lvl6pPr>
+    <a:lvl7pPr marL="2743200" algn="l" defTabSz="914400" rtl="0" eaLnBrk="1" latinLnBrk="0" hangingPunct="1">
+      <a:defRPr kumimoji="1" sz="1200" kern="1200">
+        <a:solidFill>
+          <a:schemeClr val="tx1"/>
+        </a:solidFill>
+        <a:latin typeface="+mn-lt"/>
+        <a:ea typeface="+mn-ea"/>
+        <a:cs typeface="+mn-cs"/>
+      </a:defRPr>
+    </a:lvl7pPr>
+    <a:lvl8pPr marL="3200400" algn="l" defTabSz="914400" rtl="0" eaLnBrk="1" latinLnBrk="0" hangingPunct="1">
+      <a:defRPr kumimoji="1" sz="1200" kern="1200">
+        <a:solidFill>
+          <a:schemeClr val="tx1"/>
+        </a:solidFill>
+        <a:latin typeface="+mn-lt"/>
+        <a:ea typeface="+mn-ea"/>
+        <a:cs typeface="+mn-cs"/>
+      </a:defRPr>
+    </a:lvl8pPr>
+    <a:lvl9pPr marL="3657600" algn="l" defTabSz="914400" rtl="0" eaLnBrk="1" latinLnBrk="0" hangingPunct="1">
+      <a:defRPr kumimoji="1" sz="1200" kern="1200">
+        <a:solidFill>
+          <a:schemeClr val="tx1"/>
+        </a:solidFill>
+        <a:latin typeface="+mn-lt"/>
+        <a:ea typeface="+mn-ea"/>
+        <a:cs typeface="+mn-cs"/>
+      </a:defRPr>
+    </a:lvl9pPr>
+  </p:notesStyle>
+</p:notesMaster>
+</file>
+
+<file path=ppt/notesSlides/notesSlide1.xml><?xml version="1.0" encoding="utf-8"?>
+<p:notes xmlns:a="http://schemas.openxmlformats.org/drawingml/2006/main" xmlns:r="http://schemas.openxmlformats.org/officeDocument/2006/relationships" xmlns:p="http://schemas.openxmlformats.org/presentationml/2006/main">
+  <p:cSld>
+    <p:spTree>
+      <p:nvGrpSpPr>
+        <p:cNvPr id="1" name=""/>
+        <p:cNvGrpSpPr/>
+        <p:nvPr/>
+      </p:nvGrpSpPr>
+      <p:grpSpPr>
+        <a:xfrm>
+          <a:off x="0" y="0"/>
+          <a:ext cx="0" cy="0"/>
+          <a:chOff x="0" y="0"/>
+          <a:chExt cx="0" cy="0"/>
+        </a:xfrm>
+      </p:grpSpPr>
+      <p:sp>
+        <p:nvSpPr>
+          <p:cNvPr id="2" name="スライド イメージ プレースホルダー 1"/>
+          <p:cNvSpPr>
+            <a:spLocks noGrp="1" noRot="1" noChangeAspect="1"/>
+          </p:cNvSpPr>
+          <p:nvPr>
+            <p:ph type="sldImg"/>
+          </p:nvPr>
+        </p:nvSpPr>
+        <p:spPr/>
+      </p:sp>
+      <p:sp>
+        <p:nvSpPr>
+          <p:cNvPr id="3" name="ノート プレースホルダー 2"/>
+          <p:cNvSpPr>
+            <a:spLocks noGrp="1"/>
+          </p:cNvSpPr>
+          <p:nvPr>
+            <p:ph type="body" idx="1"/>
+          </p:nvPr>
+        </p:nvSpPr>
+        <p:spPr/>
+        <p:txBody>
+          <a:bodyPr/>
+          <a:lstStyle/>
+          <a:p>
+            <a:r>
+              <a:rPr kumimoji="1" lang="ja-JP" altLang="en-US" dirty="0"/>
+              <a:t>検索して検索結果画面に移る</a:t>
+            </a:r>
+          </a:p>
+        </p:txBody>
+      </p:sp>
+      <p:sp>
+        <p:nvSpPr>
+          <p:cNvPr id="4" name="スライド番号プレースホルダー 3"/>
+          <p:cNvSpPr>
+            <a:spLocks noGrp="1"/>
+          </p:cNvSpPr>
+          <p:nvPr>
+            <p:ph type="sldNum" sz="quarter" idx="5"/>
+          </p:nvPr>
+        </p:nvSpPr>
+        <p:spPr/>
+        <p:txBody>
+          <a:bodyPr/>
+          <a:lstStyle/>
+          <a:p>
+            <a:fld id="{76E231F8-1284-42C9-AFAB-422EFDFD8316}" type="slidenum">
+              <a:rPr kumimoji="1" lang="ja-JP" altLang="en-US" smtClean="0"/>
+              <a:t>5</a:t>
+            </a:fld>
+            <a:endParaRPr kumimoji="1" lang="ja-JP" altLang="en-US"/>
+          </a:p>
+        </p:txBody>
+      </p:sp>
+    </p:spTree>
+    <p:extLst>
+      <p:ext uri="{BB962C8B-B14F-4D97-AF65-F5344CB8AC3E}">
+        <p14:creationId xmlns:p14="http://schemas.microsoft.com/office/powerpoint/2010/main" val="1188571819"/>
+      </p:ext>
+    </p:extLst>
+  </p:cSld>
+  <p:clrMapOvr>
+    <a:masterClrMapping/>
+  </p:clrMapOvr>
+</p:notes>
+</file>
+
+<file path=ppt/notesSlides/notesSlide10.xml><?xml version="1.0" encoding="utf-8"?>
+<p:notes xmlns:a="http://schemas.openxmlformats.org/drawingml/2006/main" xmlns:r="http://schemas.openxmlformats.org/officeDocument/2006/relationships" xmlns:p="http://schemas.openxmlformats.org/presentationml/2006/main">
+  <p:cSld>
+    <p:spTree>
+      <p:nvGrpSpPr>
+        <p:cNvPr id="1" name=""/>
+        <p:cNvGrpSpPr/>
+        <p:nvPr/>
+      </p:nvGrpSpPr>
+      <p:grpSpPr>
+        <a:xfrm>
+          <a:off x="0" y="0"/>
+          <a:ext cx="0" cy="0"/>
+          <a:chOff x="0" y="0"/>
+          <a:chExt cx="0" cy="0"/>
+        </a:xfrm>
+      </p:grpSpPr>
+      <p:sp>
+        <p:nvSpPr>
+          <p:cNvPr id="2" name="スライド イメージ プレースホルダー 1"/>
+          <p:cNvSpPr>
+            <a:spLocks noGrp="1" noRot="1" noChangeAspect="1"/>
+          </p:cNvSpPr>
+          <p:nvPr>
+            <p:ph type="sldImg"/>
+          </p:nvPr>
+        </p:nvSpPr>
+        <p:spPr/>
+      </p:sp>
+      <p:sp>
+        <p:nvSpPr>
+          <p:cNvPr id="3" name="ノート プレースホルダー 2"/>
+          <p:cNvSpPr>
+            <a:spLocks noGrp="1"/>
+          </p:cNvSpPr>
+          <p:nvPr>
+            <p:ph type="body" idx="1"/>
+          </p:nvPr>
+        </p:nvSpPr>
+        <p:spPr/>
+        <p:txBody>
+          <a:bodyPr/>
+          <a:lstStyle/>
+          <a:p>
+            <a:r>
+              <a:rPr kumimoji="1" lang="ja-JP" altLang="en-US" dirty="0"/>
+              <a:t>画像</a:t>
+            </a:r>
+          </a:p>
+        </p:txBody>
+      </p:sp>
+      <p:sp>
+        <p:nvSpPr>
+          <p:cNvPr id="4" name="スライド番号プレースホルダー 3"/>
+          <p:cNvSpPr>
+            <a:spLocks noGrp="1"/>
+          </p:cNvSpPr>
+          <p:nvPr>
+            <p:ph type="sldNum" sz="quarter" idx="5"/>
+          </p:nvPr>
+        </p:nvSpPr>
+        <p:spPr/>
+        <p:txBody>
+          <a:bodyPr/>
+          <a:lstStyle/>
+          <a:p>
+            <a:fld id="{76E231F8-1284-42C9-AFAB-422EFDFD8316}" type="slidenum">
+              <a:rPr kumimoji="1" lang="ja-JP" altLang="en-US" smtClean="0"/>
+              <a:t>15</a:t>
+            </a:fld>
+            <a:endParaRPr kumimoji="1" lang="ja-JP" altLang="en-US"/>
+          </a:p>
+        </p:txBody>
+      </p:sp>
+    </p:spTree>
+    <p:extLst>
+      <p:ext uri="{BB962C8B-B14F-4D97-AF65-F5344CB8AC3E}">
+        <p14:creationId xmlns:p14="http://schemas.microsoft.com/office/powerpoint/2010/main" val="733400162"/>
+      </p:ext>
+    </p:extLst>
+  </p:cSld>
+  <p:clrMapOvr>
+    <a:masterClrMapping/>
+  </p:clrMapOvr>
+</p:notes>
+</file>
+
+<file path=ppt/notesSlides/notesSlide11.xml><?xml version="1.0" encoding="utf-8"?>
+<p:notes xmlns:a="http://schemas.openxmlformats.org/drawingml/2006/main" xmlns:r="http://schemas.openxmlformats.org/officeDocument/2006/relationships" xmlns:p="http://schemas.openxmlformats.org/presentationml/2006/main">
+  <p:cSld>
+    <p:spTree>
+      <p:nvGrpSpPr>
+        <p:cNvPr id="1" name=""/>
+        <p:cNvGrpSpPr/>
+        <p:nvPr/>
+      </p:nvGrpSpPr>
+      <p:grpSpPr>
+        <a:xfrm>
+          <a:off x="0" y="0"/>
+          <a:ext cx="0" cy="0"/>
+          <a:chOff x="0" y="0"/>
+          <a:chExt cx="0" cy="0"/>
+        </a:xfrm>
+      </p:grpSpPr>
+      <p:sp>
+        <p:nvSpPr>
+          <p:cNvPr id="2" name="スライド イメージ プレースホルダー 1"/>
+          <p:cNvSpPr>
+            <a:spLocks noGrp="1" noRot="1" noChangeAspect="1"/>
+          </p:cNvSpPr>
+          <p:nvPr>
+            <p:ph type="sldImg"/>
+          </p:nvPr>
+        </p:nvSpPr>
+        <p:spPr/>
+      </p:sp>
+      <p:sp>
+        <p:nvSpPr>
+          <p:cNvPr id="3" name="ノート プレースホルダー 2"/>
+          <p:cNvSpPr>
+            <a:spLocks noGrp="1"/>
+          </p:cNvSpPr>
+          <p:nvPr>
+            <p:ph type="body" idx="1"/>
+          </p:nvPr>
+        </p:nvSpPr>
+        <p:spPr/>
+        <p:txBody>
+          <a:bodyPr/>
+          <a:lstStyle/>
+          <a:p>
+            <a:r>
+              <a:rPr kumimoji="1" lang="ja-JP" altLang="en-US" dirty="0"/>
+              <a:t>自分の担当個所に色を塗るアピールのため！</a:t>
+            </a:r>
+          </a:p>
+        </p:txBody>
+      </p:sp>
+      <p:sp>
+        <p:nvSpPr>
+          <p:cNvPr id="4" name="スライド番号プレースホルダー 3"/>
+          <p:cNvSpPr>
+            <a:spLocks noGrp="1"/>
+          </p:cNvSpPr>
+          <p:nvPr>
+            <p:ph type="sldNum" sz="quarter" idx="5"/>
+          </p:nvPr>
+        </p:nvSpPr>
+        <p:spPr/>
+        <p:txBody>
+          <a:bodyPr/>
+          <a:lstStyle/>
+          <a:p>
+            <a:fld id="{76E231F8-1284-42C9-AFAB-422EFDFD8316}" type="slidenum">
+              <a:rPr kumimoji="1" lang="ja-JP" altLang="en-US" smtClean="0"/>
+              <a:t>17</a:t>
+            </a:fld>
+            <a:endParaRPr kumimoji="1" lang="ja-JP" altLang="en-US"/>
+          </a:p>
+        </p:txBody>
+      </p:sp>
+    </p:spTree>
+    <p:extLst>
+      <p:ext uri="{BB962C8B-B14F-4D97-AF65-F5344CB8AC3E}">
+        <p14:creationId xmlns:p14="http://schemas.microsoft.com/office/powerpoint/2010/main" val="730587695"/>
+      </p:ext>
+    </p:extLst>
+  </p:cSld>
+  <p:clrMapOvr>
+    <a:masterClrMapping/>
+  </p:clrMapOvr>
+</p:notes>
+</file>
+
+<file path=ppt/notesSlides/notesSlide2.xml><?xml version="1.0" encoding="utf-8"?>
+<p:notes xmlns:a="http://schemas.openxmlformats.org/drawingml/2006/main" xmlns:r="http://schemas.openxmlformats.org/officeDocument/2006/relationships" xmlns:p="http://schemas.openxmlformats.org/presentationml/2006/main">
+  <p:cSld>
+    <p:spTree>
+      <p:nvGrpSpPr>
+        <p:cNvPr id="1" name=""/>
+        <p:cNvGrpSpPr/>
+        <p:nvPr/>
+      </p:nvGrpSpPr>
+      <p:grpSpPr>
+        <a:xfrm>
+          <a:off x="0" y="0"/>
+          <a:ext cx="0" cy="0"/>
+          <a:chOff x="0" y="0"/>
+          <a:chExt cx="0" cy="0"/>
+        </a:xfrm>
+      </p:grpSpPr>
+      <p:sp>
+        <p:nvSpPr>
+          <p:cNvPr id="2" name="スライド イメージ プレースホルダー 1"/>
+          <p:cNvSpPr>
+            <a:spLocks noGrp="1" noRot="1" noChangeAspect="1"/>
+          </p:cNvSpPr>
+          <p:nvPr>
+            <p:ph type="sldImg"/>
+          </p:nvPr>
+        </p:nvSpPr>
+        <p:spPr/>
+      </p:sp>
+      <p:sp>
+        <p:nvSpPr>
+          <p:cNvPr id="3" name="ノート プレースホルダー 2"/>
+          <p:cNvSpPr>
+            <a:spLocks noGrp="1"/>
+          </p:cNvSpPr>
+          <p:nvPr>
+            <p:ph type="body" idx="1"/>
+          </p:nvPr>
+        </p:nvSpPr>
+        <p:spPr/>
+        <p:txBody>
+          <a:bodyPr/>
+          <a:lstStyle/>
+          <a:p>
+            <a:r>
+              <a:rPr kumimoji="1" lang="ja-JP" altLang="en-US" dirty="0"/>
+              <a:t>コレクション、ウィッシュリストに追加を押すと追加される</a:t>
+            </a:r>
+          </a:p>
+        </p:txBody>
+      </p:sp>
+      <p:sp>
+        <p:nvSpPr>
+          <p:cNvPr id="4" name="スライド番号プレースホルダー 3"/>
+          <p:cNvSpPr>
+            <a:spLocks noGrp="1"/>
+          </p:cNvSpPr>
+          <p:nvPr>
+            <p:ph type="sldNum" sz="quarter" idx="5"/>
+          </p:nvPr>
+        </p:nvSpPr>
+        <p:spPr/>
+        <p:txBody>
+          <a:bodyPr/>
+          <a:lstStyle/>
+          <a:p>
+            <a:fld id="{76E231F8-1284-42C9-AFAB-422EFDFD8316}" type="slidenum">
+              <a:rPr kumimoji="1" lang="ja-JP" altLang="en-US" smtClean="0"/>
+              <a:t>6</a:t>
+            </a:fld>
+            <a:endParaRPr kumimoji="1" lang="ja-JP" altLang="en-US"/>
+          </a:p>
+        </p:txBody>
+      </p:sp>
+    </p:spTree>
+    <p:extLst>
+      <p:ext uri="{BB962C8B-B14F-4D97-AF65-F5344CB8AC3E}">
+        <p14:creationId xmlns:p14="http://schemas.microsoft.com/office/powerpoint/2010/main" val="1085727247"/>
+      </p:ext>
+    </p:extLst>
+  </p:cSld>
+  <p:clrMapOvr>
+    <a:masterClrMapping/>
+  </p:clrMapOvr>
+</p:notes>
+</file>
+
+<file path=ppt/notesSlides/notesSlide3.xml><?xml version="1.0" encoding="utf-8"?>
+<p:notes xmlns:a="http://schemas.openxmlformats.org/drawingml/2006/main" xmlns:r="http://schemas.openxmlformats.org/officeDocument/2006/relationships" xmlns:p="http://schemas.openxmlformats.org/presentationml/2006/main">
+  <p:cSld>
+    <p:spTree>
+      <p:nvGrpSpPr>
+        <p:cNvPr id="1" name=""/>
+        <p:cNvGrpSpPr/>
+        <p:nvPr/>
+      </p:nvGrpSpPr>
+      <p:grpSpPr>
+        <a:xfrm>
+          <a:off x="0" y="0"/>
+          <a:ext cx="0" cy="0"/>
+          <a:chOff x="0" y="0"/>
+          <a:chExt cx="0" cy="0"/>
+        </a:xfrm>
+      </p:grpSpPr>
+      <p:sp>
+        <p:nvSpPr>
+          <p:cNvPr id="2" name="スライド イメージ プレースホルダー 1"/>
+          <p:cNvSpPr>
+            <a:spLocks noGrp="1" noRot="1" noChangeAspect="1"/>
+          </p:cNvSpPr>
+          <p:nvPr>
+            <p:ph type="sldImg"/>
+          </p:nvPr>
+        </p:nvSpPr>
+        <p:spPr/>
+      </p:sp>
+      <p:sp>
+        <p:nvSpPr>
+          <p:cNvPr id="3" name="ノート プレースホルダー 2"/>
+          <p:cNvSpPr>
+            <a:spLocks noGrp="1"/>
+          </p:cNvSpPr>
+          <p:nvPr>
+            <p:ph type="body" idx="1"/>
+          </p:nvPr>
+        </p:nvSpPr>
+        <p:spPr/>
+        <p:txBody>
+          <a:bodyPr/>
+          <a:lstStyle/>
+          <a:p>
+            <a:r>
+              <a:rPr kumimoji="1" lang="ja-JP" altLang="en-US" dirty="0"/>
+              <a:t>ここは画像だけで</a:t>
+            </a:r>
+          </a:p>
+        </p:txBody>
+      </p:sp>
+      <p:sp>
+        <p:nvSpPr>
+          <p:cNvPr id="4" name="スライド番号プレースホルダー 3"/>
+          <p:cNvSpPr>
+            <a:spLocks noGrp="1"/>
+          </p:cNvSpPr>
+          <p:nvPr>
+            <p:ph type="sldNum" sz="quarter" idx="5"/>
+          </p:nvPr>
+        </p:nvSpPr>
+        <p:spPr/>
+        <p:txBody>
+          <a:bodyPr/>
+          <a:lstStyle/>
+          <a:p>
+            <a:fld id="{76E231F8-1284-42C9-AFAB-422EFDFD8316}" type="slidenum">
+              <a:rPr kumimoji="1" lang="ja-JP" altLang="en-US" smtClean="0"/>
+              <a:t>7</a:t>
+            </a:fld>
+            <a:endParaRPr kumimoji="1" lang="ja-JP" altLang="en-US"/>
+          </a:p>
+        </p:txBody>
+      </p:sp>
+    </p:spTree>
+    <p:extLst>
+      <p:ext uri="{BB962C8B-B14F-4D97-AF65-F5344CB8AC3E}">
+        <p14:creationId xmlns:p14="http://schemas.microsoft.com/office/powerpoint/2010/main" val="2337201047"/>
+      </p:ext>
+    </p:extLst>
+  </p:cSld>
+  <p:clrMapOvr>
+    <a:masterClrMapping/>
+  </p:clrMapOvr>
+</p:notes>
+</file>
+
+<file path=ppt/notesSlides/notesSlide4.xml><?xml version="1.0" encoding="utf-8"?>
+<p:notes xmlns:a="http://schemas.openxmlformats.org/drawingml/2006/main" xmlns:r="http://schemas.openxmlformats.org/officeDocument/2006/relationships" xmlns:p="http://schemas.openxmlformats.org/presentationml/2006/main">
+  <p:cSld>
+    <p:spTree>
+      <p:nvGrpSpPr>
+        <p:cNvPr id="1" name=""/>
+        <p:cNvGrpSpPr/>
+        <p:nvPr/>
+      </p:nvGrpSpPr>
+      <p:grpSpPr>
+        <a:xfrm>
+          <a:off x="0" y="0"/>
+          <a:ext cx="0" cy="0"/>
+          <a:chOff x="0" y="0"/>
+          <a:chExt cx="0" cy="0"/>
+        </a:xfrm>
+      </p:grpSpPr>
+      <p:sp>
+        <p:nvSpPr>
+          <p:cNvPr id="2" name="スライド イメージ プレースホルダー 1"/>
+          <p:cNvSpPr>
+            <a:spLocks noGrp="1" noRot="1" noChangeAspect="1"/>
+          </p:cNvSpPr>
+          <p:nvPr>
+            <p:ph type="sldImg"/>
+          </p:nvPr>
+        </p:nvSpPr>
+        <p:spPr/>
+      </p:sp>
+      <p:sp>
+        <p:nvSpPr>
+          <p:cNvPr id="3" name="ノート プレースホルダー 2"/>
+          <p:cNvSpPr>
+            <a:spLocks noGrp="1"/>
+          </p:cNvSpPr>
+          <p:nvPr>
+            <p:ph type="body" idx="1"/>
+          </p:nvPr>
+        </p:nvSpPr>
+        <p:spPr/>
+        <p:txBody>
+          <a:bodyPr/>
+          <a:lstStyle/>
+          <a:p>
+            <a:r>
+              <a:rPr kumimoji="1" lang="ja-JP" altLang="en-US" dirty="0"/>
+              <a:t>予め情報は入力しておいて投稿の部分を動画にする</a:t>
+            </a:r>
+          </a:p>
+        </p:txBody>
+      </p:sp>
+      <p:sp>
+        <p:nvSpPr>
+          <p:cNvPr id="4" name="スライド番号プレースホルダー 3"/>
+          <p:cNvSpPr>
+            <a:spLocks noGrp="1"/>
+          </p:cNvSpPr>
+          <p:nvPr>
+            <p:ph type="sldNum" sz="quarter" idx="5"/>
+          </p:nvPr>
+        </p:nvSpPr>
+        <p:spPr/>
+        <p:txBody>
+          <a:bodyPr/>
+          <a:lstStyle/>
+          <a:p>
+            <a:fld id="{76E231F8-1284-42C9-AFAB-422EFDFD8316}" type="slidenum">
+              <a:rPr kumimoji="1" lang="ja-JP" altLang="en-US" smtClean="0"/>
+              <a:t>8</a:t>
+            </a:fld>
+            <a:endParaRPr kumimoji="1" lang="ja-JP" altLang="en-US"/>
+          </a:p>
+        </p:txBody>
+      </p:sp>
+    </p:spTree>
+    <p:extLst>
+      <p:ext uri="{BB962C8B-B14F-4D97-AF65-F5344CB8AC3E}">
+        <p14:creationId xmlns:p14="http://schemas.microsoft.com/office/powerpoint/2010/main" val="3070335157"/>
+      </p:ext>
+    </p:extLst>
+  </p:cSld>
+  <p:clrMapOvr>
+    <a:masterClrMapping/>
+  </p:clrMapOvr>
+</p:notes>
+</file>
+
+<file path=ppt/notesSlides/notesSlide5.xml><?xml version="1.0" encoding="utf-8"?>
+<p:notes xmlns:a="http://schemas.openxmlformats.org/drawingml/2006/main" xmlns:r="http://schemas.openxmlformats.org/officeDocument/2006/relationships" xmlns:p="http://schemas.openxmlformats.org/presentationml/2006/main">
+  <p:cSld>
+    <p:spTree>
+      <p:nvGrpSpPr>
+        <p:cNvPr id="1" name=""/>
+        <p:cNvGrpSpPr/>
+        <p:nvPr/>
+      </p:nvGrpSpPr>
+      <p:grpSpPr>
+        <a:xfrm>
+          <a:off x="0" y="0"/>
+          <a:ext cx="0" cy="0"/>
+          <a:chOff x="0" y="0"/>
+          <a:chExt cx="0" cy="0"/>
+        </a:xfrm>
+      </p:grpSpPr>
+      <p:sp>
+        <p:nvSpPr>
+          <p:cNvPr id="2" name="スライド イメージ プレースホルダー 1"/>
+          <p:cNvSpPr>
+            <a:spLocks noGrp="1" noRot="1" noChangeAspect="1"/>
+          </p:cNvSpPr>
+          <p:nvPr>
+            <p:ph type="sldImg"/>
+          </p:nvPr>
+        </p:nvSpPr>
+        <p:spPr/>
+      </p:sp>
+      <p:sp>
+        <p:nvSpPr>
+          <p:cNvPr id="3" name="ノート プレースホルダー 2"/>
+          <p:cNvSpPr>
+            <a:spLocks noGrp="1"/>
+          </p:cNvSpPr>
+          <p:nvPr>
+            <p:ph type="body" idx="1"/>
+          </p:nvPr>
+        </p:nvSpPr>
+        <p:spPr/>
+        <p:txBody>
+          <a:bodyPr/>
+          <a:lstStyle/>
+          <a:p>
+            <a:r>
+              <a:rPr kumimoji="1" lang="ja-JP" altLang="en-US" dirty="0"/>
+              <a:t>画像だけ</a:t>
+            </a:r>
+          </a:p>
+        </p:txBody>
+      </p:sp>
+      <p:sp>
+        <p:nvSpPr>
+          <p:cNvPr id="4" name="スライド番号プレースホルダー 3"/>
+          <p:cNvSpPr>
+            <a:spLocks noGrp="1"/>
+          </p:cNvSpPr>
+          <p:nvPr>
+            <p:ph type="sldNum" sz="quarter" idx="5"/>
+          </p:nvPr>
+        </p:nvSpPr>
+        <p:spPr/>
+        <p:txBody>
+          <a:bodyPr/>
+          <a:lstStyle/>
+          <a:p>
+            <a:fld id="{76E231F8-1284-42C9-AFAB-422EFDFD8316}" type="slidenum">
+              <a:rPr kumimoji="1" lang="ja-JP" altLang="en-US" smtClean="0"/>
+              <a:t>9</a:t>
+            </a:fld>
+            <a:endParaRPr kumimoji="1" lang="ja-JP" altLang="en-US"/>
+          </a:p>
+        </p:txBody>
+      </p:sp>
+    </p:spTree>
+    <p:extLst>
+      <p:ext uri="{BB962C8B-B14F-4D97-AF65-F5344CB8AC3E}">
+        <p14:creationId xmlns:p14="http://schemas.microsoft.com/office/powerpoint/2010/main" val="477095253"/>
+      </p:ext>
+    </p:extLst>
+  </p:cSld>
+  <p:clrMapOvr>
+    <a:masterClrMapping/>
+  </p:clrMapOvr>
+</p:notes>
+</file>
+
+<file path=ppt/notesSlides/notesSlide6.xml><?xml version="1.0" encoding="utf-8"?>
+<p:notes xmlns:a="http://schemas.openxmlformats.org/drawingml/2006/main" xmlns:r="http://schemas.openxmlformats.org/officeDocument/2006/relationships" xmlns:p="http://schemas.openxmlformats.org/presentationml/2006/main">
+  <p:cSld>
+    <p:spTree>
+      <p:nvGrpSpPr>
+        <p:cNvPr id="1" name=""/>
+        <p:cNvGrpSpPr/>
+        <p:nvPr/>
+      </p:nvGrpSpPr>
+      <p:grpSpPr>
+        <a:xfrm>
+          <a:off x="0" y="0"/>
+          <a:ext cx="0" cy="0"/>
+          <a:chOff x="0" y="0"/>
+          <a:chExt cx="0" cy="0"/>
+        </a:xfrm>
+      </p:grpSpPr>
+      <p:sp>
+        <p:nvSpPr>
+          <p:cNvPr id="2" name="スライド イメージ プレースホルダー 1"/>
+          <p:cNvSpPr>
+            <a:spLocks noGrp="1" noRot="1" noChangeAspect="1"/>
+          </p:cNvSpPr>
+          <p:nvPr>
+            <p:ph type="sldImg"/>
+          </p:nvPr>
+        </p:nvSpPr>
+        <p:spPr/>
+      </p:sp>
+      <p:sp>
+        <p:nvSpPr>
+          <p:cNvPr id="3" name="ノート プレースホルダー 2"/>
+          <p:cNvSpPr>
+            <a:spLocks noGrp="1"/>
+          </p:cNvSpPr>
+          <p:nvPr>
+            <p:ph type="body" idx="1"/>
+          </p:nvPr>
+        </p:nvSpPr>
+        <p:spPr/>
+        <p:txBody>
+          <a:bodyPr/>
+          <a:lstStyle/>
+          <a:p>
+            <a:r>
+              <a:rPr kumimoji="1" lang="ja-JP" altLang="en-US" dirty="0"/>
+              <a:t>ウィッシュリストに追加を押してマイページに反映されていてそのままコレクションの部分も見せるところまでを動画にする</a:t>
+            </a:r>
+          </a:p>
+        </p:txBody>
+      </p:sp>
+      <p:sp>
+        <p:nvSpPr>
+          <p:cNvPr id="4" name="スライド番号プレースホルダー 3"/>
+          <p:cNvSpPr>
+            <a:spLocks noGrp="1"/>
+          </p:cNvSpPr>
+          <p:nvPr>
+            <p:ph type="sldNum" sz="quarter" idx="5"/>
+          </p:nvPr>
+        </p:nvSpPr>
+        <p:spPr/>
+        <p:txBody>
+          <a:bodyPr/>
+          <a:lstStyle/>
+          <a:p>
+            <a:fld id="{76E231F8-1284-42C9-AFAB-422EFDFD8316}" type="slidenum">
+              <a:rPr kumimoji="1" lang="ja-JP" altLang="en-US" smtClean="0"/>
+              <a:t>10</a:t>
+            </a:fld>
+            <a:endParaRPr kumimoji="1" lang="ja-JP" altLang="en-US"/>
+          </a:p>
+        </p:txBody>
+      </p:sp>
+    </p:spTree>
+    <p:extLst>
+      <p:ext uri="{BB962C8B-B14F-4D97-AF65-F5344CB8AC3E}">
+        <p14:creationId xmlns:p14="http://schemas.microsoft.com/office/powerpoint/2010/main" val="370744875"/>
+      </p:ext>
+    </p:extLst>
+  </p:cSld>
+  <p:clrMapOvr>
+    <a:masterClrMapping/>
+  </p:clrMapOvr>
+</p:notes>
+</file>
+
+<file path=ppt/notesSlides/notesSlide7.xml><?xml version="1.0" encoding="utf-8"?>
+<p:notes xmlns:a="http://schemas.openxmlformats.org/drawingml/2006/main" xmlns:r="http://schemas.openxmlformats.org/officeDocument/2006/relationships" xmlns:p="http://schemas.openxmlformats.org/presentationml/2006/main">
+  <p:cSld>
+    <p:spTree>
+      <p:nvGrpSpPr>
+        <p:cNvPr id="1" name=""/>
+        <p:cNvGrpSpPr/>
+        <p:nvPr/>
+      </p:nvGrpSpPr>
+      <p:grpSpPr>
+        <a:xfrm>
+          <a:off x="0" y="0"/>
+          <a:ext cx="0" cy="0"/>
+          <a:chOff x="0" y="0"/>
+          <a:chExt cx="0" cy="0"/>
+        </a:xfrm>
+      </p:grpSpPr>
+      <p:sp>
+        <p:nvSpPr>
+          <p:cNvPr id="2" name="スライド イメージ プレースホルダー 1"/>
+          <p:cNvSpPr>
+            <a:spLocks noGrp="1" noRot="1" noChangeAspect="1"/>
+          </p:cNvSpPr>
+          <p:nvPr>
+            <p:ph type="sldImg"/>
+          </p:nvPr>
+        </p:nvSpPr>
+        <p:spPr/>
+      </p:sp>
+      <p:sp>
+        <p:nvSpPr>
+          <p:cNvPr id="3" name="ノート プレースホルダー 2"/>
+          <p:cNvSpPr>
+            <a:spLocks noGrp="1"/>
+          </p:cNvSpPr>
+          <p:nvPr>
+            <p:ph type="body" idx="1"/>
+          </p:nvPr>
+        </p:nvSpPr>
+        <p:spPr/>
+        <p:txBody>
+          <a:bodyPr/>
+          <a:lstStyle/>
+          <a:p>
+            <a:r>
+              <a:rPr kumimoji="1" lang="ja-JP" altLang="en-US" dirty="0"/>
+              <a:t>予め入力しておいて投函の部分を動画にする</a:t>
+            </a:r>
+          </a:p>
+        </p:txBody>
+      </p:sp>
+      <p:sp>
+        <p:nvSpPr>
+          <p:cNvPr id="4" name="スライド番号プレースホルダー 3"/>
+          <p:cNvSpPr>
+            <a:spLocks noGrp="1"/>
+          </p:cNvSpPr>
+          <p:nvPr>
+            <p:ph type="sldNum" sz="quarter" idx="5"/>
+          </p:nvPr>
+        </p:nvSpPr>
+        <p:spPr/>
+        <p:txBody>
+          <a:bodyPr/>
+          <a:lstStyle/>
+          <a:p>
+            <a:fld id="{76E231F8-1284-42C9-AFAB-422EFDFD8316}" type="slidenum">
+              <a:rPr kumimoji="1" lang="ja-JP" altLang="en-US" smtClean="0"/>
+              <a:t>11</a:t>
+            </a:fld>
+            <a:endParaRPr kumimoji="1" lang="ja-JP" altLang="en-US"/>
+          </a:p>
+        </p:txBody>
+      </p:sp>
+    </p:spTree>
+    <p:extLst>
+      <p:ext uri="{BB962C8B-B14F-4D97-AF65-F5344CB8AC3E}">
+        <p14:creationId xmlns:p14="http://schemas.microsoft.com/office/powerpoint/2010/main" val="4127674789"/>
+      </p:ext>
+    </p:extLst>
+  </p:cSld>
+  <p:clrMapOvr>
+    <a:masterClrMapping/>
+  </p:clrMapOvr>
+</p:notes>
+</file>
+
+<file path=ppt/notesSlides/notesSlide8.xml><?xml version="1.0" encoding="utf-8"?>
+<p:notes xmlns:a="http://schemas.openxmlformats.org/drawingml/2006/main" xmlns:r="http://schemas.openxmlformats.org/officeDocument/2006/relationships" xmlns:p="http://schemas.openxmlformats.org/presentationml/2006/main">
+  <p:cSld>
+    <p:spTree>
+      <p:nvGrpSpPr>
+        <p:cNvPr id="1" name=""/>
+        <p:cNvGrpSpPr/>
+        <p:nvPr/>
+      </p:nvGrpSpPr>
+      <p:grpSpPr>
+        <a:xfrm>
+          <a:off x="0" y="0"/>
+          <a:ext cx="0" cy="0"/>
+          <a:chOff x="0" y="0"/>
+          <a:chExt cx="0" cy="0"/>
+        </a:xfrm>
+      </p:grpSpPr>
+      <p:sp>
+        <p:nvSpPr>
+          <p:cNvPr id="2" name="スライド イメージ プレースホルダー 1"/>
+          <p:cNvSpPr>
+            <a:spLocks noGrp="1" noRot="1" noChangeAspect="1"/>
+          </p:cNvSpPr>
+          <p:nvPr>
+            <p:ph type="sldImg"/>
+          </p:nvPr>
+        </p:nvSpPr>
+        <p:spPr/>
+      </p:sp>
+      <p:sp>
+        <p:nvSpPr>
+          <p:cNvPr id="3" name="ノート プレースホルダー 2"/>
+          <p:cNvSpPr>
+            <a:spLocks noGrp="1"/>
+          </p:cNvSpPr>
+          <p:nvPr>
+            <p:ph type="body" idx="1"/>
+          </p:nvPr>
+        </p:nvSpPr>
+        <p:spPr/>
+        <p:txBody>
+          <a:bodyPr/>
+          <a:lstStyle/>
+          <a:p>
+            <a:r>
+              <a:rPr kumimoji="1" lang="ja-JP" altLang="en-US" dirty="0"/>
+              <a:t>タブの切り替えの動画</a:t>
+            </a:r>
+          </a:p>
+        </p:txBody>
+      </p:sp>
+      <p:sp>
+        <p:nvSpPr>
+          <p:cNvPr id="4" name="スライド番号プレースホルダー 3"/>
+          <p:cNvSpPr>
+            <a:spLocks noGrp="1"/>
+          </p:cNvSpPr>
+          <p:nvPr>
+            <p:ph type="sldNum" sz="quarter" idx="5"/>
+          </p:nvPr>
+        </p:nvSpPr>
+        <p:spPr/>
+        <p:txBody>
+          <a:bodyPr/>
+          <a:lstStyle/>
+          <a:p>
+            <a:fld id="{76E231F8-1284-42C9-AFAB-422EFDFD8316}" type="slidenum">
+              <a:rPr kumimoji="1" lang="ja-JP" altLang="en-US" smtClean="0"/>
+              <a:t>12</a:t>
+            </a:fld>
+            <a:endParaRPr kumimoji="1" lang="ja-JP" altLang="en-US"/>
+          </a:p>
+        </p:txBody>
+      </p:sp>
+    </p:spTree>
+    <p:extLst>
+      <p:ext uri="{BB962C8B-B14F-4D97-AF65-F5344CB8AC3E}">
+        <p14:creationId xmlns:p14="http://schemas.microsoft.com/office/powerpoint/2010/main" val="1866328415"/>
+      </p:ext>
+    </p:extLst>
+  </p:cSld>
+  <p:clrMapOvr>
+    <a:masterClrMapping/>
+  </p:clrMapOvr>
+</p:notes>
+</file>
+
+<file path=ppt/notesSlides/notesSlide9.xml><?xml version="1.0" encoding="utf-8"?>
+<p:notes xmlns:a="http://schemas.openxmlformats.org/drawingml/2006/main" xmlns:r="http://schemas.openxmlformats.org/officeDocument/2006/relationships" xmlns:p="http://schemas.openxmlformats.org/presentationml/2006/main">
+  <p:cSld>
+    <p:spTree>
+      <p:nvGrpSpPr>
+        <p:cNvPr id="1" name=""/>
+        <p:cNvGrpSpPr/>
+        <p:nvPr/>
+      </p:nvGrpSpPr>
+      <p:grpSpPr>
+        <a:xfrm>
+          <a:off x="0" y="0"/>
+          <a:ext cx="0" cy="0"/>
+          <a:chOff x="0" y="0"/>
+          <a:chExt cx="0" cy="0"/>
+        </a:xfrm>
+      </p:grpSpPr>
+      <p:sp>
+        <p:nvSpPr>
+          <p:cNvPr id="2" name="スライド イメージ プレースホルダー 1"/>
+          <p:cNvSpPr>
+            <a:spLocks noGrp="1" noRot="1" noChangeAspect="1"/>
+          </p:cNvSpPr>
+          <p:nvPr>
+            <p:ph type="sldImg"/>
+          </p:nvPr>
+        </p:nvSpPr>
+        <p:spPr/>
+      </p:sp>
+      <p:sp>
+        <p:nvSpPr>
+          <p:cNvPr id="3" name="ノート プレースホルダー 2"/>
+          <p:cNvSpPr>
+            <a:spLocks noGrp="1"/>
+          </p:cNvSpPr>
+          <p:nvPr>
+            <p:ph type="body" idx="1"/>
+          </p:nvPr>
+        </p:nvSpPr>
+        <p:spPr/>
+        <p:txBody>
+          <a:bodyPr/>
+          <a:lstStyle/>
+          <a:p>
+            <a:r>
+              <a:rPr kumimoji="1" lang="ja-JP" altLang="en-US" dirty="0"/>
+              <a:t>ランダムチャットを開始してチャットを送ってアイコンクリックしてお気に入り登録までを動画にする</a:t>
+            </a:r>
+          </a:p>
+        </p:txBody>
+      </p:sp>
+      <p:sp>
+        <p:nvSpPr>
+          <p:cNvPr id="4" name="スライド番号プレースホルダー 3"/>
+          <p:cNvSpPr>
+            <a:spLocks noGrp="1"/>
+          </p:cNvSpPr>
+          <p:nvPr>
+            <p:ph type="sldNum" sz="quarter" idx="5"/>
+          </p:nvPr>
+        </p:nvSpPr>
+        <p:spPr/>
+        <p:txBody>
+          <a:bodyPr/>
+          <a:lstStyle/>
+          <a:p>
+            <a:fld id="{76E231F8-1284-42C9-AFAB-422EFDFD8316}" type="slidenum">
+              <a:rPr kumimoji="1" lang="ja-JP" altLang="en-US" smtClean="0"/>
+              <a:t>13</a:t>
+            </a:fld>
+            <a:endParaRPr kumimoji="1" lang="ja-JP" altLang="en-US"/>
+          </a:p>
+        </p:txBody>
+      </p:sp>
+    </p:spTree>
+    <p:extLst>
+      <p:ext uri="{BB962C8B-B14F-4D97-AF65-F5344CB8AC3E}">
+        <p14:creationId xmlns:p14="http://schemas.microsoft.com/office/powerpoint/2010/main" val="1278653513"/>
+      </p:ext>
+    </p:extLst>
+  </p:cSld>
+  <p:clrMapOvr>
+    <a:masterClrMapping/>
+  </p:clrMapOvr>
+</p:notes>
+</file>
+
 <file path=ppt/slideLayouts/slideLayout1.xml><?xml version="1.0" encoding="utf-8"?>
 <p:sldLayout xmlns:a="http://schemas.openxmlformats.org/drawingml/2006/main" xmlns:r="http://schemas.openxmlformats.org/officeDocument/2006/relationships" xmlns:p="http://schemas.openxmlformats.org/presentationml/2006/main" type="title" preserve="1">
   <p:cSld name="タイトル スライド">
@@ -413,7 +1761,7 @@
           <a:p>
             <a:fld id="{38CE34FB-FB6D-4725-ACFE-A31F6E15DE31}" type="datetimeFigureOut">
               <a:rPr kumimoji="1" lang="ja-JP" altLang="en-US" smtClean="0"/>
-              <a:t>2024/6/21</a:t>
+              <a:t>2024/6/25</a:t>
             </a:fld>
             <a:endParaRPr kumimoji="1" lang="ja-JP" altLang="en-US"/>
           </a:p>
@@ -643,7 +1991,7 @@
           <a:p>
             <a:fld id="{38CE34FB-FB6D-4725-ACFE-A31F6E15DE31}" type="datetimeFigureOut">
               <a:rPr kumimoji="1" lang="ja-JP" altLang="en-US" smtClean="0"/>
-              <a:t>2024/6/21</a:t>
+              <a:t>2024/6/25</a:t>
             </a:fld>
             <a:endParaRPr kumimoji="1" lang="ja-JP" altLang="en-US"/>
           </a:p>
@@ -883,7 +2231,7 @@
           <a:p>
             <a:fld id="{38CE34FB-FB6D-4725-ACFE-A31F6E15DE31}" type="datetimeFigureOut">
               <a:rPr kumimoji="1" lang="ja-JP" altLang="en-US" smtClean="0"/>
-              <a:t>2024/6/21</a:t>
+              <a:t>2024/6/25</a:t>
             </a:fld>
             <a:endParaRPr kumimoji="1" lang="ja-JP" altLang="en-US"/>
           </a:p>
@@ -1113,7 +2461,7 @@
           <a:p>
             <a:fld id="{38CE34FB-FB6D-4725-ACFE-A31F6E15DE31}" type="datetimeFigureOut">
               <a:rPr kumimoji="1" lang="ja-JP" altLang="en-US" smtClean="0"/>
-              <a:t>2024/6/21</a:t>
+              <a:t>2024/6/25</a:t>
             </a:fld>
             <a:endParaRPr kumimoji="1" lang="ja-JP" altLang="en-US"/>
           </a:p>
@@ -1388,7 +2736,7 @@
           <a:p>
             <a:fld id="{38CE34FB-FB6D-4725-ACFE-A31F6E15DE31}" type="datetimeFigureOut">
               <a:rPr kumimoji="1" lang="ja-JP" altLang="en-US" smtClean="0"/>
-              <a:t>2024/6/21</a:t>
+              <a:t>2024/6/25</a:t>
             </a:fld>
             <a:endParaRPr kumimoji="1" lang="ja-JP" altLang="en-US"/>
           </a:p>
@@ -1717,7 +3065,7 @@
           <a:p>
             <a:fld id="{38CE34FB-FB6D-4725-ACFE-A31F6E15DE31}" type="datetimeFigureOut">
               <a:rPr kumimoji="1" lang="ja-JP" altLang="en-US" smtClean="0"/>
-              <a:t>2024/6/21</a:t>
+              <a:t>2024/6/25</a:t>
             </a:fld>
             <a:endParaRPr kumimoji="1" lang="ja-JP" altLang="en-US"/>
           </a:p>
@@ -2193,7 +3541,7 @@
           <a:p>
             <a:fld id="{38CE34FB-FB6D-4725-ACFE-A31F6E15DE31}" type="datetimeFigureOut">
               <a:rPr kumimoji="1" lang="ja-JP" altLang="en-US" smtClean="0"/>
-              <a:t>2024/6/21</a:t>
+              <a:t>2024/6/25</a:t>
             </a:fld>
             <a:endParaRPr kumimoji="1" lang="ja-JP" altLang="en-US"/>
           </a:p>
@@ -2334,7 +3682,7 @@
           <a:p>
             <a:fld id="{38CE34FB-FB6D-4725-ACFE-A31F6E15DE31}" type="datetimeFigureOut">
               <a:rPr kumimoji="1" lang="ja-JP" altLang="en-US" smtClean="0"/>
-              <a:t>2024/6/21</a:t>
+              <a:t>2024/6/25</a:t>
             </a:fld>
             <a:endParaRPr kumimoji="1" lang="ja-JP" altLang="en-US"/>
           </a:p>
@@ -2447,7 +3795,7 @@
           <a:p>
             <a:fld id="{38CE34FB-FB6D-4725-ACFE-A31F6E15DE31}" type="datetimeFigureOut">
               <a:rPr kumimoji="1" lang="ja-JP" altLang="en-US" smtClean="0"/>
-              <a:t>2024/6/21</a:t>
+              <a:t>2024/6/25</a:t>
             </a:fld>
             <a:endParaRPr kumimoji="1" lang="ja-JP" altLang="en-US"/>
           </a:p>
@@ -2790,7 +4138,7 @@
           <a:p>
             <a:fld id="{38CE34FB-FB6D-4725-ACFE-A31F6E15DE31}" type="datetimeFigureOut">
               <a:rPr kumimoji="1" lang="ja-JP" altLang="en-US" smtClean="0"/>
-              <a:t>2024/6/21</a:t>
+              <a:t>2024/6/25</a:t>
             </a:fld>
             <a:endParaRPr kumimoji="1" lang="ja-JP" altLang="en-US"/>
           </a:p>
@@ -3078,7 +4426,7 @@
           <a:p>
             <a:fld id="{38CE34FB-FB6D-4725-ACFE-A31F6E15DE31}" type="datetimeFigureOut">
               <a:rPr kumimoji="1" lang="ja-JP" altLang="en-US" smtClean="0"/>
-              <a:t>2024/6/21</a:t>
+              <a:t>2024/6/25</a:t>
             </a:fld>
             <a:endParaRPr kumimoji="1" lang="ja-JP" altLang="en-US"/>
           </a:p>
@@ -3351,7 +4699,7 @@
           <a:p>
             <a:fld id="{38CE34FB-FB6D-4725-ACFE-A31F6E15DE31}" type="datetimeFigureOut">
               <a:rPr kumimoji="1" lang="ja-JP" altLang="en-US" smtClean="0"/>
-              <a:t>2024/6/21</a:t>
+              <a:t>2024/6/25</a:t>
             </a:fld>
             <a:endParaRPr kumimoji="1" lang="ja-JP" altLang="en-US"/>
           </a:p>
@@ -3830,42 +5178,6 @@
           </a:p>
         </p:txBody>
       </p:sp>
-      <p:sp>
-        <p:nvSpPr>
-          <p:cNvPr id="5" name="テキスト ボックス 4">
-            <a:extLst>
-              <a:ext uri="{FF2B5EF4-FFF2-40B4-BE49-F238E27FC236}">
-                <a16:creationId xmlns:a16="http://schemas.microsoft.com/office/drawing/2014/main" id="{0C666A60-C1ED-384B-4858-60DB56BDA09C}"/>
-              </a:ext>
-            </a:extLst>
-          </p:cNvPr>
-          <p:cNvSpPr txBox="1"/>
-          <p:nvPr/>
-        </p:nvSpPr>
-        <p:spPr>
-          <a:xfrm>
-            <a:off x="9999406" y="1022555"/>
-            <a:ext cx="1248697" cy="369332"/>
-          </a:xfrm>
-          <a:prstGeom prst="rect">
-            <a:avLst/>
-          </a:prstGeom>
-          <a:noFill/>
-        </p:spPr>
-        <p:txBody>
-          <a:bodyPr wrap="square" rtlCol="0">
-            <a:spAutoFit/>
-          </a:bodyPr>
-          <a:lstStyle/>
-          <a:p>
-            <a:r>
-              <a:rPr kumimoji="1" lang="en-US" altLang="ja-JP" dirty="0"/>
-              <a:t>10s</a:t>
-            </a:r>
-            <a:endParaRPr kumimoji="1" lang="ja-JP" altLang="en-US" dirty="0"/>
-          </a:p>
-        </p:txBody>
-      </p:sp>
     </p:spTree>
     <p:extLst>
       <p:ext uri="{BB962C8B-B14F-4D97-AF65-F5344CB8AC3E}">
@@ -3898,10 +5210,10 @@
       </p:grpSpPr>
       <p:pic>
         <p:nvPicPr>
-          <p:cNvPr id="3" name="図 2" descr="建物, 障子, ブラインド が含まれている画像&#10;&#10;自動的に生成された説明">
-            <a:extLst>
-              <a:ext uri="{FF2B5EF4-FFF2-40B4-BE49-F238E27FC236}">
-                <a16:creationId xmlns:a16="http://schemas.microsoft.com/office/drawing/2014/main" id="{08F6AA6F-48F6-BC88-5C5F-159A23AEEBB1}"/>
+          <p:cNvPr id="2" name="図 1">
+            <a:extLst>
+              <a:ext uri="{FF2B5EF4-FFF2-40B4-BE49-F238E27FC236}">
+                <a16:creationId xmlns:a16="http://schemas.microsoft.com/office/drawing/2014/main" id="{E7BD712C-DE4D-0BFD-1E2B-613BEBE0FAC1}"/>
               </a:ext>
             </a:extLst>
           </p:cNvPr>
@@ -3911,7 +5223,7 @@
           <p:nvPr/>
         </p:nvPicPr>
         <p:blipFill>
-          <a:blip r:embed="rId2">
+          <a:blip r:embed="rId3" cstate="print">
             <a:extLst>
               <a:ext uri="{28A0092B-C50C-407E-A947-70E740481C1C}">
                 <a14:useLocalDpi xmlns:a14="http://schemas.microsoft.com/office/drawing/2010/main" val="0"/>
@@ -3924,168 +5236,18 @@
         </p:blipFill>
         <p:spPr>
           <a:xfrm>
-            <a:off x="7447888" y="1675677"/>
-            <a:ext cx="4744112" cy="5182323"/>
+            <a:off x="175953" y="148930"/>
+            <a:ext cx="11840094" cy="6350192"/>
           </a:xfrm>
           <a:prstGeom prst="rect">
             <a:avLst/>
           </a:prstGeom>
         </p:spPr>
       </p:pic>
-      <p:sp>
-        <p:nvSpPr>
-          <p:cNvPr id="4" name="テキスト ボックス 3">
-            <a:extLst>
-              <a:ext uri="{FF2B5EF4-FFF2-40B4-BE49-F238E27FC236}">
-                <a16:creationId xmlns:a16="http://schemas.microsoft.com/office/drawing/2014/main" id="{FDEAA169-376D-07AD-5B8E-A003465E0303}"/>
-              </a:ext>
-            </a:extLst>
-          </p:cNvPr>
-          <p:cNvSpPr txBox="1"/>
-          <p:nvPr/>
-        </p:nvSpPr>
-        <p:spPr>
-          <a:xfrm>
-            <a:off x="614565" y="2084438"/>
-            <a:ext cx="6528619" cy="1754326"/>
-          </a:xfrm>
-          <a:prstGeom prst="rect">
-            <a:avLst/>
-          </a:prstGeom>
-          <a:noFill/>
-        </p:spPr>
-        <p:txBody>
-          <a:bodyPr wrap="square" rtlCol="0">
-            <a:spAutoFit/>
-          </a:bodyPr>
-          <a:lstStyle/>
-          <a:p>
-            <a:r>
-              <a:rPr kumimoji="1" lang="ja-JP" altLang="en-US" dirty="0"/>
-              <a:t>どのぐらいのファイル数があるのかを数字を出して苦労さを伝える。この数のファイルをわずか</a:t>
-            </a:r>
-            <a:r>
-              <a:rPr kumimoji="1" lang="en-US" altLang="ja-JP" dirty="0"/>
-              <a:t>1</a:t>
-            </a:r>
-            <a:r>
-              <a:rPr kumimoji="1" lang="ja-JP" altLang="en-US" dirty="0"/>
-              <a:t>週間で作ったんだぞ！</a:t>
-            </a:r>
-            <a:endParaRPr kumimoji="1" lang="en-US" altLang="ja-JP" dirty="0"/>
-          </a:p>
-          <a:p>
-            <a:endParaRPr lang="en-US" altLang="ja-JP" dirty="0"/>
-          </a:p>
-          <a:p>
-            <a:r>
-              <a:rPr lang="ja-JP" altLang="en-US" dirty="0"/>
-              <a:t>こんなにもファイルがあるとデザインが得意な人はすべて</a:t>
-            </a:r>
-            <a:r>
-              <a:rPr lang="en-US" altLang="ja-JP" dirty="0" err="1"/>
-              <a:t>jsp</a:t>
-            </a:r>
-            <a:r>
-              <a:rPr lang="ja-JP" altLang="en-US" dirty="0"/>
-              <a:t>だけを担当ってしたくなりますよね？でも私達は全部分けたんだよ！すげえだろ</a:t>
-            </a:r>
-            <a:endParaRPr kumimoji="1" lang="ja-JP" altLang="en-US" dirty="0"/>
-          </a:p>
-        </p:txBody>
-      </p:sp>
-      <p:sp>
-        <p:nvSpPr>
-          <p:cNvPr id="5" name="正方形/長方形 4">
-            <a:extLst>
-              <a:ext uri="{FF2B5EF4-FFF2-40B4-BE49-F238E27FC236}">
-                <a16:creationId xmlns:a16="http://schemas.microsoft.com/office/drawing/2014/main" id="{2ED5D094-BFD6-54EC-79DA-C34C354A2540}"/>
-              </a:ext>
-            </a:extLst>
-          </p:cNvPr>
-          <p:cNvSpPr/>
-          <p:nvPr/>
-        </p:nvSpPr>
-        <p:spPr>
-          <a:xfrm>
-            <a:off x="3908631" y="499438"/>
-            <a:ext cx="3647152" cy="923330"/>
-          </a:xfrm>
-          <a:prstGeom prst="rect">
-            <a:avLst/>
-          </a:prstGeom>
-          <a:noFill/>
-        </p:spPr>
-        <p:txBody>
-          <a:bodyPr wrap="none" lIns="91440" tIns="45720" rIns="91440" bIns="45720">
-            <a:spAutoFit/>
-          </a:bodyPr>
-          <a:lstStyle/>
-          <a:p>
-            <a:pPr algn="ctr"/>
-            <a:r>
-              <a:rPr lang="ja-JP" altLang="en-US" sz="5400" b="0" cap="none" spc="0" dirty="0">
-                <a:ln w="0"/>
-                <a:solidFill>
-                  <a:schemeClr val="tx1"/>
-                </a:solidFill>
-                <a:effectLst>
-                  <a:outerShdw blurRad="38100" dist="19050" dir="2700000" algn="tl" rotWithShape="0">
-                    <a:schemeClr val="dk1">
-                      <a:alpha val="40000"/>
-                    </a:schemeClr>
-                  </a:outerShdw>
-                </a:effectLst>
-              </a:rPr>
-              <a:t>苦労した点</a:t>
-            </a:r>
-          </a:p>
-        </p:txBody>
-      </p:sp>
-      <p:sp>
-        <p:nvSpPr>
-          <p:cNvPr id="7" name="テキスト ボックス 6">
-            <a:extLst>
-              <a:ext uri="{FF2B5EF4-FFF2-40B4-BE49-F238E27FC236}">
-                <a16:creationId xmlns:a16="http://schemas.microsoft.com/office/drawing/2014/main" id="{717D69EA-9CB4-5F87-1524-ED81B3856AF5}"/>
-              </a:ext>
-            </a:extLst>
-          </p:cNvPr>
-          <p:cNvSpPr txBox="1"/>
-          <p:nvPr/>
-        </p:nvSpPr>
-        <p:spPr>
-          <a:xfrm>
-            <a:off x="9694606" y="796413"/>
-            <a:ext cx="1474839" cy="369332"/>
-          </a:xfrm>
-          <a:prstGeom prst="rect">
-            <a:avLst/>
-          </a:prstGeom>
-          <a:noFill/>
-        </p:spPr>
-        <p:txBody>
-          <a:bodyPr wrap="square" rtlCol="0">
-            <a:spAutoFit/>
-          </a:bodyPr>
-          <a:lstStyle/>
-          <a:p>
-            <a:r>
-              <a:rPr lang="en-US" altLang="ja-JP" dirty="0"/>
-              <a:t>2</a:t>
-            </a:r>
-            <a:r>
-              <a:rPr kumimoji="1" lang="en-US" altLang="ja-JP" dirty="0"/>
-              <a:t>m</a:t>
-            </a:r>
-            <a:endParaRPr kumimoji="1" lang="ja-JP" altLang="en-US" dirty="0"/>
-          </a:p>
-        </p:txBody>
-      </p:sp>
     </p:spTree>
     <p:extLst>
       <p:ext uri="{BB962C8B-B14F-4D97-AF65-F5344CB8AC3E}">
-        <p14:creationId xmlns:p14="http://schemas.microsoft.com/office/powerpoint/2010/main" val="2814706742"/>
+        <p14:creationId xmlns:p14="http://schemas.microsoft.com/office/powerpoint/2010/main" val="1911486462"/>
       </p:ext>
     </p:extLst>
   </p:cSld>
@@ -4112,103 +5274,57 @@
           <a:chExt cx="0" cy="0"/>
         </a:xfrm>
       </p:grpSpPr>
-      <p:sp>
-        <p:nvSpPr>
-          <p:cNvPr id="2" name="タイトル 1">
-            <a:extLst>
-              <a:ext uri="{FF2B5EF4-FFF2-40B4-BE49-F238E27FC236}">
-                <a16:creationId xmlns:a16="http://schemas.microsoft.com/office/drawing/2014/main" id="{2C26E2AB-5D9F-31D7-1294-80C3E6B91528}"/>
-              </a:ext>
-            </a:extLst>
-          </p:cNvPr>
-          <p:cNvSpPr>
-            <a:spLocks noGrp="1"/>
-          </p:cNvSpPr>
-          <p:nvPr>
-            <p:ph type="title"/>
-          </p:nvPr>
-        </p:nvSpPr>
-        <p:spPr/>
-        <p:txBody>
-          <a:bodyPr/>
-          <a:lstStyle/>
-          <a:p>
-            <a:pPr algn="ctr"/>
-            <a:r>
-              <a:rPr kumimoji="1" lang="ja-JP" altLang="en-US" dirty="0"/>
-              <a:t>対応策と結果</a:t>
-            </a:r>
-          </a:p>
-        </p:txBody>
-      </p:sp>
-      <p:sp>
-        <p:nvSpPr>
-          <p:cNvPr id="3" name="コンテンツ プレースホルダー 2">
-            <a:extLst>
-              <a:ext uri="{FF2B5EF4-FFF2-40B4-BE49-F238E27FC236}">
-                <a16:creationId xmlns:a16="http://schemas.microsoft.com/office/drawing/2014/main" id="{9EFBC251-DC36-83AB-BCA8-EA195F65335D}"/>
-              </a:ext>
-            </a:extLst>
-          </p:cNvPr>
-          <p:cNvSpPr>
-            <a:spLocks noGrp="1"/>
-          </p:cNvSpPr>
-          <p:nvPr>
-            <p:ph idx="1"/>
-          </p:nvPr>
-        </p:nvSpPr>
-        <p:spPr/>
-        <p:txBody>
-          <a:bodyPr/>
-          <a:lstStyle/>
-          <a:p>
-            <a:pPr marL="0" indent="0">
-              <a:buNone/>
-            </a:pPr>
-            <a:endParaRPr kumimoji="1" lang="ja-JP" altLang="en-US" dirty="0"/>
-          </a:p>
-        </p:txBody>
-      </p:sp>
-      <p:sp>
-        <p:nvSpPr>
-          <p:cNvPr id="4" name="テキスト ボックス 3">
-            <a:extLst>
-              <a:ext uri="{FF2B5EF4-FFF2-40B4-BE49-F238E27FC236}">
-                <a16:creationId xmlns:a16="http://schemas.microsoft.com/office/drawing/2014/main" id="{1D181F5D-92A3-D026-8131-1DF147688403}"/>
-              </a:ext>
-            </a:extLst>
-          </p:cNvPr>
-          <p:cNvSpPr txBox="1"/>
+      <p:pic>
+        <p:nvPicPr>
+          <p:cNvPr id="2049" name="Picture 1">
+            <a:extLst>
+              <a:ext uri="{FF2B5EF4-FFF2-40B4-BE49-F238E27FC236}">
+                <a16:creationId xmlns:a16="http://schemas.microsoft.com/office/drawing/2014/main" id="{42074A44-F6EC-D995-FFB7-BC620652FF57}"/>
+              </a:ext>
+            </a:extLst>
+          </p:cNvPr>
+          <p:cNvPicPr>
+            <a:picLocks noChangeAspect="1" noChangeArrowheads="1"/>
+          </p:cNvPicPr>
           <p:nvPr/>
-        </p:nvSpPr>
-        <p:spPr>
+        </p:nvPicPr>
+        <p:blipFill>
+          <a:blip r:embed="rId3">
+            <a:extLst>
+              <a:ext uri="{28A0092B-C50C-407E-A947-70E740481C1C}">
+                <a14:useLocalDpi xmlns:a14="http://schemas.microsoft.com/office/drawing/2010/main" val="0"/>
+              </a:ext>
+            </a:extLst>
+          </a:blip>
+          <a:srcRect/>
+          <a:stretch>
+            <a:fillRect/>
+          </a:stretch>
+        </p:blipFill>
+        <p:spPr bwMode="auto">
           <a:xfrm>
-            <a:off x="9694606" y="796413"/>
-            <a:ext cx="1474839" cy="369332"/>
+            <a:off x="178747" y="76199"/>
+            <a:ext cx="11834506" cy="6496712"/>
           </a:xfrm>
           <a:prstGeom prst="rect">
             <a:avLst/>
           </a:prstGeom>
           <a:noFill/>
+          <a:extLst>
+            <a:ext uri="{909E8E84-426E-40DD-AFC4-6F175D3DCCD1}">
+              <a14:hiddenFill xmlns:a14="http://schemas.microsoft.com/office/drawing/2010/main">
+                <a:solidFill>
+                  <a:srgbClr val="FFFFFF"/>
+                </a:solidFill>
+              </a14:hiddenFill>
+            </a:ext>
+          </a:extLst>
         </p:spPr>
-        <p:txBody>
-          <a:bodyPr wrap="square" rtlCol="0">
-            <a:spAutoFit/>
-          </a:bodyPr>
-          <a:lstStyle/>
-          <a:p>
-            <a:r>
-              <a:rPr kumimoji="1" lang="en-US" altLang="ja-JP" dirty="0"/>
-              <a:t>1m</a:t>
-            </a:r>
-            <a:endParaRPr kumimoji="1" lang="ja-JP" altLang="en-US" dirty="0"/>
-          </a:p>
-        </p:txBody>
-      </p:sp>
+      </p:pic>
     </p:spTree>
     <p:extLst>
       <p:ext uri="{BB962C8B-B14F-4D97-AF65-F5344CB8AC3E}">
-        <p14:creationId xmlns:p14="http://schemas.microsoft.com/office/powerpoint/2010/main" val="1470458677"/>
+        <p14:creationId xmlns:p14="http://schemas.microsoft.com/office/powerpoint/2010/main" val="2130803921"/>
       </p:ext>
     </p:extLst>
   </p:cSld>
@@ -4235,103 +5351,46 @@
           <a:chExt cx="0" cy="0"/>
         </a:xfrm>
       </p:grpSpPr>
-      <p:sp>
-        <p:nvSpPr>
-          <p:cNvPr id="2" name="タイトル 1">
-            <a:extLst>
-              <a:ext uri="{FF2B5EF4-FFF2-40B4-BE49-F238E27FC236}">
-                <a16:creationId xmlns:a16="http://schemas.microsoft.com/office/drawing/2014/main" id="{740C3340-9848-2E93-A2CE-A21EF90CC8C3}"/>
-              </a:ext>
-            </a:extLst>
-          </p:cNvPr>
-          <p:cNvSpPr>
-            <a:spLocks noGrp="1"/>
-          </p:cNvSpPr>
-          <p:nvPr>
-            <p:ph type="title"/>
-          </p:nvPr>
-        </p:nvSpPr>
-        <p:spPr/>
-        <p:txBody>
-          <a:bodyPr/>
-          <a:lstStyle/>
-          <a:p>
-            <a:pPr algn="ctr"/>
-            <a:r>
-              <a:rPr kumimoji="1" lang="ja-JP" altLang="en-US" dirty="0"/>
-              <a:t>学んだ点</a:t>
-            </a:r>
-          </a:p>
-        </p:txBody>
-      </p:sp>
-      <p:sp>
-        <p:nvSpPr>
-          <p:cNvPr id="3" name="コンテンツ プレースホルダー 2">
-            <a:extLst>
-              <a:ext uri="{FF2B5EF4-FFF2-40B4-BE49-F238E27FC236}">
-                <a16:creationId xmlns:a16="http://schemas.microsoft.com/office/drawing/2014/main" id="{83DE67FB-5A8A-3EAC-5FF4-58EB3CF63890}"/>
-              </a:ext>
-            </a:extLst>
-          </p:cNvPr>
-          <p:cNvSpPr>
-            <a:spLocks noGrp="1"/>
-          </p:cNvSpPr>
-          <p:nvPr>
-            <p:ph idx="1"/>
-          </p:nvPr>
-        </p:nvSpPr>
-        <p:spPr/>
-        <p:txBody>
-          <a:bodyPr/>
-          <a:lstStyle/>
-          <a:p>
-            <a:pPr marL="0" indent="0">
-              <a:buNone/>
-            </a:pPr>
-            <a:endParaRPr kumimoji="1" lang="ja-JP" altLang="en-US" dirty="0"/>
-          </a:p>
-        </p:txBody>
-      </p:sp>
-      <p:sp>
-        <p:nvSpPr>
-          <p:cNvPr id="4" name="テキスト ボックス 3">
-            <a:extLst>
-              <a:ext uri="{FF2B5EF4-FFF2-40B4-BE49-F238E27FC236}">
-                <a16:creationId xmlns:a16="http://schemas.microsoft.com/office/drawing/2014/main" id="{9FF0C071-7E3A-0CAD-6845-EC0CA82DD7A2}"/>
-              </a:ext>
-            </a:extLst>
-          </p:cNvPr>
-          <p:cNvSpPr txBox="1"/>
+      <p:pic>
+        <p:nvPicPr>
+          <p:cNvPr id="2" name="図 1">
+            <a:extLst>
+              <a:ext uri="{FF2B5EF4-FFF2-40B4-BE49-F238E27FC236}">
+                <a16:creationId xmlns:a16="http://schemas.microsoft.com/office/drawing/2014/main" id="{DB9C8A29-3AE4-194A-6284-485CF047A766}"/>
+              </a:ext>
+            </a:extLst>
+          </p:cNvPr>
+          <p:cNvPicPr>
+            <a:picLocks noChangeAspect="1"/>
+          </p:cNvPicPr>
           <p:nvPr/>
-        </p:nvSpPr>
+        </p:nvPicPr>
+        <p:blipFill>
+          <a:blip r:embed="rId3" cstate="print">
+            <a:extLst>
+              <a:ext uri="{28A0092B-C50C-407E-A947-70E740481C1C}">
+                <a14:useLocalDpi xmlns:a14="http://schemas.microsoft.com/office/drawing/2010/main" val="0"/>
+              </a:ext>
+            </a:extLst>
+          </a:blip>
+          <a:stretch>
+            <a:fillRect/>
+          </a:stretch>
+        </p:blipFill>
         <p:spPr>
           <a:xfrm>
-            <a:off x="9694606" y="796413"/>
-            <a:ext cx="1474839" cy="369332"/>
+            <a:off x="684489" y="351485"/>
+            <a:ext cx="11080218" cy="6155030"/>
           </a:xfrm>
           <a:prstGeom prst="rect">
             <a:avLst/>
           </a:prstGeom>
-          <a:noFill/>
         </p:spPr>
-        <p:txBody>
-          <a:bodyPr wrap="square" rtlCol="0">
-            <a:spAutoFit/>
-          </a:bodyPr>
-          <a:lstStyle/>
-          <a:p>
-            <a:r>
-              <a:rPr kumimoji="1" lang="en-US" altLang="ja-JP" dirty="0"/>
-              <a:t>1m</a:t>
-            </a:r>
-            <a:endParaRPr kumimoji="1" lang="ja-JP" altLang="en-US" dirty="0"/>
-          </a:p>
-        </p:txBody>
-      </p:sp>
+      </p:pic>
     </p:spTree>
     <p:extLst>
       <p:ext uri="{BB962C8B-B14F-4D97-AF65-F5344CB8AC3E}">
-        <p14:creationId xmlns:p14="http://schemas.microsoft.com/office/powerpoint/2010/main" val="2833995024"/>
+        <p14:creationId xmlns:p14="http://schemas.microsoft.com/office/powerpoint/2010/main" val="2892912494"/>
       </p:ext>
     </p:extLst>
   </p:cSld>
@@ -4358,100 +5417,46 @@
           <a:chExt cx="0" cy="0"/>
         </a:xfrm>
       </p:grpSpPr>
-      <p:sp>
-        <p:nvSpPr>
-          <p:cNvPr id="2" name="タイトル 1">
-            <a:extLst>
-              <a:ext uri="{FF2B5EF4-FFF2-40B4-BE49-F238E27FC236}">
-                <a16:creationId xmlns:a16="http://schemas.microsoft.com/office/drawing/2014/main" id="{F969997C-0363-413F-B704-C51B1D557434}"/>
-              </a:ext>
-            </a:extLst>
-          </p:cNvPr>
-          <p:cNvSpPr>
-            <a:spLocks noGrp="1"/>
-          </p:cNvSpPr>
-          <p:nvPr>
-            <p:ph type="title"/>
-          </p:nvPr>
-        </p:nvSpPr>
-        <p:spPr/>
-        <p:txBody>
-          <a:bodyPr/>
-          <a:lstStyle/>
-          <a:p>
-            <a:pPr algn="ctr"/>
-            <a:r>
-              <a:rPr kumimoji="1" lang="ja-JP" altLang="en-US" dirty="0"/>
-              <a:t>亀田翼　　</a:t>
-            </a:r>
-          </a:p>
-        </p:txBody>
-      </p:sp>
-      <p:sp>
-        <p:nvSpPr>
-          <p:cNvPr id="3" name="コンテンツ プレースホルダー 2">
-            <a:extLst>
-              <a:ext uri="{FF2B5EF4-FFF2-40B4-BE49-F238E27FC236}">
-                <a16:creationId xmlns:a16="http://schemas.microsoft.com/office/drawing/2014/main" id="{7AE25FFB-0B32-7433-BAD9-ADCF1D064A74}"/>
-              </a:ext>
-            </a:extLst>
-          </p:cNvPr>
-          <p:cNvSpPr>
-            <a:spLocks noGrp="1"/>
-          </p:cNvSpPr>
-          <p:nvPr>
-            <p:ph idx="1"/>
-          </p:nvPr>
-        </p:nvSpPr>
-        <p:spPr/>
-        <p:txBody>
-          <a:bodyPr/>
-          <a:lstStyle/>
-          <a:p>
-            <a:endParaRPr kumimoji="1" lang="ja-JP" altLang="en-US"/>
-          </a:p>
-        </p:txBody>
-      </p:sp>
-      <p:sp>
-        <p:nvSpPr>
-          <p:cNvPr id="4" name="テキスト ボックス 3">
-            <a:extLst>
-              <a:ext uri="{FF2B5EF4-FFF2-40B4-BE49-F238E27FC236}">
-                <a16:creationId xmlns:a16="http://schemas.microsoft.com/office/drawing/2014/main" id="{E779B024-E50D-E2E3-F8FB-51C6492B8B3B}"/>
-              </a:ext>
-            </a:extLst>
-          </p:cNvPr>
-          <p:cNvSpPr txBox="1"/>
+      <p:pic>
+        <p:nvPicPr>
+          <p:cNvPr id="2" name="図 1">
+            <a:extLst>
+              <a:ext uri="{FF2B5EF4-FFF2-40B4-BE49-F238E27FC236}">
+                <a16:creationId xmlns:a16="http://schemas.microsoft.com/office/drawing/2014/main" id="{E7BD712C-DE4D-0BFD-1E2B-613BEBE0FAC1}"/>
+              </a:ext>
+            </a:extLst>
+          </p:cNvPr>
+          <p:cNvPicPr>
+            <a:picLocks noChangeAspect="1"/>
+          </p:cNvPicPr>
           <p:nvPr/>
-        </p:nvSpPr>
+        </p:nvPicPr>
+        <p:blipFill>
+          <a:blip r:embed="rId3" cstate="print">
+            <a:extLst>
+              <a:ext uri="{28A0092B-C50C-407E-A947-70E740481C1C}">
+                <a14:useLocalDpi xmlns:a14="http://schemas.microsoft.com/office/drawing/2010/main" val="0"/>
+              </a:ext>
+            </a:extLst>
+          </a:blip>
+          <a:stretch>
+            <a:fillRect/>
+          </a:stretch>
+        </p:blipFill>
         <p:spPr>
           <a:xfrm>
-            <a:off x="9694606" y="796413"/>
-            <a:ext cx="1474839" cy="369332"/>
+            <a:off x="175953" y="148930"/>
+            <a:ext cx="11840094" cy="6350192"/>
           </a:xfrm>
           <a:prstGeom prst="rect">
             <a:avLst/>
           </a:prstGeom>
-          <a:noFill/>
         </p:spPr>
-        <p:txBody>
-          <a:bodyPr wrap="square" rtlCol="0">
-            <a:spAutoFit/>
-          </a:bodyPr>
-          <a:lstStyle/>
-          <a:p>
-            <a:r>
-              <a:rPr kumimoji="1" lang="en-US" altLang="ja-JP" dirty="0"/>
-              <a:t>1m</a:t>
-            </a:r>
-            <a:endParaRPr kumimoji="1" lang="ja-JP" altLang="en-US" dirty="0"/>
-          </a:p>
-        </p:txBody>
-      </p:sp>
+      </p:pic>
     </p:spTree>
     <p:extLst>
       <p:ext uri="{BB962C8B-B14F-4D97-AF65-F5344CB8AC3E}">
-        <p14:creationId xmlns:p14="http://schemas.microsoft.com/office/powerpoint/2010/main" val="2938256349"/>
+        <p14:creationId xmlns:p14="http://schemas.microsoft.com/office/powerpoint/2010/main" val="1066214215"/>
       </p:ext>
     </p:extLst>
   </p:cSld>
@@ -4478,100 +5483,57 @@
           <a:chExt cx="0" cy="0"/>
         </a:xfrm>
       </p:grpSpPr>
-      <p:sp>
-        <p:nvSpPr>
-          <p:cNvPr id="2" name="タイトル 1">
-            <a:extLst>
-              <a:ext uri="{FF2B5EF4-FFF2-40B4-BE49-F238E27FC236}">
-                <a16:creationId xmlns:a16="http://schemas.microsoft.com/office/drawing/2014/main" id="{5CF0F1B6-B388-AF0A-DE06-17DBFC98F05D}"/>
-              </a:ext>
-            </a:extLst>
-          </p:cNvPr>
-          <p:cNvSpPr>
-            <a:spLocks noGrp="1"/>
-          </p:cNvSpPr>
-          <p:nvPr>
-            <p:ph type="title"/>
-          </p:nvPr>
-        </p:nvSpPr>
-        <p:spPr/>
-        <p:txBody>
-          <a:bodyPr/>
-          <a:lstStyle/>
-          <a:p>
-            <a:pPr algn="ctr"/>
-            <a:r>
-              <a:rPr kumimoji="1" lang="ja-JP" altLang="en-US" dirty="0"/>
-              <a:t>清宮美穂</a:t>
-            </a:r>
-          </a:p>
-        </p:txBody>
-      </p:sp>
-      <p:sp>
-        <p:nvSpPr>
-          <p:cNvPr id="3" name="コンテンツ プレースホルダー 2">
-            <a:extLst>
-              <a:ext uri="{FF2B5EF4-FFF2-40B4-BE49-F238E27FC236}">
-                <a16:creationId xmlns:a16="http://schemas.microsoft.com/office/drawing/2014/main" id="{FC1530F6-E97F-A0DF-EA5F-185B3643D6F7}"/>
-              </a:ext>
-            </a:extLst>
-          </p:cNvPr>
-          <p:cNvSpPr>
-            <a:spLocks noGrp="1"/>
-          </p:cNvSpPr>
-          <p:nvPr>
-            <p:ph idx="1"/>
-          </p:nvPr>
-        </p:nvSpPr>
-        <p:spPr/>
-        <p:txBody>
-          <a:bodyPr/>
-          <a:lstStyle/>
-          <a:p>
-            <a:endParaRPr kumimoji="1" lang="ja-JP" altLang="en-US"/>
-          </a:p>
-        </p:txBody>
-      </p:sp>
-      <p:sp>
-        <p:nvSpPr>
-          <p:cNvPr id="4" name="テキスト ボックス 3">
-            <a:extLst>
-              <a:ext uri="{FF2B5EF4-FFF2-40B4-BE49-F238E27FC236}">
-                <a16:creationId xmlns:a16="http://schemas.microsoft.com/office/drawing/2014/main" id="{BC275C71-A8C1-3211-5899-8C3C853B7B45}"/>
-              </a:ext>
-            </a:extLst>
-          </p:cNvPr>
-          <p:cNvSpPr txBox="1"/>
+      <p:pic>
+        <p:nvPicPr>
+          <p:cNvPr id="3073" name="Picture 1">
+            <a:extLst>
+              <a:ext uri="{FF2B5EF4-FFF2-40B4-BE49-F238E27FC236}">
+                <a16:creationId xmlns:a16="http://schemas.microsoft.com/office/drawing/2014/main" id="{2884013B-BAD7-6C17-9E89-D3F737BA7A89}"/>
+              </a:ext>
+            </a:extLst>
+          </p:cNvPr>
+          <p:cNvPicPr>
+            <a:picLocks noChangeAspect="1" noChangeArrowheads="1"/>
+          </p:cNvPicPr>
           <p:nvPr/>
-        </p:nvSpPr>
-        <p:spPr>
+        </p:nvPicPr>
+        <p:blipFill>
+          <a:blip r:embed="rId2">
+            <a:extLst>
+              <a:ext uri="{28A0092B-C50C-407E-A947-70E740481C1C}">
+                <a14:useLocalDpi xmlns:a14="http://schemas.microsoft.com/office/drawing/2010/main" val="0"/>
+              </a:ext>
+            </a:extLst>
+          </a:blip>
+          <a:srcRect/>
+          <a:stretch>
+            <a:fillRect/>
+          </a:stretch>
+        </p:blipFill>
+        <p:spPr bwMode="auto">
           <a:xfrm>
-            <a:off x="9694606" y="796413"/>
-            <a:ext cx="1474839" cy="369332"/>
+            <a:off x="878604" y="507590"/>
+            <a:ext cx="10643367" cy="5842820"/>
           </a:xfrm>
           <a:prstGeom prst="rect">
             <a:avLst/>
           </a:prstGeom>
           <a:noFill/>
+          <a:extLst>
+            <a:ext uri="{909E8E84-426E-40DD-AFC4-6F175D3DCCD1}">
+              <a14:hiddenFill xmlns:a14="http://schemas.microsoft.com/office/drawing/2010/main">
+                <a:solidFill>
+                  <a:srgbClr val="FFFFFF"/>
+                </a:solidFill>
+              </a14:hiddenFill>
+            </a:ext>
+          </a:extLst>
         </p:spPr>
-        <p:txBody>
-          <a:bodyPr wrap="square" rtlCol="0">
-            <a:spAutoFit/>
-          </a:bodyPr>
-          <a:lstStyle/>
-          <a:p>
-            <a:r>
-              <a:rPr kumimoji="1" lang="en-US" altLang="ja-JP" dirty="0"/>
-              <a:t>1m</a:t>
-            </a:r>
-            <a:endParaRPr kumimoji="1" lang="ja-JP" altLang="en-US" dirty="0"/>
-          </a:p>
-        </p:txBody>
-      </p:sp>
+      </p:pic>
     </p:spTree>
     <p:extLst>
       <p:ext uri="{BB962C8B-B14F-4D97-AF65-F5344CB8AC3E}">
-        <p14:creationId xmlns:p14="http://schemas.microsoft.com/office/powerpoint/2010/main" val="3405141386"/>
+        <p14:creationId xmlns:p14="http://schemas.microsoft.com/office/powerpoint/2010/main" val="3158412576"/>
       </p:ext>
     </p:extLst>
   </p:cSld>
@@ -4598,100 +5560,40 @@
           <a:chExt cx="0" cy="0"/>
         </a:xfrm>
       </p:grpSpPr>
-      <p:sp>
-        <p:nvSpPr>
-          <p:cNvPr id="2" name="タイトル 1">
-            <a:extLst>
-              <a:ext uri="{FF2B5EF4-FFF2-40B4-BE49-F238E27FC236}">
-                <a16:creationId xmlns:a16="http://schemas.microsoft.com/office/drawing/2014/main" id="{1D31BAA0-71CC-5FDD-0C0F-A3CB1D37A550}"/>
-              </a:ext>
-            </a:extLst>
-          </p:cNvPr>
-          <p:cNvSpPr>
-            <a:spLocks noGrp="1"/>
-          </p:cNvSpPr>
-          <p:nvPr>
-            <p:ph type="title"/>
-          </p:nvPr>
-        </p:nvSpPr>
-        <p:spPr/>
-        <p:txBody>
-          <a:bodyPr/>
-          <a:lstStyle/>
-          <a:p>
-            <a:pPr algn="ctr"/>
-            <a:r>
-              <a:rPr kumimoji="1" lang="ja-JP" altLang="en-US" dirty="0"/>
-              <a:t>筒井駿太</a:t>
-            </a:r>
-          </a:p>
-        </p:txBody>
-      </p:sp>
-      <p:sp>
-        <p:nvSpPr>
-          <p:cNvPr id="3" name="コンテンツ プレースホルダー 2">
-            <a:extLst>
-              <a:ext uri="{FF2B5EF4-FFF2-40B4-BE49-F238E27FC236}">
-                <a16:creationId xmlns:a16="http://schemas.microsoft.com/office/drawing/2014/main" id="{A9030C0B-40CC-1481-A180-94E04AE1F327}"/>
-              </a:ext>
-            </a:extLst>
-          </p:cNvPr>
-          <p:cNvSpPr>
-            <a:spLocks noGrp="1"/>
-          </p:cNvSpPr>
-          <p:nvPr>
-            <p:ph idx="1"/>
-          </p:nvPr>
-        </p:nvSpPr>
-        <p:spPr/>
-        <p:txBody>
-          <a:bodyPr/>
-          <a:lstStyle/>
-          <a:p>
-            <a:endParaRPr kumimoji="1" lang="ja-JP" altLang="en-US"/>
-          </a:p>
-        </p:txBody>
-      </p:sp>
-      <p:sp>
-        <p:nvSpPr>
-          <p:cNvPr id="4" name="テキスト ボックス 3">
-            <a:extLst>
-              <a:ext uri="{FF2B5EF4-FFF2-40B4-BE49-F238E27FC236}">
-                <a16:creationId xmlns:a16="http://schemas.microsoft.com/office/drawing/2014/main" id="{C274D3A1-2DFF-CA66-5525-E2337173B347}"/>
-              </a:ext>
-            </a:extLst>
-          </p:cNvPr>
-          <p:cNvSpPr txBox="1"/>
+      <p:pic>
+        <p:nvPicPr>
+          <p:cNvPr id="2" name="図 1">
+            <a:extLst>
+              <a:ext uri="{FF2B5EF4-FFF2-40B4-BE49-F238E27FC236}">
+                <a16:creationId xmlns:a16="http://schemas.microsoft.com/office/drawing/2014/main" id="{075AFF4A-7578-1997-6707-51AC2EBA1B0F}"/>
+              </a:ext>
+            </a:extLst>
+          </p:cNvPr>
+          <p:cNvPicPr>
+            <a:picLocks noChangeAspect="1"/>
+          </p:cNvPicPr>
           <p:nvPr/>
-        </p:nvSpPr>
+        </p:nvPicPr>
+        <p:blipFill>
+          <a:blip r:embed="rId3"/>
+          <a:stretch>
+            <a:fillRect/>
+          </a:stretch>
+        </p:blipFill>
         <p:spPr>
           <a:xfrm>
-            <a:off x="9694606" y="796413"/>
-            <a:ext cx="1474839" cy="369332"/>
+            <a:off x="461247" y="371252"/>
+            <a:ext cx="11269506" cy="6115496"/>
           </a:xfrm>
           <a:prstGeom prst="rect">
             <a:avLst/>
           </a:prstGeom>
-          <a:noFill/>
         </p:spPr>
-        <p:txBody>
-          <a:bodyPr wrap="square" rtlCol="0">
-            <a:spAutoFit/>
-          </a:bodyPr>
-          <a:lstStyle/>
-          <a:p>
-            <a:r>
-              <a:rPr kumimoji="1" lang="en-US" altLang="ja-JP" dirty="0"/>
-              <a:t>1m</a:t>
-            </a:r>
-            <a:endParaRPr kumimoji="1" lang="ja-JP" altLang="en-US" dirty="0"/>
-          </a:p>
-        </p:txBody>
-      </p:sp>
+      </p:pic>
     </p:spTree>
     <p:extLst>
       <p:ext uri="{BB962C8B-B14F-4D97-AF65-F5344CB8AC3E}">
-        <p14:creationId xmlns:p14="http://schemas.microsoft.com/office/powerpoint/2010/main" val="378569110"/>
+        <p14:creationId xmlns:p14="http://schemas.microsoft.com/office/powerpoint/2010/main" val="1928542729"/>
       </p:ext>
     </p:extLst>
   </p:cSld>
@@ -4702,1700 +5604,6 @@
 </file>
 
 <file path=ppt/slides/slide16.xml><?xml version="1.0" encoding="utf-8"?>
-<p:sld xmlns:a="http://schemas.openxmlformats.org/drawingml/2006/main" xmlns:r="http://schemas.openxmlformats.org/officeDocument/2006/relationships" xmlns:p="http://schemas.openxmlformats.org/presentationml/2006/main">
-  <p:cSld>
-    <p:spTree>
-      <p:nvGrpSpPr>
-        <p:cNvPr id="1" name=""/>
-        <p:cNvGrpSpPr/>
-        <p:nvPr/>
-      </p:nvGrpSpPr>
-      <p:grpSpPr>
-        <a:xfrm>
-          <a:off x="0" y="0"/>
-          <a:ext cx="0" cy="0"/>
-          <a:chOff x="0" y="0"/>
-          <a:chExt cx="0" cy="0"/>
-        </a:xfrm>
-      </p:grpSpPr>
-      <p:sp>
-        <p:nvSpPr>
-          <p:cNvPr id="2" name="タイトル 1">
-            <a:extLst>
-              <a:ext uri="{FF2B5EF4-FFF2-40B4-BE49-F238E27FC236}">
-                <a16:creationId xmlns:a16="http://schemas.microsoft.com/office/drawing/2014/main" id="{99CA8BB2-4B01-ED54-3E66-E43EBB048DE3}"/>
-              </a:ext>
-            </a:extLst>
-          </p:cNvPr>
-          <p:cNvSpPr>
-            <a:spLocks noGrp="1"/>
-          </p:cNvSpPr>
-          <p:nvPr>
-            <p:ph type="title"/>
-          </p:nvPr>
-        </p:nvSpPr>
-        <p:spPr/>
-        <p:txBody>
-          <a:bodyPr/>
-          <a:lstStyle/>
-          <a:p>
-            <a:pPr algn="ctr"/>
-            <a:r>
-              <a:rPr kumimoji="1" lang="ja-JP" altLang="en-US" dirty="0"/>
-              <a:t>藤井結子</a:t>
-            </a:r>
-          </a:p>
-        </p:txBody>
-      </p:sp>
-      <p:sp>
-        <p:nvSpPr>
-          <p:cNvPr id="3" name="コンテンツ プレースホルダー 2">
-            <a:extLst>
-              <a:ext uri="{FF2B5EF4-FFF2-40B4-BE49-F238E27FC236}">
-                <a16:creationId xmlns:a16="http://schemas.microsoft.com/office/drawing/2014/main" id="{0A07112A-0D2D-02AE-12AA-E219F7A63ED4}"/>
-              </a:ext>
-            </a:extLst>
-          </p:cNvPr>
-          <p:cNvSpPr>
-            <a:spLocks noGrp="1"/>
-          </p:cNvSpPr>
-          <p:nvPr>
-            <p:ph idx="1"/>
-          </p:nvPr>
-        </p:nvSpPr>
-        <p:spPr/>
-        <p:txBody>
-          <a:bodyPr/>
-          <a:lstStyle/>
-          <a:p>
-            <a:endParaRPr kumimoji="1" lang="ja-JP" altLang="en-US"/>
-          </a:p>
-        </p:txBody>
-      </p:sp>
-      <p:sp>
-        <p:nvSpPr>
-          <p:cNvPr id="4" name="テキスト ボックス 3">
-            <a:extLst>
-              <a:ext uri="{FF2B5EF4-FFF2-40B4-BE49-F238E27FC236}">
-                <a16:creationId xmlns:a16="http://schemas.microsoft.com/office/drawing/2014/main" id="{E4DC2A1E-AB4A-BED6-11C4-1B926DD40B6D}"/>
-              </a:ext>
-            </a:extLst>
-          </p:cNvPr>
-          <p:cNvSpPr txBox="1"/>
-          <p:nvPr/>
-        </p:nvSpPr>
-        <p:spPr>
-          <a:xfrm>
-            <a:off x="9694606" y="796413"/>
-            <a:ext cx="1474839" cy="369332"/>
-          </a:xfrm>
-          <a:prstGeom prst="rect">
-            <a:avLst/>
-          </a:prstGeom>
-          <a:noFill/>
-        </p:spPr>
-        <p:txBody>
-          <a:bodyPr wrap="square" rtlCol="0">
-            <a:spAutoFit/>
-          </a:bodyPr>
-          <a:lstStyle/>
-          <a:p>
-            <a:r>
-              <a:rPr kumimoji="1" lang="en-US" altLang="ja-JP" dirty="0"/>
-              <a:t>1m</a:t>
-            </a:r>
-            <a:endParaRPr kumimoji="1" lang="ja-JP" altLang="en-US" dirty="0"/>
-          </a:p>
-        </p:txBody>
-      </p:sp>
-    </p:spTree>
-    <p:extLst>
-      <p:ext uri="{BB962C8B-B14F-4D97-AF65-F5344CB8AC3E}">
-        <p14:creationId xmlns:p14="http://schemas.microsoft.com/office/powerpoint/2010/main" val="2982511376"/>
-      </p:ext>
-    </p:extLst>
-  </p:cSld>
-  <p:clrMapOvr>
-    <a:masterClrMapping/>
-  </p:clrMapOvr>
-</p:sld>
-</file>
-
-<file path=ppt/slides/slide17.xml><?xml version="1.0" encoding="utf-8"?>
-<p:sld xmlns:a="http://schemas.openxmlformats.org/drawingml/2006/main" xmlns:r="http://schemas.openxmlformats.org/officeDocument/2006/relationships" xmlns:p="http://schemas.openxmlformats.org/presentationml/2006/main">
-  <p:cSld>
-    <p:spTree>
-      <p:nvGrpSpPr>
-        <p:cNvPr id="1" name=""/>
-        <p:cNvGrpSpPr/>
-        <p:nvPr/>
-      </p:nvGrpSpPr>
-      <p:grpSpPr>
-        <a:xfrm>
-          <a:off x="0" y="0"/>
-          <a:ext cx="0" cy="0"/>
-          <a:chOff x="0" y="0"/>
-          <a:chExt cx="0" cy="0"/>
-        </a:xfrm>
-      </p:grpSpPr>
-      <p:sp>
-        <p:nvSpPr>
-          <p:cNvPr id="2" name="タイトル 1">
-            <a:extLst>
-              <a:ext uri="{FF2B5EF4-FFF2-40B4-BE49-F238E27FC236}">
-                <a16:creationId xmlns:a16="http://schemas.microsoft.com/office/drawing/2014/main" id="{0F475C17-AA0C-3FE7-EBC4-592F5EB1AA53}"/>
-              </a:ext>
-            </a:extLst>
-          </p:cNvPr>
-          <p:cNvSpPr>
-            <a:spLocks noGrp="1"/>
-          </p:cNvSpPr>
-          <p:nvPr>
-            <p:ph type="title"/>
-          </p:nvPr>
-        </p:nvSpPr>
-        <p:spPr/>
-        <p:txBody>
-          <a:bodyPr>
-            <a:normAutofit/>
-          </a:bodyPr>
-          <a:lstStyle/>
-          <a:p>
-            <a:r>
-              <a:rPr kumimoji="1" lang="ja-JP" altLang="en-US" sz="3200" dirty="0"/>
-              <a:t>モーダルを愛し、モーダルに愛された男、松井隆之介</a:t>
-            </a:r>
-          </a:p>
-        </p:txBody>
-      </p:sp>
-      <p:sp>
-        <p:nvSpPr>
-          <p:cNvPr id="3" name="コンテンツ プレースホルダー 2">
-            <a:extLst>
-              <a:ext uri="{FF2B5EF4-FFF2-40B4-BE49-F238E27FC236}">
-                <a16:creationId xmlns:a16="http://schemas.microsoft.com/office/drawing/2014/main" id="{91B744F9-CFD9-BA79-DA74-DE2057D68457}"/>
-              </a:ext>
-            </a:extLst>
-          </p:cNvPr>
-          <p:cNvSpPr>
-            <a:spLocks noGrp="1"/>
-          </p:cNvSpPr>
-          <p:nvPr>
-            <p:ph idx="1"/>
-          </p:nvPr>
-        </p:nvSpPr>
-        <p:spPr/>
-        <p:txBody>
-          <a:bodyPr/>
-          <a:lstStyle/>
-          <a:p>
-            <a:endParaRPr kumimoji="1" lang="ja-JP" altLang="en-US" dirty="0"/>
-          </a:p>
-        </p:txBody>
-      </p:sp>
-      <p:sp>
-        <p:nvSpPr>
-          <p:cNvPr id="4" name="テキスト ボックス 3">
-            <a:extLst>
-              <a:ext uri="{FF2B5EF4-FFF2-40B4-BE49-F238E27FC236}">
-                <a16:creationId xmlns:a16="http://schemas.microsoft.com/office/drawing/2014/main" id="{62BA34F9-6BF9-2517-AA3B-4C8B0ACDA760}"/>
-              </a:ext>
-            </a:extLst>
-          </p:cNvPr>
-          <p:cNvSpPr txBox="1"/>
-          <p:nvPr/>
-        </p:nvSpPr>
-        <p:spPr>
-          <a:xfrm>
-            <a:off x="11159612" y="843240"/>
-            <a:ext cx="1474839" cy="369332"/>
-          </a:xfrm>
-          <a:prstGeom prst="rect">
-            <a:avLst/>
-          </a:prstGeom>
-          <a:noFill/>
-        </p:spPr>
-        <p:txBody>
-          <a:bodyPr wrap="square" rtlCol="0">
-            <a:spAutoFit/>
-          </a:bodyPr>
-          <a:lstStyle/>
-          <a:p>
-            <a:r>
-              <a:rPr kumimoji="1" lang="en-US" altLang="ja-JP" dirty="0"/>
-              <a:t>1m</a:t>
-            </a:r>
-            <a:endParaRPr kumimoji="1" lang="ja-JP" altLang="en-US" dirty="0"/>
-          </a:p>
-        </p:txBody>
-      </p:sp>
-    </p:spTree>
-    <p:extLst>
-      <p:ext uri="{BB962C8B-B14F-4D97-AF65-F5344CB8AC3E}">
-        <p14:creationId xmlns:p14="http://schemas.microsoft.com/office/powerpoint/2010/main" val="174932722"/>
-      </p:ext>
-    </p:extLst>
-  </p:cSld>
-  <p:clrMapOvr>
-    <a:masterClrMapping/>
-  </p:clrMapOvr>
-</p:sld>
-</file>
-
-<file path=ppt/slides/slide18.xml><?xml version="1.0" encoding="utf-8"?>
-<p:sld xmlns:a="http://schemas.openxmlformats.org/drawingml/2006/main" xmlns:r="http://schemas.openxmlformats.org/officeDocument/2006/relationships" xmlns:p="http://schemas.openxmlformats.org/presentationml/2006/main">
-  <p:cSld>
-    <p:spTree>
-      <p:nvGrpSpPr>
-        <p:cNvPr id="1" name=""/>
-        <p:cNvGrpSpPr/>
-        <p:nvPr/>
-      </p:nvGrpSpPr>
-      <p:grpSpPr>
-        <a:xfrm>
-          <a:off x="0" y="0"/>
-          <a:ext cx="0" cy="0"/>
-          <a:chOff x="0" y="0"/>
-          <a:chExt cx="0" cy="0"/>
-        </a:xfrm>
-      </p:grpSpPr>
-      <p:sp>
-        <p:nvSpPr>
-          <p:cNvPr id="2" name="タイトル 1">
-            <a:extLst>
-              <a:ext uri="{FF2B5EF4-FFF2-40B4-BE49-F238E27FC236}">
-                <a16:creationId xmlns:a16="http://schemas.microsoft.com/office/drawing/2014/main" id="{87FB02BD-59D1-6505-6627-CFF5E3F86FBB}"/>
-              </a:ext>
-            </a:extLst>
-          </p:cNvPr>
-          <p:cNvSpPr>
-            <a:spLocks noGrp="1"/>
-          </p:cNvSpPr>
-          <p:nvPr>
-            <p:ph type="title"/>
-          </p:nvPr>
-        </p:nvSpPr>
-        <p:spPr/>
-        <p:txBody>
-          <a:bodyPr/>
-          <a:lstStyle/>
-          <a:p>
-            <a:r>
-              <a:rPr kumimoji="1" lang="ja-JP" altLang="en-US" dirty="0"/>
-              <a:t>天才カリスマリーダー丸山真穂</a:t>
-            </a:r>
-          </a:p>
-        </p:txBody>
-      </p:sp>
-      <p:sp>
-        <p:nvSpPr>
-          <p:cNvPr id="3" name="コンテンツ プレースホルダー 2">
-            <a:extLst>
-              <a:ext uri="{FF2B5EF4-FFF2-40B4-BE49-F238E27FC236}">
-                <a16:creationId xmlns:a16="http://schemas.microsoft.com/office/drawing/2014/main" id="{AD8C6D8F-B39F-B2A8-40F9-B2C8E1810596}"/>
-              </a:ext>
-            </a:extLst>
-          </p:cNvPr>
-          <p:cNvSpPr>
-            <a:spLocks noGrp="1"/>
-          </p:cNvSpPr>
-          <p:nvPr>
-            <p:ph idx="1"/>
-          </p:nvPr>
-        </p:nvSpPr>
-        <p:spPr/>
-        <p:txBody>
-          <a:bodyPr/>
-          <a:lstStyle/>
-          <a:p>
-            <a:endParaRPr kumimoji="1" lang="ja-JP" altLang="en-US"/>
-          </a:p>
-        </p:txBody>
-      </p:sp>
-      <p:sp>
-        <p:nvSpPr>
-          <p:cNvPr id="4" name="テキスト ボックス 3">
-            <a:extLst>
-              <a:ext uri="{FF2B5EF4-FFF2-40B4-BE49-F238E27FC236}">
-                <a16:creationId xmlns:a16="http://schemas.microsoft.com/office/drawing/2014/main" id="{F60FA07C-63F8-37F9-D49C-40B515289215}"/>
-              </a:ext>
-            </a:extLst>
-          </p:cNvPr>
-          <p:cNvSpPr txBox="1"/>
-          <p:nvPr/>
-        </p:nvSpPr>
-        <p:spPr>
-          <a:xfrm>
-            <a:off x="9694606" y="796413"/>
-            <a:ext cx="1474839" cy="369332"/>
-          </a:xfrm>
-          <a:prstGeom prst="rect">
-            <a:avLst/>
-          </a:prstGeom>
-          <a:noFill/>
-        </p:spPr>
-        <p:txBody>
-          <a:bodyPr wrap="square" rtlCol="0">
-            <a:spAutoFit/>
-          </a:bodyPr>
-          <a:lstStyle/>
-          <a:p>
-            <a:r>
-              <a:rPr kumimoji="1" lang="en-US" altLang="ja-JP" dirty="0"/>
-              <a:t>1m</a:t>
-            </a:r>
-            <a:endParaRPr kumimoji="1" lang="ja-JP" altLang="en-US" dirty="0"/>
-          </a:p>
-        </p:txBody>
-      </p:sp>
-    </p:spTree>
-    <p:extLst>
-      <p:ext uri="{BB962C8B-B14F-4D97-AF65-F5344CB8AC3E}">
-        <p14:creationId xmlns:p14="http://schemas.microsoft.com/office/powerpoint/2010/main" val="1432641818"/>
-      </p:ext>
-    </p:extLst>
-  </p:cSld>
-  <p:clrMapOvr>
-    <a:masterClrMapping/>
-  </p:clrMapOvr>
-</p:sld>
-</file>
-
-<file path=ppt/slides/slide19.xml><?xml version="1.0" encoding="utf-8"?>
-<p:sld xmlns:a="http://schemas.openxmlformats.org/drawingml/2006/main" xmlns:r="http://schemas.openxmlformats.org/officeDocument/2006/relationships" xmlns:p="http://schemas.openxmlformats.org/presentationml/2006/main">
-  <p:cSld>
-    <p:spTree>
-      <p:nvGrpSpPr>
-        <p:cNvPr id="1" name=""/>
-        <p:cNvGrpSpPr/>
-        <p:nvPr/>
-      </p:nvGrpSpPr>
-      <p:grpSpPr>
-        <a:xfrm>
-          <a:off x="0" y="0"/>
-          <a:ext cx="0" cy="0"/>
-          <a:chOff x="0" y="0"/>
-          <a:chExt cx="0" cy="0"/>
-        </a:xfrm>
-      </p:grpSpPr>
-      <p:sp>
-        <p:nvSpPr>
-          <p:cNvPr id="2" name="タイトル 1">
-            <a:extLst>
-              <a:ext uri="{FF2B5EF4-FFF2-40B4-BE49-F238E27FC236}">
-                <a16:creationId xmlns:a16="http://schemas.microsoft.com/office/drawing/2014/main" id="{18B06733-1A59-3103-FBFE-C91960BD42B9}"/>
-              </a:ext>
-            </a:extLst>
-          </p:cNvPr>
-          <p:cNvSpPr>
-            <a:spLocks noGrp="1"/>
-          </p:cNvSpPr>
-          <p:nvPr>
-            <p:ph type="title"/>
-          </p:nvPr>
-        </p:nvSpPr>
-        <p:spPr/>
-        <p:txBody>
-          <a:bodyPr/>
-          <a:lstStyle/>
-          <a:p>
-            <a:r>
-              <a:rPr kumimoji="1" lang="ja-JP" altLang="en-US" dirty="0"/>
-              <a:t>一年後は</a:t>
-            </a:r>
-            <a:r>
-              <a:rPr kumimoji="1" lang="en-US" altLang="ja-JP" dirty="0"/>
-              <a:t>10000</a:t>
-            </a:r>
-            <a:r>
-              <a:rPr kumimoji="1" lang="ja-JP" altLang="en-US" dirty="0"/>
-              <a:t>ユーザ登録を目標</a:t>
-            </a:r>
-          </a:p>
-        </p:txBody>
-      </p:sp>
-      <p:sp>
-        <p:nvSpPr>
-          <p:cNvPr id="3" name="コンテンツ プレースホルダー 2">
-            <a:extLst>
-              <a:ext uri="{FF2B5EF4-FFF2-40B4-BE49-F238E27FC236}">
-                <a16:creationId xmlns:a16="http://schemas.microsoft.com/office/drawing/2014/main" id="{93FE5395-4C58-4B8B-30AD-BA5EA092105B}"/>
-              </a:ext>
-            </a:extLst>
-          </p:cNvPr>
-          <p:cNvSpPr>
-            <a:spLocks noGrp="1"/>
-          </p:cNvSpPr>
-          <p:nvPr>
-            <p:ph idx="1"/>
-          </p:nvPr>
-        </p:nvSpPr>
-        <p:spPr/>
-        <p:txBody>
-          <a:bodyPr/>
-          <a:lstStyle/>
-          <a:p>
-            <a:r>
-              <a:rPr lang="ja-JP" altLang="en-US" dirty="0"/>
-              <a:t>私達は研修が終わってもこのアプリを日常生活で使う。そのぐらい私達はこのアプリを愛している。だからこのプレゼンを見ているみんなにも使ってほしいという事を伝えたい。</a:t>
-            </a:r>
-            <a:endParaRPr kumimoji="1" lang="ja-JP" altLang="en-US" dirty="0"/>
-          </a:p>
-        </p:txBody>
-      </p:sp>
-      <p:sp>
-        <p:nvSpPr>
-          <p:cNvPr id="4" name="テキスト ボックス 3">
-            <a:extLst>
-              <a:ext uri="{FF2B5EF4-FFF2-40B4-BE49-F238E27FC236}">
-                <a16:creationId xmlns:a16="http://schemas.microsoft.com/office/drawing/2014/main" id="{691BFB03-6490-6D88-E88F-1F8870532125}"/>
-              </a:ext>
-            </a:extLst>
-          </p:cNvPr>
-          <p:cNvSpPr txBox="1"/>
-          <p:nvPr/>
-        </p:nvSpPr>
-        <p:spPr>
-          <a:xfrm>
-            <a:off x="9694606" y="796413"/>
-            <a:ext cx="1474839" cy="369332"/>
-          </a:xfrm>
-          <a:prstGeom prst="rect">
-            <a:avLst/>
-          </a:prstGeom>
-          <a:noFill/>
-        </p:spPr>
-        <p:txBody>
-          <a:bodyPr wrap="square" rtlCol="0">
-            <a:spAutoFit/>
-          </a:bodyPr>
-          <a:lstStyle/>
-          <a:p>
-            <a:r>
-              <a:rPr kumimoji="1" lang="en-US" altLang="ja-JP" dirty="0"/>
-              <a:t>1m</a:t>
-            </a:r>
-            <a:endParaRPr kumimoji="1" lang="ja-JP" altLang="en-US" dirty="0"/>
-          </a:p>
-        </p:txBody>
-      </p:sp>
-    </p:spTree>
-    <p:extLst>
-      <p:ext uri="{BB962C8B-B14F-4D97-AF65-F5344CB8AC3E}">
-        <p14:creationId xmlns:p14="http://schemas.microsoft.com/office/powerpoint/2010/main" val="58010978"/>
-      </p:ext>
-    </p:extLst>
-  </p:cSld>
-  <p:clrMapOvr>
-    <a:masterClrMapping/>
-  </p:clrMapOvr>
-</p:sld>
-</file>
-
-<file path=ppt/slides/slide2.xml><?xml version="1.0" encoding="utf-8"?>
-<p:sld xmlns:a="http://schemas.openxmlformats.org/drawingml/2006/main" xmlns:r="http://schemas.openxmlformats.org/officeDocument/2006/relationships" xmlns:p="http://schemas.openxmlformats.org/presentationml/2006/main">
-  <p:cSld>
-    <p:spTree>
-      <p:nvGrpSpPr>
-        <p:cNvPr id="1" name=""/>
-        <p:cNvGrpSpPr/>
-        <p:nvPr/>
-      </p:nvGrpSpPr>
-      <p:grpSpPr>
-        <a:xfrm>
-          <a:off x="0" y="0"/>
-          <a:ext cx="0" cy="0"/>
-          <a:chOff x="0" y="0"/>
-          <a:chExt cx="0" cy="0"/>
-        </a:xfrm>
-      </p:grpSpPr>
-      <p:sp>
-        <p:nvSpPr>
-          <p:cNvPr id="2" name="タイトル 1">
-            <a:extLst>
-              <a:ext uri="{FF2B5EF4-FFF2-40B4-BE49-F238E27FC236}">
-                <a16:creationId xmlns:a16="http://schemas.microsoft.com/office/drawing/2014/main" id="{93C946E9-2838-40EF-23B6-D0F1A3256A47}"/>
-              </a:ext>
-            </a:extLst>
-          </p:cNvPr>
-          <p:cNvSpPr>
-            <a:spLocks noGrp="1"/>
-          </p:cNvSpPr>
-          <p:nvPr>
-            <p:ph type="title"/>
-          </p:nvPr>
-        </p:nvSpPr>
-        <p:spPr/>
-        <p:txBody>
-          <a:bodyPr/>
-          <a:lstStyle/>
-          <a:p>
-            <a:pPr algn="ctr"/>
-            <a:r>
-              <a:rPr kumimoji="1" lang="ja-JP" altLang="en-US" dirty="0"/>
-              <a:t>アジェンダ</a:t>
-            </a:r>
-          </a:p>
-        </p:txBody>
-      </p:sp>
-      <p:sp>
-        <p:nvSpPr>
-          <p:cNvPr id="3" name="コンテンツ プレースホルダー 2">
-            <a:extLst>
-              <a:ext uri="{FF2B5EF4-FFF2-40B4-BE49-F238E27FC236}">
-                <a16:creationId xmlns:a16="http://schemas.microsoft.com/office/drawing/2014/main" id="{B91C7E83-1AC0-F7DD-CAD2-91F144C8C282}"/>
-              </a:ext>
-            </a:extLst>
-          </p:cNvPr>
-          <p:cNvSpPr>
-            <a:spLocks noGrp="1"/>
-          </p:cNvSpPr>
-          <p:nvPr>
-            <p:ph idx="1"/>
-          </p:nvPr>
-        </p:nvSpPr>
-        <p:spPr/>
-        <p:txBody>
-          <a:bodyPr/>
-          <a:lstStyle/>
-          <a:p>
-            <a:r>
-              <a:rPr kumimoji="1" lang="en-US" altLang="ja-JP" dirty="0"/>
-              <a:t>1</a:t>
-            </a:r>
-            <a:r>
-              <a:rPr kumimoji="1" lang="ja-JP" altLang="en-US" dirty="0"/>
-              <a:t>チーム名</a:t>
-            </a:r>
-            <a:endParaRPr kumimoji="1" lang="en-US" altLang="ja-JP" dirty="0"/>
-          </a:p>
-          <a:p>
-            <a:r>
-              <a:rPr lang="en-US" altLang="ja-JP" dirty="0"/>
-              <a:t>2</a:t>
-            </a:r>
-            <a:r>
-              <a:rPr lang="ja-JP" altLang="en-US" dirty="0"/>
-              <a:t>プログラム紹介</a:t>
-            </a:r>
-            <a:endParaRPr lang="en-US" altLang="ja-JP" dirty="0"/>
-          </a:p>
-          <a:p>
-            <a:r>
-              <a:rPr kumimoji="1" lang="en-US" altLang="ja-JP" dirty="0"/>
-              <a:t>3</a:t>
-            </a:r>
-            <a:r>
-              <a:rPr lang="ja-JP" altLang="en-US" b="0" i="0" u="none" strike="noStrike" dirty="0">
-                <a:solidFill>
-                  <a:srgbClr val="1D1C1D"/>
-                </a:solidFill>
-                <a:effectLst/>
-                <a:highlight>
-                  <a:srgbClr val="FFFFFF"/>
-                </a:highlight>
-                <a:latin typeface="Arial" panose="020B0604020202020204" pitchFamily="34" charset="0"/>
-              </a:rPr>
-              <a:t>プロジェクト進行で苦労した点＆対応策＆結果＆学んだ点</a:t>
-            </a:r>
-            <a:endParaRPr kumimoji="1" lang="en-US" altLang="ja-JP" dirty="0"/>
-          </a:p>
-          <a:p>
-            <a:r>
-              <a:rPr lang="en-US" altLang="ja-JP" dirty="0"/>
-              <a:t>4</a:t>
-            </a:r>
-            <a:r>
-              <a:rPr lang="ja-JP" altLang="en-US" dirty="0"/>
-              <a:t>個人の成果</a:t>
-            </a:r>
-            <a:endParaRPr lang="en-US" altLang="ja-JP" dirty="0"/>
-          </a:p>
-          <a:p>
-            <a:r>
-              <a:rPr lang="en-US" altLang="ja-JP" dirty="0"/>
-              <a:t>5</a:t>
-            </a:r>
-            <a:r>
-              <a:rPr lang="ja-JP" altLang="en-US" dirty="0"/>
-              <a:t>今後の目標</a:t>
-            </a:r>
-            <a:endParaRPr lang="en-US" altLang="ja-JP" dirty="0"/>
-          </a:p>
-          <a:p>
-            <a:endParaRPr lang="en-US" altLang="ja-JP" dirty="0"/>
-          </a:p>
-        </p:txBody>
-      </p:sp>
-      <p:sp>
-        <p:nvSpPr>
-          <p:cNvPr id="4" name="テキスト ボックス 3">
-            <a:extLst>
-              <a:ext uri="{FF2B5EF4-FFF2-40B4-BE49-F238E27FC236}">
-                <a16:creationId xmlns:a16="http://schemas.microsoft.com/office/drawing/2014/main" id="{0A5A1B8F-0AFE-6590-2DFB-C1D530B8C21E}"/>
-              </a:ext>
-            </a:extLst>
-          </p:cNvPr>
-          <p:cNvSpPr txBox="1"/>
-          <p:nvPr/>
-        </p:nvSpPr>
-        <p:spPr>
-          <a:xfrm>
-            <a:off x="10105103" y="681037"/>
-            <a:ext cx="1248697" cy="369332"/>
-          </a:xfrm>
-          <a:prstGeom prst="rect">
-            <a:avLst/>
-          </a:prstGeom>
-          <a:noFill/>
-        </p:spPr>
-        <p:txBody>
-          <a:bodyPr wrap="square" rtlCol="0">
-            <a:spAutoFit/>
-          </a:bodyPr>
-          <a:lstStyle/>
-          <a:p>
-            <a:r>
-              <a:rPr kumimoji="1" lang="en-US" altLang="ja-JP" dirty="0"/>
-              <a:t>10s</a:t>
-            </a:r>
-            <a:endParaRPr kumimoji="1" lang="ja-JP" altLang="en-US" dirty="0"/>
-          </a:p>
-        </p:txBody>
-      </p:sp>
-    </p:spTree>
-    <p:extLst>
-      <p:ext uri="{BB962C8B-B14F-4D97-AF65-F5344CB8AC3E}">
-        <p14:creationId xmlns:p14="http://schemas.microsoft.com/office/powerpoint/2010/main" val="606201928"/>
-      </p:ext>
-    </p:extLst>
-  </p:cSld>
-  <p:clrMapOvr>
-    <a:masterClrMapping/>
-  </p:clrMapOvr>
-</p:sld>
-</file>
-
-<file path=ppt/slides/slide20.xml><?xml version="1.0" encoding="utf-8"?>
-<p:sld xmlns:a="http://schemas.openxmlformats.org/drawingml/2006/main" xmlns:r="http://schemas.openxmlformats.org/officeDocument/2006/relationships" xmlns:p="http://schemas.openxmlformats.org/presentationml/2006/main">
-  <p:cSld>
-    <p:spTree>
-      <p:nvGrpSpPr>
-        <p:cNvPr id="1" name=""/>
-        <p:cNvGrpSpPr/>
-        <p:nvPr/>
-      </p:nvGrpSpPr>
-      <p:grpSpPr>
-        <a:xfrm>
-          <a:off x="0" y="0"/>
-          <a:ext cx="0" cy="0"/>
-          <a:chOff x="0" y="0"/>
-          <a:chExt cx="0" cy="0"/>
-        </a:xfrm>
-      </p:grpSpPr>
-      <p:sp>
-        <p:nvSpPr>
-          <p:cNvPr id="2" name="タイトル 1">
-            <a:extLst>
-              <a:ext uri="{FF2B5EF4-FFF2-40B4-BE49-F238E27FC236}">
-                <a16:creationId xmlns:a16="http://schemas.microsoft.com/office/drawing/2014/main" id="{E55BA3CD-7F55-0043-E90C-4DC078A90044}"/>
-              </a:ext>
-            </a:extLst>
-          </p:cNvPr>
-          <p:cNvSpPr>
-            <a:spLocks noGrp="1"/>
-          </p:cNvSpPr>
-          <p:nvPr>
-            <p:ph type="title"/>
-          </p:nvPr>
-        </p:nvSpPr>
-        <p:spPr/>
-        <p:txBody>
-          <a:bodyPr/>
-          <a:lstStyle/>
-          <a:p>
-            <a:pPr algn="ctr"/>
-            <a:r>
-              <a:rPr lang="ja-JP" altLang="en-US" dirty="0"/>
-              <a:t>謝辞</a:t>
-            </a:r>
-            <a:endParaRPr kumimoji="1" lang="ja-JP" altLang="en-US" dirty="0"/>
-          </a:p>
-        </p:txBody>
-      </p:sp>
-      <p:sp>
-        <p:nvSpPr>
-          <p:cNvPr id="3" name="コンテンツ プレースホルダー 2">
-            <a:extLst>
-              <a:ext uri="{FF2B5EF4-FFF2-40B4-BE49-F238E27FC236}">
-                <a16:creationId xmlns:a16="http://schemas.microsoft.com/office/drawing/2014/main" id="{C22891D0-CC6C-AA96-EDBC-2EA8586C0BF6}"/>
-              </a:ext>
-            </a:extLst>
-          </p:cNvPr>
-          <p:cNvSpPr>
-            <a:spLocks noGrp="1"/>
-          </p:cNvSpPr>
-          <p:nvPr>
-            <p:ph idx="1"/>
-          </p:nvPr>
-        </p:nvSpPr>
-        <p:spPr/>
-        <p:txBody>
-          <a:bodyPr/>
-          <a:lstStyle/>
-          <a:p>
-            <a:endParaRPr kumimoji="1" lang="ja-JP" altLang="en-US"/>
-          </a:p>
-        </p:txBody>
-      </p:sp>
-      <p:sp>
-        <p:nvSpPr>
-          <p:cNvPr id="4" name="テキスト ボックス 3">
-            <a:extLst>
-              <a:ext uri="{FF2B5EF4-FFF2-40B4-BE49-F238E27FC236}">
-                <a16:creationId xmlns:a16="http://schemas.microsoft.com/office/drawing/2014/main" id="{F52B2EC3-150C-977D-40D4-555CEB3E1A6C}"/>
-              </a:ext>
-            </a:extLst>
-          </p:cNvPr>
-          <p:cNvSpPr txBox="1"/>
-          <p:nvPr/>
-        </p:nvSpPr>
-        <p:spPr>
-          <a:xfrm>
-            <a:off x="9232490" y="796413"/>
-            <a:ext cx="1592826" cy="369332"/>
-          </a:xfrm>
-          <a:prstGeom prst="rect">
-            <a:avLst/>
-          </a:prstGeom>
-          <a:noFill/>
-        </p:spPr>
-        <p:txBody>
-          <a:bodyPr wrap="square" rtlCol="0">
-            <a:spAutoFit/>
-          </a:bodyPr>
-          <a:lstStyle/>
-          <a:p>
-            <a:r>
-              <a:rPr kumimoji="1" lang="en-US" altLang="ja-JP" dirty="0"/>
-              <a:t>30s</a:t>
-            </a:r>
-            <a:endParaRPr kumimoji="1" lang="ja-JP" altLang="en-US" dirty="0"/>
-          </a:p>
-        </p:txBody>
-      </p:sp>
-    </p:spTree>
-    <p:extLst>
-      <p:ext uri="{BB962C8B-B14F-4D97-AF65-F5344CB8AC3E}">
-        <p14:creationId xmlns:p14="http://schemas.microsoft.com/office/powerpoint/2010/main" val="2869420713"/>
-      </p:ext>
-    </p:extLst>
-  </p:cSld>
-  <p:clrMapOvr>
-    <a:masterClrMapping/>
-  </p:clrMapOvr>
-</p:sld>
-</file>
-
-<file path=ppt/slides/slide3.xml><?xml version="1.0" encoding="utf-8"?>
-<p:sld xmlns:a="http://schemas.openxmlformats.org/drawingml/2006/main" xmlns:r="http://schemas.openxmlformats.org/officeDocument/2006/relationships" xmlns:p="http://schemas.openxmlformats.org/presentationml/2006/main">
-  <p:cSld>
-    <p:spTree>
-      <p:nvGrpSpPr>
-        <p:cNvPr id="1" name=""/>
-        <p:cNvGrpSpPr/>
-        <p:nvPr/>
-      </p:nvGrpSpPr>
-      <p:grpSpPr>
-        <a:xfrm>
-          <a:off x="0" y="0"/>
-          <a:ext cx="0" cy="0"/>
-          <a:chOff x="0" y="0"/>
-          <a:chExt cx="0" cy="0"/>
-        </a:xfrm>
-      </p:grpSpPr>
-      <p:sp>
-        <p:nvSpPr>
-          <p:cNvPr id="2" name="正方形/長方形 1">
-            <a:extLst>
-              <a:ext uri="{FF2B5EF4-FFF2-40B4-BE49-F238E27FC236}">
-                <a16:creationId xmlns:a16="http://schemas.microsoft.com/office/drawing/2014/main" id="{D23F262B-F8FA-2054-7778-4674D1F920E4}"/>
-              </a:ext>
-            </a:extLst>
-          </p:cNvPr>
-          <p:cNvSpPr/>
-          <p:nvPr/>
-        </p:nvSpPr>
-        <p:spPr>
-          <a:xfrm>
-            <a:off x="2517135" y="2967335"/>
-            <a:ext cx="7157730" cy="923330"/>
-          </a:xfrm>
-          <a:prstGeom prst="rect">
-            <a:avLst/>
-          </a:prstGeom>
-          <a:noFill/>
-        </p:spPr>
-        <p:txBody>
-          <a:bodyPr wrap="none" lIns="91440" tIns="45720" rIns="91440" bIns="45720">
-            <a:spAutoFit/>
-          </a:bodyPr>
-          <a:lstStyle/>
-          <a:p>
-            <a:pPr algn="ctr"/>
-            <a:r>
-              <a:rPr lang="en-US" altLang="ja-JP" sz="5400" b="0" cap="none" spc="0" dirty="0">
-                <a:ln w="0"/>
-                <a:solidFill>
-                  <a:schemeClr val="tx1"/>
-                </a:solidFill>
-                <a:effectLst>
-                  <a:outerShdw blurRad="38100" dist="19050" dir="2700000" algn="tl" rotWithShape="0">
-                    <a:schemeClr val="dk1">
-                      <a:alpha val="40000"/>
-                    </a:schemeClr>
-                  </a:outerShdw>
-                </a:effectLst>
-              </a:rPr>
-              <a:t>We Are the Champion</a:t>
-            </a:r>
-            <a:endParaRPr lang="ja-JP" altLang="en-US" sz="5400" b="0" cap="none" spc="0" dirty="0">
-              <a:ln w="0"/>
-              <a:solidFill>
-                <a:schemeClr val="tx1"/>
-              </a:solidFill>
-              <a:effectLst>
-                <a:outerShdw blurRad="38100" dist="19050" dir="2700000" algn="tl" rotWithShape="0">
-                  <a:schemeClr val="dk1">
-                    <a:alpha val="40000"/>
-                  </a:schemeClr>
-                </a:outerShdw>
-              </a:effectLst>
-            </a:endParaRPr>
-          </a:p>
-        </p:txBody>
-      </p:sp>
-      <p:sp>
-        <p:nvSpPr>
-          <p:cNvPr id="4" name="テキスト ボックス 3">
-            <a:extLst>
-              <a:ext uri="{FF2B5EF4-FFF2-40B4-BE49-F238E27FC236}">
-                <a16:creationId xmlns:a16="http://schemas.microsoft.com/office/drawing/2014/main" id="{A0F78338-FE91-CF7E-FCC6-D0E4B7CC2208}"/>
-              </a:ext>
-            </a:extLst>
-          </p:cNvPr>
-          <p:cNvSpPr txBox="1"/>
-          <p:nvPr/>
-        </p:nvSpPr>
-        <p:spPr>
-          <a:xfrm>
-            <a:off x="9999406" y="1022555"/>
-            <a:ext cx="1248697" cy="369332"/>
-          </a:xfrm>
-          <a:prstGeom prst="rect">
-            <a:avLst/>
-          </a:prstGeom>
-          <a:noFill/>
-        </p:spPr>
-        <p:txBody>
-          <a:bodyPr wrap="square" rtlCol="0">
-            <a:spAutoFit/>
-          </a:bodyPr>
-          <a:lstStyle/>
-          <a:p>
-            <a:r>
-              <a:rPr kumimoji="1" lang="en-US" altLang="ja-JP" dirty="0"/>
-              <a:t>1m</a:t>
-            </a:r>
-            <a:endParaRPr kumimoji="1" lang="ja-JP" altLang="en-US" dirty="0"/>
-          </a:p>
-        </p:txBody>
-      </p:sp>
-    </p:spTree>
-    <p:extLst>
-      <p:ext uri="{BB962C8B-B14F-4D97-AF65-F5344CB8AC3E}">
-        <p14:creationId xmlns:p14="http://schemas.microsoft.com/office/powerpoint/2010/main" val="1600258857"/>
-      </p:ext>
-    </p:extLst>
-  </p:cSld>
-  <p:clrMapOvr>
-    <a:masterClrMapping/>
-  </p:clrMapOvr>
-</p:sld>
-</file>
-
-<file path=ppt/slides/slide4.xml><?xml version="1.0" encoding="utf-8"?>
-<p:sld xmlns:a="http://schemas.openxmlformats.org/drawingml/2006/main" xmlns:r="http://schemas.openxmlformats.org/officeDocument/2006/relationships" xmlns:p="http://schemas.openxmlformats.org/presentationml/2006/main">
-  <p:cSld>
-    <p:spTree>
-      <p:nvGrpSpPr>
-        <p:cNvPr id="1" name=""/>
-        <p:cNvGrpSpPr/>
-        <p:nvPr/>
-      </p:nvGrpSpPr>
-      <p:grpSpPr>
-        <a:xfrm>
-          <a:off x="0" y="0"/>
-          <a:ext cx="0" cy="0"/>
-          <a:chOff x="0" y="0"/>
-          <a:chExt cx="0" cy="0"/>
-        </a:xfrm>
-      </p:grpSpPr>
-      <p:sp>
-        <p:nvSpPr>
-          <p:cNvPr id="2" name="正方形/長方形 1">
-            <a:extLst>
-              <a:ext uri="{FF2B5EF4-FFF2-40B4-BE49-F238E27FC236}">
-                <a16:creationId xmlns:a16="http://schemas.microsoft.com/office/drawing/2014/main" id="{6E44F6AB-02D4-6F36-8ED0-9251F1DD071C}"/>
-              </a:ext>
-            </a:extLst>
-          </p:cNvPr>
-          <p:cNvSpPr/>
-          <p:nvPr/>
-        </p:nvSpPr>
-        <p:spPr>
-          <a:xfrm>
-            <a:off x="1502435" y="2551837"/>
-            <a:ext cx="9187130" cy="1754326"/>
-          </a:xfrm>
-          <a:prstGeom prst="rect">
-            <a:avLst/>
-          </a:prstGeom>
-          <a:noFill/>
-        </p:spPr>
-        <p:txBody>
-          <a:bodyPr wrap="none" lIns="91440" tIns="45720" rIns="91440" bIns="45720">
-            <a:spAutoFit/>
-          </a:bodyPr>
-          <a:lstStyle/>
-          <a:p>
-            <a:pPr algn="ctr"/>
-            <a:r>
-              <a:rPr lang="ja-JP" altLang="en-US" sz="5400" b="0" cap="none" spc="0" dirty="0">
-                <a:ln w="0"/>
-                <a:solidFill>
-                  <a:schemeClr val="tx1"/>
-                </a:solidFill>
-                <a:effectLst>
-                  <a:outerShdw blurRad="38100" dist="19050" dir="2700000" algn="tl" rotWithShape="0">
-                    <a:schemeClr val="dk1">
-                      <a:alpha val="40000"/>
-                    </a:schemeClr>
-                  </a:outerShdw>
-                </a:effectLst>
-              </a:rPr>
-              <a:t>ここでペルソナになりきって</a:t>
-            </a:r>
-            <a:endParaRPr lang="en-US" altLang="ja-JP" sz="5400" b="0" cap="none" spc="0" dirty="0">
-              <a:ln w="0"/>
-              <a:solidFill>
-                <a:schemeClr val="tx1"/>
-              </a:solidFill>
-              <a:effectLst>
-                <a:outerShdw blurRad="38100" dist="19050" dir="2700000" algn="tl" rotWithShape="0">
-                  <a:schemeClr val="dk1">
-                    <a:alpha val="40000"/>
-                  </a:schemeClr>
-                </a:outerShdw>
-              </a:effectLst>
-            </a:endParaRPr>
-          </a:p>
-          <a:p>
-            <a:pPr algn="ctr"/>
-            <a:r>
-              <a:rPr lang="ja-JP" altLang="en-US" sz="5400" b="0" cap="none" spc="0" dirty="0">
-                <a:ln w="0"/>
-                <a:solidFill>
-                  <a:schemeClr val="tx1"/>
-                </a:solidFill>
-                <a:effectLst>
-                  <a:outerShdw blurRad="38100" dist="19050" dir="2700000" algn="tl" rotWithShape="0">
-                    <a:schemeClr val="dk1">
-                      <a:alpha val="40000"/>
-                    </a:schemeClr>
-                  </a:outerShdw>
-                </a:effectLst>
-              </a:rPr>
-              <a:t>小芝居してほしいです</a:t>
-            </a:r>
-          </a:p>
-        </p:txBody>
-      </p:sp>
-      <p:sp>
-        <p:nvSpPr>
-          <p:cNvPr id="3" name="テキスト ボックス 2">
-            <a:extLst>
-              <a:ext uri="{FF2B5EF4-FFF2-40B4-BE49-F238E27FC236}">
-                <a16:creationId xmlns:a16="http://schemas.microsoft.com/office/drawing/2014/main" id="{21880A26-6FE2-2ABF-E0A0-0CB079C054FE}"/>
-              </a:ext>
-            </a:extLst>
-          </p:cNvPr>
-          <p:cNvSpPr txBox="1"/>
-          <p:nvPr/>
-        </p:nvSpPr>
-        <p:spPr>
-          <a:xfrm>
-            <a:off x="9999406" y="1022555"/>
-            <a:ext cx="1248697" cy="369332"/>
-          </a:xfrm>
-          <a:prstGeom prst="rect">
-            <a:avLst/>
-          </a:prstGeom>
-          <a:noFill/>
-        </p:spPr>
-        <p:txBody>
-          <a:bodyPr wrap="square" rtlCol="0">
-            <a:spAutoFit/>
-          </a:bodyPr>
-          <a:lstStyle/>
-          <a:p>
-            <a:r>
-              <a:rPr kumimoji="1" lang="en-US" altLang="ja-JP" dirty="0"/>
-              <a:t>1m</a:t>
-            </a:r>
-            <a:endParaRPr kumimoji="1" lang="ja-JP" altLang="en-US" dirty="0"/>
-          </a:p>
-        </p:txBody>
-      </p:sp>
-    </p:spTree>
-    <p:extLst>
-      <p:ext uri="{BB962C8B-B14F-4D97-AF65-F5344CB8AC3E}">
-        <p14:creationId xmlns:p14="http://schemas.microsoft.com/office/powerpoint/2010/main" val="1764245324"/>
-      </p:ext>
-    </p:extLst>
-  </p:cSld>
-  <p:clrMapOvr>
-    <a:masterClrMapping/>
-  </p:clrMapOvr>
-</p:sld>
-</file>
-
-<file path=ppt/slides/slide5.xml><?xml version="1.0" encoding="utf-8"?>
-<p:sld xmlns:a="http://schemas.openxmlformats.org/drawingml/2006/main" xmlns:r="http://schemas.openxmlformats.org/officeDocument/2006/relationships" xmlns:p="http://schemas.openxmlformats.org/presentationml/2006/main">
-  <p:cSld>
-    <p:spTree>
-      <p:nvGrpSpPr>
-        <p:cNvPr id="1" name=""/>
-        <p:cNvGrpSpPr/>
-        <p:nvPr/>
-      </p:nvGrpSpPr>
-      <p:grpSpPr>
-        <a:xfrm>
-          <a:off x="0" y="0"/>
-          <a:ext cx="0" cy="0"/>
-          <a:chOff x="0" y="0"/>
-          <a:chExt cx="0" cy="0"/>
-        </a:xfrm>
-      </p:grpSpPr>
-      <p:sp>
-        <p:nvSpPr>
-          <p:cNvPr id="2" name="タイトル 1">
-            <a:extLst>
-              <a:ext uri="{FF2B5EF4-FFF2-40B4-BE49-F238E27FC236}">
-                <a16:creationId xmlns:a16="http://schemas.microsoft.com/office/drawing/2014/main" id="{131D1F6E-268E-E1A6-8B06-F0CA1B1F041D}"/>
-              </a:ext>
-            </a:extLst>
-          </p:cNvPr>
-          <p:cNvSpPr>
-            <a:spLocks noGrp="1"/>
-          </p:cNvSpPr>
-          <p:nvPr>
-            <p:ph type="title"/>
-          </p:nvPr>
-        </p:nvSpPr>
-        <p:spPr/>
-        <p:txBody>
-          <a:bodyPr/>
-          <a:lstStyle/>
-          <a:p>
-            <a:pPr algn="ctr"/>
-            <a:r>
-              <a:rPr kumimoji="1" lang="ja-JP" altLang="en-US" dirty="0"/>
-              <a:t>レコレコ</a:t>
-            </a:r>
-          </a:p>
-        </p:txBody>
-      </p:sp>
-      <p:sp>
-        <p:nvSpPr>
-          <p:cNvPr id="3" name="コンテンツ プレースホルダー 2">
-            <a:extLst>
-              <a:ext uri="{FF2B5EF4-FFF2-40B4-BE49-F238E27FC236}">
-                <a16:creationId xmlns:a16="http://schemas.microsoft.com/office/drawing/2014/main" id="{CF18208B-C0AB-9EA0-CE7C-4096DF94E810}"/>
-              </a:ext>
-            </a:extLst>
-          </p:cNvPr>
-          <p:cNvSpPr>
-            <a:spLocks noGrp="1"/>
-          </p:cNvSpPr>
-          <p:nvPr>
-            <p:ph idx="1"/>
-          </p:nvPr>
-        </p:nvSpPr>
-        <p:spPr/>
-        <p:txBody>
-          <a:bodyPr/>
-          <a:lstStyle/>
-          <a:p>
-            <a:endParaRPr kumimoji="1" lang="en-US" altLang="ja-JP" dirty="0"/>
-          </a:p>
-          <a:p>
-            <a:endParaRPr lang="en-US" altLang="ja-JP" dirty="0"/>
-          </a:p>
-          <a:p>
-            <a:pPr marL="457200" lvl="1" indent="0">
-              <a:buNone/>
-            </a:pPr>
-            <a:r>
-              <a:rPr lang="ja-JP" altLang="en-US" dirty="0"/>
-              <a:t>　　</a:t>
-            </a:r>
-            <a:r>
-              <a:rPr lang="ja-JP" altLang="en-US" sz="1800" dirty="0"/>
-              <a:t>消費した作品を記録、レビューすることができる</a:t>
-            </a:r>
-            <a:r>
-              <a:rPr lang="ja-JP" altLang="en-US" sz="2800" dirty="0"/>
-              <a:t>登録、レビュー機能</a:t>
-            </a:r>
-            <a:endParaRPr lang="en-US" altLang="ja-JP" sz="2800" dirty="0"/>
-          </a:p>
-          <a:p>
-            <a:endParaRPr lang="en-US" altLang="ja-JP" dirty="0"/>
-          </a:p>
-          <a:p>
-            <a:pPr marL="914400" indent="0">
-              <a:spcBef>
-                <a:spcPts val="0"/>
-              </a:spcBef>
-              <a:buNone/>
-            </a:pPr>
-            <a:r>
-              <a:rPr lang="ja-JP" altLang="en-US" sz="1800" b="0" i="0" u="none" strike="noStrike" dirty="0">
-                <a:solidFill>
-                  <a:srgbClr val="1D1C1D"/>
-                </a:solidFill>
-                <a:effectLst/>
-                <a:highlight>
-                  <a:srgbClr val="FFFFFF"/>
-                </a:highlight>
-                <a:latin typeface="Arial" panose="020B0604020202020204" pitchFamily="34" charset="0"/>
-              </a:rPr>
-              <a:t>身近に話が合う人がいなくても、遠くにいる話が合う人とつながれる</a:t>
-            </a:r>
-            <a:r>
-              <a:rPr lang="ja-JP" altLang="en-US" dirty="0">
-                <a:solidFill>
-                  <a:srgbClr val="1D1C1D"/>
-                </a:solidFill>
-                <a:highlight>
-                  <a:srgbClr val="FFFFFF"/>
-                </a:highlight>
-                <a:latin typeface="Arial" panose="020B0604020202020204" pitchFamily="34" charset="0"/>
-              </a:rPr>
-              <a:t>チャット機能</a:t>
-            </a:r>
-            <a:endParaRPr lang="ja-JP" altLang="en-US" b="0" dirty="0">
-              <a:effectLst/>
-            </a:endParaRPr>
-          </a:p>
-          <a:p>
-            <a:pPr marL="914400" indent="457200" rtl="0">
-              <a:spcBef>
-                <a:spcPts val="0"/>
-              </a:spcBef>
-              <a:spcAft>
-                <a:spcPts val="0"/>
-              </a:spcAft>
-            </a:pPr>
-            <a:endParaRPr lang="ja-JP" altLang="en-US" b="0" dirty="0">
-              <a:effectLst/>
-            </a:endParaRPr>
-          </a:p>
-          <a:p>
-            <a:pPr marL="0" indent="0">
-              <a:buNone/>
-            </a:pPr>
-            <a:r>
-              <a:rPr lang="ja-JP" altLang="en-US" dirty="0"/>
-              <a:t>　　　</a:t>
-            </a:r>
-            <a:r>
-              <a:rPr lang="ja-JP" altLang="en-US" sz="1800" b="0" i="0" u="none" strike="noStrike" dirty="0">
-                <a:solidFill>
-                  <a:srgbClr val="1D1C1D"/>
-                </a:solidFill>
-                <a:effectLst/>
-                <a:highlight>
-                  <a:srgbClr val="FFFFFF"/>
-                </a:highlight>
-                <a:latin typeface="Arial" panose="020B0604020202020204" pitchFamily="34" charset="0"/>
-              </a:rPr>
-              <a:t>気軽に誰かにおすすめして見てもらえる</a:t>
-            </a:r>
-            <a:r>
-              <a:rPr lang="ja-JP" altLang="en-US" b="0" i="0" u="none" strike="noStrike" dirty="0">
-                <a:solidFill>
-                  <a:srgbClr val="1D1C1D"/>
-                </a:solidFill>
-                <a:effectLst/>
-                <a:highlight>
-                  <a:srgbClr val="FFFFFF"/>
-                </a:highlight>
-                <a:latin typeface="Arial" panose="020B0604020202020204" pitchFamily="34" charset="0"/>
-              </a:rPr>
-              <a:t>ポスト機能</a:t>
-            </a:r>
-            <a:br>
-              <a:rPr lang="ja-JP" altLang="en-US" dirty="0"/>
-            </a:br>
-            <a:endParaRPr kumimoji="1" lang="ja-JP" altLang="en-US" dirty="0"/>
-          </a:p>
-        </p:txBody>
-      </p:sp>
-      <p:sp>
-        <p:nvSpPr>
-          <p:cNvPr id="4" name="テキスト ボックス 3">
-            <a:extLst>
-              <a:ext uri="{FF2B5EF4-FFF2-40B4-BE49-F238E27FC236}">
-                <a16:creationId xmlns:a16="http://schemas.microsoft.com/office/drawing/2014/main" id="{B1A20856-2414-E0D0-135E-193FC646CCD8}"/>
-              </a:ext>
-            </a:extLst>
-          </p:cNvPr>
-          <p:cNvSpPr txBox="1"/>
-          <p:nvPr/>
-        </p:nvSpPr>
-        <p:spPr>
-          <a:xfrm>
-            <a:off x="9861755" y="843240"/>
-            <a:ext cx="1248697" cy="369332"/>
-          </a:xfrm>
-          <a:prstGeom prst="rect">
-            <a:avLst/>
-          </a:prstGeom>
-          <a:noFill/>
-        </p:spPr>
-        <p:txBody>
-          <a:bodyPr wrap="square" rtlCol="0">
-            <a:spAutoFit/>
-          </a:bodyPr>
-          <a:lstStyle/>
-          <a:p>
-            <a:r>
-              <a:rPr kumimoji="1" lang="en-US" altLang="ja-JP" dirty="0"/>
-              <a:t>1m</a:t>
-            </a:r>
-            <a:endParaRPr kumimoji="1" lang="ja-JP" altLang="en-US" dirty="0"/>
-          </a:p>
-        </p:txBody>
-      </p:sp>
-    </p:spTree>
-    <p:extLst>
-      <p:ext uri="{BB962C8B-B14F-4D97-AF65-F5344CB8AC3E}">
-        <p14:creationId xmlns:p14="http://schemas.microsoft.com/office/powerpoint/2010/main" val="600283374"/>
-      </p:ext>
-    </p:extLst>
-  </p:cSld>
-  <p:clrMapOvr>
-    <a:masterClrMapping/>
-  </p:clrMapOvr>
-</p:sld>
-</file>
-
-<file path=ppt/slides/slide6.xml><?xml version="1.0" encoding="utf-8"?>
-<p:sld xmlns:a="http://schemas.openxmlformats.org/drawingml/2006/main" xmlns:r="http://schemas.openxmlformats.org/officeDocument/2006/relationships" xmlns:p="http://schemas.openxmlformats.org/presentationml/2006/main">
-  <p:cSld>
-    <p:spTree>
-      <p:nvGrpSpPr>
-        <p:cNvPr id="1" name=""/>
-        <p:cNvGrpSpPr/>
-        <p:nvPr/>
-      </p:nvGrpSpPr>
-      <p:grpSpPr>
-        <a:xfrm>
-          <a:off x="0" y="0"/>
-          <a:ext cx="0" cy="0"/>
-          <a:chOff x="0" y="0"/>
-          <a:chExt cx="0" cy="0"/>
-        </a:xfrm>
-      </p:grpSpPr>
-      <p:sp>
-        <p:nvSpPr>
-          <p:cNvPr id="2" name="タイトル 1">
-            <a:extLst>
-              <a:ext uri="{FF2B5EF4-FFF2-40B4-BE49-F238E27FC236}">
-                <a16:creationId xmlns:a16="http://schemas.microsoft.com/office/drawing/2014/main" id="{C492DAFF-C155-F9BB-50BE-1DA24E96CF1B}"/>
-              </a:ext>
-            </a:extLst>
-          </p:cNvPr>
-          <p:cNvSpPr>
-            <a:spLocks noGrp="1"/>
-          </p:cNvSpPr>
-          <p:nvPr>
-            <p:ph type="title"/>
-          </p:nvPr>
-        </p:nvSpPr>
-        <p:spPr/>
-        <p:txBody>
-          <a:bodyPr/>
-          <a:lstStyle/>
-          <a:p>
-            <a:pPr algn="ctr"/>
-            <a:r>
-              <a:rPr kumimoji="1" lang="ja-JP" altLang="en-US" dirty="0"/>
-              <a:t>登録、レビュー機能</a:t>
-            </a:r>
-          </a:p>
-        </p:txBody>
-      </p:sp>
-      <p:sp>
-        <p:nvSpPr>
-          <p:cNvPr id="3" name="コンテンツ プレースホルダー 2">
-            <a:extLst>
-              <a:ext uri="{FF2B5EF4-FFF2-40B4-BE49-F238E27FC236}">
-                <a16:creationId xmlns:a16="http://schemas.microsoft.com/office/drawing/2014/main" id="{62F540CA-CD45-0F05-8979-2F07EE18F990}"/>
-              </a:ext>
-            </a:extLst>
-          </p:cNvPr>
-          <p:cNvSpPr>
-            <a:spLocks noGrp="1"/>
-          </p:cNvSpPr>
-          <p:nvPr>
-            <p:ph idx="1"/>
-          </p:nvPr>
-        </p:nvSpPr>
-        <p:spPr/>
-        <p:txBody>
-          <a:bodyPr/>
-          <a:lstStyle/>
-          <a:p>
-            <a:pPr marL="0" indent="0">
-              <a:buNone/>
-            </a:pPr>
-            <a:r>
-              <a:rPr kumimoji="1" lang="ja-JP" altLang="en-US" dirty="0"/>
-              <a:t>ページの画像？</a:t>
-            </a:r>
-          </a:p>
-        </p:txBody>
-      </p:sp>
-      <p:sp>
-        <p:nvSpPr>
-          <p:cNvPr id="4" name="テキスト ボックス 3">
-            <a:extLst>
-              <a:ext uri="{FF2B5EF4-FFF2-40B4-BE49-F238E27FC236}">
-                <a16:creationId xmlns:a16="http://schemas.microsoft.com/office/drawing/2014/main" id="{B766322E-DFB7-F23A-24DA-B0800EBA2B22}"/>
-              </a:ext>
-            </a:extLst>
-          </p:cNvPr>
-          <p:cNvSpPr txBox="1"/>
-          <p:nvPr/>
-        </p:nvSpPr>
-        <p:spPr>
-          <a:xfrm>
-            <a:off x="9940413" y="774414"/>
-            <a:ext cx="1248697" cy="369332"/>
-          </a:xfrm>
-          <a:prstGeom prst="rect">
-            <a:avLst/>
-          </a:prstGeom>
-          <a:noFill/>
-        </p:spPr>
-        <p:txBody>
-          <a:bodyPr wrap="square" rtlCol="0">
-            <a:spAutoFit/>
-          </a:bodyPr>
-          <a:lstStyle/>
-          <a:p>
-            <a:r>
-              <a:rPr lang="en-US" altLang="ja-JP" dirty="0"/>
-              <a:t>2</a:t>
-            </a:r>
-            <a:r>
-              <a:rPr kumimoji="1" lang="en-US" altLang="ja-JP" dirty="0"/>
-              <a:t>m</a:t>
-            </a:r>
-            <a:endParaRPr kumimoji="1" lang="ja-JP" altLang="en-US" dirty="0"/>
-          </a:p>
-        </p:txBody>
-      </p:sp>
-    </p:spTree>
-    <p:extLst>
-      <p:ext uri="{BB962C8B-B14F-4D97-AF65-F5344CB8AC3E}">
-        <p14:creationId xmlns:p14="http://schemas.microsoft.com/office/powerpoint/2010/main" val="1787241114"/>
-      </p:ext>
-    </p:extLst>
-  </p:cSld>
-  <p:clrMapOvr>
-    <a:masterClrMapping/>
-  </p:clrMapOvr>
-</p:sld>
-</file>
-
-<file path=ppt/slides/slide7.xml><?xml version="1.0" encoding="utf-8"?>
-<p:sld xmlns:a="http://schemas.openxmlformats.org/drawingml/2006/main" xmlns:r="http://schemas.openxmlformats.org/officeDocument/2006/relationships" xmlns:p="http://schemas.openxmlformats.org/presentationml/2006/main">
-  <p:cSld>
-    <p:spTree>
-      <p:nvGrpSpPr>
-        <p:cNvPr id="1" name=""/>
-        <p:cNvGrpSpPr/>
-        <p:nvPr/>
-      </p:nvGrpSpPr>
-      <p:grpSpPr>
-        <a:xfrm>
-          <a:off x="0" y="0"/>
-          <a:ext cx="0" cy="0"/>
-          <a:chOff x="0" y="0"/>
-          <a:chExt cx="0" cy="0"/>
-        </a:xfrm>
-      </p:grpSpPr>
-      <p:sp>
-        <p:nvSpPr>
-          <p:cNvPr id="2" name="タイトル 1">
-            <a:extLst>
-              <a:ext uri="{FF2B5EF4-FFF2-40B4-BE49-F238E27FC236}">
-                <a16:creationId xmlns:a16="http://schemas.microsoft.com/office/drawing/2014/main" id="{04C58098-532E-07E5-6823-2587CE558B46}"/>
-              </a:ext>
-            </a:extLst>
-          </p:cNvPr>
-          <p:cNvSpPr>
-            <a:spLocks noGrp="1"/>
-          </p:cNvSpPr>
-          <p:nvPr>
-            <p:ph type="title"/>
-          </p:nvPr>
-        </p:nvSpPr>
-        <p:spPr/>
-        <p:txBody>
-          <a:bodyPr/>
-          <a:lstStyle/>
-          <a:p>
-            <a:pPr algn="ctr"/>
-            <a:r>
-              <a:rPr kumimoji="1" lang="ja-JP" altLang="en-US" dirty="0"/>
-              <a:t>チャット機能</a:t>
-            </a:r>
-          </a:p>
-        </p:txBody>
-      </p:sp>
-      <p:sp>
-        <p:nvSpPr>
-          <p:cNvPr id="3" name="コンテンツ プレースホルダー 2">
-            <a:extLst>
-              <a:ext uri="{FF2B5EF4-FFF2-40B4-BE49-F238E27FC236}">
-                <a16:creationId xmlns:a16="http://schemas.microsoft.com/office/drawing/2014/main" id="{4B8EF77E-767B-E5DE-1D4D-8B3236B7AD60}"/>
-              </a:ext>
-            </a:extLst>
-          </p:cNvPr>
-          <p:cNvSpPr>
-            <a:spLocks noGrp="1"/>
-          </p:cNvSpPr>
-          <p:nvPr>
-            <p:ph idx="1"/>
-          </p:nvPr>
-        </p:nvSpPr>
-        <p:spPr/>
-        <p:txBody>
-          <a:bodyPr/>
-          <a:lstStyle/>
-          <a:p>
-            <a:pPr marL="0" indent="0">
-              <a:buNone/>
-            </a:pPr>
-            <a:r>
-              <a:rPr kumimoji="1" lang="ja-JP" altLang="en-US" dirty="0"/>
-              <a:t>ページの画像？</a:t>
-            </a:r>
-          </a:p>
-          <a:p>
-            <a:endParaRPr kumimoji="1" lang="ja-JP" altLang="en-US" dirty="0"/>
-          </a:p>
-        </p:txBody>
-      </p:sp>
-      <p:sp>
-        <p:nvSpPr>
-          <p:cNvPr id="4" name="テキスト ボックス 3">
-            <a:extLst>
-              <a:ext uri="{FF2B5EF4-FFF2-40B4-BE49-F238E27FC236}">
-                <a16:creationId xmlns:a16="http://schemas.microsoft.com/office/drawing/2014/main" id="{57BE2D5A-5DA6-2A22-347C-D3059909C360}"/>
-              </a:ext>
-            </a:extLst>
-          </p:cNvPr>
-          <p:cNvSpPr txBox="1"/>
-          <p:nvPr/>
-        </p:nvSpPr>
-        <p:spPr>
-          <a:xfrm>
-            <a:off x="9851923" y="843240"/>
-            <a:ext cx="1248697" cy="369332"/>
-          </a:xfrm>
-          <a:prstGeom prst="rect">
-            <a:avLst/>
-          </a:prstGeom>
-          <a:noFill/>
-        </p:spPr>
-        <p:txBody>
-          <a:bodyPr wrap="square" rtlCol="0">
-            <a:spAutoFit/>
-          </a:bodyPr>
-          <a:lstStyle/>
-          <a:p>
-            <a:r>
-              <a:rPr kumimoji="1" lang="en-US" altLang="ja-JP" dirty="0"/>
-              <a:t>1m</a:t>
-            </a:r>
-            <a:endParaRPr kumimoji="1" lang="ja-JP" altLang="en-US" dirty="0"/>
-          </a:p>
-        </p:txBody>
-      </p:sp>
-    </p:spTree>
-    <p:extLst>
-      <p:ext uri="{BB962C8B-B14F-4D97-AF65-F5344CB8AC3E}">
-        <p14:creationId xmlns:p14="http://schemas.microsoft.com/office/powerpoint/2010/main" val="2709540529"/>
-      </p:ext>
-    </p:extLst>
-  </p:cSld>
-  <p:clrMapOvr>
-    <a:masterClrMapping/>
-  </p:clrMapOvr>
-</p:sld>
-</file>
-
-<file path=ppt/slides/slide8.xml><?xml version="1.0" encoding="utf-8"?>
-<p:sld xmlns:a="http://schemas.openxmlformats.org/drawingml/2006/main" xmlns:r="http://schemas.openxmlformats.org/officeDocument/2006/relationships" xmlns:p="http://schemas.openxmlformats.org/presentationml/2006/main">
-  <p:cSld>
-    <p:spTree>
-      <p:nvGrpSpPr>
-        <p:cNvPr id="1" name=""/>
-        <p:cNvGrpSpPr/>
-        <p:nvPr/>
-      </p:nvGrpSpPr>
-      <p:grpSpPr>
-        <a:xfrm>
-          <a:off x="0" y="0"/>
-          <a:ext cx="0" cy="0"/>
-          <a:chOff x="0" y="0"/>
-          <a:chExt cx="0" cy="0"/>
-        </a:xfrm>
-      </p:grpSpPr>
-      <p:sp>
-        <p:nvSpPr>
-          <p:cNvPr id="2" name="タイトル 1">
-            <a:extLst>
-              <a:ext uri="{FF2B5EF4-FFF2-40B4-BE49-F238E27FC236}">
-                <a16:creationId xmlns:a16="http://schemas.microsoft.com/office/drawing/2014/main" id="{136F447D-5BB3-F400-4638-99ED82FDCD2E}"/>
-              </a:ext>
-            </a:extLst>
-          </p:cNvPr>
-          <p:cNvSpPr>
-            <a:spLocks noGrp="1"/>
-          </p:cNvSpPr>
-          <p:nvPr>
-            <p:ph type="title"/>
-          </p:nvPr>
-        </p:nvSpPr>
-        <p:spPr>
-          <a:xfrm>
-            <a:off x="838200" y="394621"/>
-            <a:ext cx="10515600" cy="1325563"/>
-          </a:xfrm>
-        </p:spPr>
-        <p:txBody>
-          <a:bodyPr/>
-          <a:lstStyle/>
-          <a:p>
-            <a:pPr algn="ctr"/>
-            <a:r>
-              <a:rPr kumimoji="1" lang="ja-JP" altLang="en-US" dirty="0"/>
-              <a:t>ポスト機能</a:t>
-            </a:r>
-          </a:p>
-        </p:txBody>
-      </p:sp>
-      <p:sp>
-        <p:nvSpPr>
-          <p:cNvPr id="3" name="コンテンツ プレースホルダー 2">
-            <a:extLst>
-              <a:ext uri="{FF2B5EF4-FFF2-40B4-BE49-F238E27FC236}">
-                <a16:creationId xmlns:a16="http://schemas.microsoft.com/office/drawing/2014/main" id="{5476B664-7764-875C-9324-C3F3FE2382DE}"/>
-              </a:ext>
-            </a:extLst>
-          </p:cNvPr>
-          <p:cNvSpPr>
-            <a:spLocks noGrp="1"/>
-          </p:cNvSpPr>
-          <p:nvPr>
-            <p:ph idx="1"/>
-          </p:nvPr>
-        </p:nvSpPr>
-        <p:spPr/>
-        <p:txBody>
-          <a:bodyPr/>
-          <a:lstStyle/>
-          <a:p>
-            <a:pPr marL="0" indent="0">
-              <a:buNone/>
-            </a:pPr>
-            <a:r>
-              <a:rPr kumimoji="1" lang="ja-JP" altLang="en-US" dirty="0"/>
-              <a:t>ページの画像？</a:t>
-            </a:r>
-          </a:p>
-          <a:p>
-            <a:endParaRPr kumimoji="1" lang="ja-JP" altLang="en-US" dirty="0"/>
-          </a:p>
-        </p:txBody>
-      </p:sp>
-      <p:sp>
-        <p:nvSpPr>
-          <p:cNvPr id="4" name="テキスト ボックス 3">
-            <a:extLst>
-              <a:ext uri="{FF2B5EF4-FFF2-40B4-BE49-F238E27FC236}">
-                <a16:creationId xmlns:a16="http://schemas.microsoft.com/office/drawing/2014/main" id="{45FAF74F-5572-E12E-4882-BBA7FF5BF502}"/>
-              </a:ext>
-            </a:extLst>
-          </p:cNvPr>
-          <p:cNvSpPr txBox="1"/>
-          <p:nvPr/>
-        </p:nvSpPr>
-        <p:spPr>
-          <a:xfrm>
-            <a:off x="9842091" y="872736"/>
-            <a:ext cx="1248697" cy="369332"/>
-          </a:xfrm>
-          <a:prstGeom prst="rect">
-            <a:avLst/>
-          </a:prstGeom>
-          <a:noFill/>
-        </p:spPr>
-        <p:txBody>
-          <a:bodyPr wrap="square" rtlCol="0">
-            <a:spAutoFit/>
-          </a:bodyPr>
-          <a:lstStyle/>
-          <a:p>
-            <a:r>
-              <a:rPr kumimoji="1" lang="en-US" altLang="ja-JP" dirty="0"/>
-              <a:t>1m</a:t>
-            </a:r>
-            <a:endParaRPr kumimoji="1" lang="ja-JP" altLang="en-US" dirty="0"/>
-          </a:p>
-        </p:txBody>
-      </p:sp>
-    </p:spTree>
-    <p:extLst>
-      <p:ext uri="{BB962C8B-B14F-4D97-AF65-F5344CB8AC3E}">
-        <p14:creationId xmlns:p14="http://schemas.microsoft.com/office/powerpoint/2010/main" val="294938828"/>
-      </p:ext>
-    </p:extLst>
-  </p:cSld>
-  <p:clrMapOvr>
-    <a:masterClrMapping/>
-  </p:clrMapOvr>
-</p:sld>
-</file>
-
-<file path=ppt/slides/slide9.xml><?xml version="1.0" encoding="utf-8"?>
 <p:sld xmlns:a="http://schemas.openxmlformats.org/drawingml/2006/main" xmlns:r="http://schemas.openxmlformats.org/officeDocument/2006/relationships" xmlns:p="http://schemas.openxmlformats.org/presentationml/2006/main">
   <p:cSld>
     <p:spTree>
@@ -6537,8 +5745,8 @@
           </a:p>
         </p:txBody>
       </p:sp>
-      <mc:AlternateContent xmlns:mc="http://schemas.openxmlformats.org/markup-compatibility/2006">
-        <mc:Choice xmlns:p14="http://schemas.microsoft.com/office/powerpoint/2010/main" Requires="p14">
+      <mc:AlternateContent xmlns:mc="http://schemas.openxmlformats.org/markup-compatibility/2006" xmlns:p14="http://schemas.microsoft.com/office/powerpoint/2010/main">
+        <mc:Choice Requires="p14">
           <p:contentPart p14:bwMode="auto" r:id="rId2">
             <p14:nvContentPartPr>
               <p14:cNvPr id="4" name="インク 3">
@@ -6557,7 +5765,7 @@
             </p14:xfrm>
           </p:contentPart>
         </mc:Choice>
-        <mc:Fallback>
+        <mc:Fallback xmlns="">
           <p:pic>
             <p:nvPicPr>
               <p:cNvPr id="4" name="インク 3">
@@ -6588,8 +5796,8 @@
           </p:pic>
         </mc:Fallback>
       </mc:AlternateContent>
-      <mc:AlternateContent xmlns:mc="http://schemas.openxmlformats.org/markup-compatibility/2006">
-        <mc:Choice xmlns:p14="http://schemas.microsoft.com/office/powerpoint/2010/main" Requires="p14">
+      <mc:AlternateContent xmlns:mc="http://schemas.openxmlformats.org/markup-compatibility/2006" xmlns:p14="http://schemas.microsoft.com/office/powerpoint/2010/main">
+        <mc:Choice Requires="p14">
           <p:contentPart p14:bwMode="auto" r:id="rId4">
             <p14:nvContentPartPr>
               <p14:cNvPr id="5" name="インク 4">
@@ -6608,7 +5816,7 @@
             </p14:xfrm>
           </p:contentPart>
         </mc:Choice>
-        <mc:Fallback>
+        <mc:Fallback xmlns="">
           <p:pic>
             <p:nvPicPr>
               <p:cNvPr id="5" name="インク 4">
@@ -6715,8 +5923,8 @@
             <a:chExt cx="350280" cy="675000"/>
           </a:xfrm>
         </p:grpSpPr>
-        <mc:AlternateContent xmlns:mc="http://schemas.openxmlformats.org/markup-compatibility/2006">
-          <mc:Choice xmlns:p14="http://schemas.microsoft.com/office/powerpoint/2010/main" Requires="p14">
+        <mc:AlternateContent xmlns:mc="http://schemas.openxmlformats.org/markup-compatibility/2006" xmlns:p14="http://schemas.microsoft.com/office/powerpoint/2010/main">
+          <mc:Choice Requires="p14">
             <p:contentPart p14:bwMode="auto" r:id="rId6">
               <p14:nvContentPartPr>
                 <p14:cNvPr id="7" name="インク 6">
@@ -6735,7 +5943,7 @@
               </p14:xfrm>
             </p:contentPart>
           </mc:Choice>
-          <mc:Fallback>
+          <mc:Fallback xmlns="">
             <p:pic>
               <p:nvPicPr>
                 <p:cNvPr id="7" name="インク 6">
@@ -6766,8 +5974,8 @@
             </p:pic>
           </mc:Fallback>
         </mc:AlternateContent>
-        <mc:AlternateContent xmlns:mc="http://schemas.openxmlformats.org/markup-compatibility/2006">
-          <mc:Choice xmlns:p14="http://schemas.microsoft.com/office/powerpoint/2010/main" Requires="p14">
+        <mc:AlternateContent xmlns:mc="http://schemas.openxmlformats.org/markup-compatibility/2006" xmlns:p14="http://schemas.microsoft.com/office/powerpoint/2010/main">
+          <mc:Choice Requires="p14">
             <p:contentPart p14:bwMode="auto" r:id="rId8">
               <p14:nvContentPartPr>
                 <p14:cNvPr id="8" name="インク 7">
@@ -6786,7 +5994,7 @@
               </p14:xfrm>
             </p:contentPart>
           </mc:Choice>
-          <mc:Fallback>
+          <mc:Fallback xmlns="">
             <p:pic>
               <p:nvPicPr>
                 <p:cNvPr id="8" name="インク 7">
@@ -6818,8 +6026,8 @@
           </mc:Fallback>
         </mc:AlternateContent>
       </p:grpSp>
-      <mc:AlternateContent xmlns:mc="http://schemas.openxmlformats.org/markup-compatibility/2006">
-        <mc:Choice xmlns:p14="http://schemas.microsoft.com/office/powerpoint/2010/main" Requires="p14">
+      <mc:AlternateContent xmlns:mc="http://schemas.openxmlformats.org/markup-compatibility/2006" xmlns:p14="http://schemas.microsoft.com/office/powerpoint/2010/main">
+        <mc:Choice Requires="p14">
           <p:contentPart p14:bwMode="auto" r:id="rId10">
             <p14:nvContentPartPr>
               <p14:cNvPr id="10" name="インク 9">
@@ -6838,7 +6046,7 @@
             </p14:xfrm>
           </p:contentPart>
         </mc:Choice>
-        <mc:Fallback>
+        <mc:Fallback xmlns="">
           <p:pic>
             <p:nvPicPr>
               <p:cNvPr id="10" name="インク 9">
@@ -6871,42 +6079,6 @@
       </mc:AlternateContent>
       <p:sp>
         <p:nvSpPr>
-          <p:cNvPr id="11" name="テキスト ボックス 10">
-            <a:extLst>
-              <a:ext uri="{FF2B5EF4-FFF2-40B4-BE49-F238E27FC236}">
-                <a16:creationId xmlns:a16="http://schemas.microsoft.com/office/drawing/2014/main" id="{BE124D03-AEAD-C51E-E0F5-803A02882EE3}"/>
-              </a:ext>
-            </a:extLst>
-          </p:cNvPr>
-          <p:cNvSpPr txBox="1"/>
-          <p:nvPr/>
-        </p:nvSpPr>
-        <p:spPr>
-          <a:xfrm>
-            <a:off x="11139947" y="474559"/>
-            <a:ext cx="1248697" cy="369332"/>
-          </a:xfrm>
-          <a:prstGeom prst="rect">
-            <a:avLst/>
-          </a:prstGeom>
-          <a:noFill/>
-        </p:spPr>
-        <p:txBody>
-          <a:bodyPr wrap="square" rtlCol="0">
-            <a:spAutoFit/>
-          </a:bodyPr>
-          <a:lstStyle/>
-          <a:p>
-            <a:r>
-              <a:rPr kumimoji="1" lang="en-US" altLang="ja-JP" dirty="0"/>
-              <a:t>1m</a:t>
-            </a:r>
-            <a:endParaRPr kumimoji="1" lang="ja-JP" altLang="en-US" dirty="0"/>
-          </a:p>
-        </p:txBody>
-      </p:sp>
-      <p:sp>
-        <p:nvSpPr>
           <p:cNvPr id="12" name="正方形/長方形 11">
             <a:extLst>
               <a:ext uri="{FF2B5EF4-FFF2-40B4-BE49-F238E27FC236}">
@@ -6957,6 +6129,1713 @@
     <p:extLst>
       <p:ext uri="{BB962C8B-B14F-4D97-AF65-F5344CB8AC3E}">
         <p14:creationId xmlns:p14="http://schemas.microsoft.com/office/powerpoint/2010/main" val="1343342053"/>
+      </p:ext>
+    </p:extLst>
+  </p:cSld>
+  <p:clrMapOvr>
+    <a:masterClrMapping/>
+  </p:clrMapOvr>
+</p:sld>
+</file>
+
+<file path=ppt/slides/slide17.xml><?xml version="1.0" encoding="utf-8"?>
+<p:sld xmlns:a="http://schemas.openxmlformats.org/drawingml/2006/main" xmlns:r="http://schemas.openxmlformats.org/officeDocument/2006/relationships" xmlns:p="http://schemas.openxmlformats.org/presentationml/2006/main">
+  <p:cSld>
+    <p:spTree>
+      <p:nvGrpSpPr>
+        <p:cNvPr id="1" name=""/>
+        <p:cNvGrpSpPr/>
+        <p:nvPr/>
+      </p:nvGrpSpPr>
+      <p:grpSpPr>
+        <a:xfrm>
+          <a:off x="0" y="0"/>
+          <a:ext cx="0" cy="0"/>
+          <a:chOff x="0" y="0"/>
+          <a:chExt cx="0" cy="0"/>
+        </a:xfrm>
+      </p:grpSpPr>
+      <p:pic>
+        <p:nvPicPr>
+          <p:cNvPr id="3" name="図 2" descr="建物, 障子, ブラインド が含まれている画像&#10;&#10;自動的に生成された説明">
+            <a:extLst>
+              <a:ext uri="{FF2B5EF4-FFF2-40B4-BE49-F238E27FC236}">
+                <a16:creationId xmlns:a16="http://schemas.microsoft.com/office/drawing/2014/main" id="{08F6AA6F-48F6-BC88-5C5F-159A23AEEBB1}"/>
+              </a:ext>
+            </a:extLst>
+          </p:cNvPr>
+          <p:cNvPicPr>
+            <a:picLocks noChangeAspect="1"/>
+          </p:cNvPicPr>
+          <p:nvPr/>
+        </p:nvPicPr>
+        <p:blipFill>
+          <a:blip r:embed="rId3">
+            <a:extLst>
+              <a:ext uri="{28A0092B-C50C-407E-A947-70E740481C1C}">
+                <a14:useLocalDpi xmlns:a14="http://schemas.microsoft.com/office/drawing/2010/main" val="0"/>
+              </a:ext>
+            </a:extLst>
+          </a:blip>
+          <a:stretch>
+            <a:fillRect/>
+          </a:stretch>
+        </p:blipFill>
+        <p:spPr>
+          <a:xfrm>
+            <a:off x="7447888" y="1675677"/>
+            <a:ext cx="4744112" cy="5182323"/>
+          </a:xfrm>
+          <a:prstGeom prst="rect">
+            <a:avLst/>
+          </a:prstGeom>
+        </p:spPr>
+      </p:pic>
+      <p:sp>
+        <p:nvSpPr>
+          <p:cNvPr id="4" name="テキスト ボックス 3">
+            <a:extLst>
+              <a:ext uri="{FF2B5EF4-FFF2-40B4-BE49-F238E27FC236}">
+                <a16:creationId xmlns:a16="http://schemas.microsoft.com/office/drawing/2014/main" id="{FDEAA169-376D-07AD-5B8E-A003465E0303}"/>
+              </a:ext>
+            </a:extLst>
+          </p:cNvPr>
+          <p:cNvSpPr txBox="1"/>
+          <p:nvPr/>
+        </p:nvSpPr>
+        <p:spPr>
+          <a:xfrm>
+            <a:off x="614565" y="2084438"/>
+            <a:ext cx="6528619" cy="1754326"/>
+          </a:xfrm>
+          <a:prstGeom prst="rect">
+            <a:avLst/>
+          </a:prstGeom>
+          <a:noFill/>
+        </p:spPr>
+        <p:txBody>
+          <a:bodyPr wrap="square" rtlCol="0">
+            <a:spAutoFit/>
+          </a:bodyPr>
+          <a:lstStyle/>
+          <a:p>
+            <a:r>
+              <a:rPr kumimoji="1" lang="ja-JP" altLang="en-US" dirty="0"/>
+              <a:t>どのぐらいのファイル数があるのかを数字を出して苦労さを伝える。この数のファイルをわずか</a:t>
+            </a:r>
+            <a:r>
+              <a:rPr kumimoji="1" lang="en-US" altLang="ja-JP" dirty="0"/>
+              <a:t>1</a:t>
+            </a:r>
+            <a:r>
+              <a:rPr kumimoji="1" lang="ja-JP" altLang="en-US" dirty="0"/>
+              <a:t>週間で作ったんだぞ！</a:t>
+            </a:r>
+            <a:endParaRPr kumimoji="1" lang="en-US" altLang="ja-JP" dirty="0"/>
+          </a:p>
+          <a:p>
+            <a:endParaRPr lang="en-US" altLang="ja-JP" dirty="0"/>
+          </a:p>
+          <a:p>
+            <a:r>
+              <a:rPr lang="ja-JP" altLang="en-US" dirty="0"/>
+              <a:t>こんなにもファイルがあるとデザインが得意な人はすべて</a:t>
+            </a:r>
+            <a:r>
+              <a:rPr lang="en-US" altLang="ja-JP" dirty="0" err="1"/>
+              <a:t>jsp</a:t>
+            </a:r>
+            <a:r>
+              <a:rPr lang="ja-JP" altLang="en-US" dirty="0"/>
+              <a:t>だけを担当ってしたくなりますよね？でも私達は全部分けたんだよ！すげえだろ</a:t>
+            </a:r>
+            <a:endParaRPr kumimoji="1" lang="ja-JP" altLang="en-US" dirty="0"/>
+          </a:p>
+        </p:txBody>
+      </p:sp>
+      <p:sp>
+        <p:nvSpPr>
+          <p:cNvPr id="5" name="正方形/長方形 4">
+            <a:extLst>
+              <a:ext uri="{FF2B5EF4-FFF2-40B4-BE49-F238E27FC236}">
+                <a16:creationId xmlns:a16="http://schemas.microsoft.com/office/drawing/2014/main" id="{2ED5D094-BFD6-54EC-79DA-C34C354A2540}"/>
+              </a:ext>
+            </a:extLst>
+          </p:cNvPr>
+          <p:cNvSpPr/>
+          <p:nvPr/>
+        </p:nvSpPr>
+        <p:spPr>
+          <a:xfrm>
+            <a:off x="3908631" y="499438"/>
+            <a:ext cx="3647152" cy="923330"/>
+          </a:xfrm>
+          <a:prstGeom prst="rect">
+            <a:avLst/>
+          </a:prstGeom>
+          <a:noFill/>
+        </p:spPr>
+        <p:txBody>
+          <a:bodyPr wrap="none" lIns="91440" tIns="45720" rIns="91440" bIns="45720">
+            <a:spAutoFit/>
+          </a:bodyPr>
+          <a:lstStyle/>
+          <a:p>
+            <a:pPr algn="ctr"/>
+            <a:r>
+              <a:rPr lang="ja-JP" altLang="en-US" sz="5400" b="0" cap="none" spc="0" dirty="0">
+                <a:ln w="0"/>
+                <a:solidFill>
+                  <a:schemeClr val="tx1"/>
+                </a:solidFill>
+                <a:effectLst>
+                  <a:outerShdw blurRad="38100" dist="19050" dir="2700000" algn="tl" rotWithShape="0">
+                    <a:schemeClr val="dk1">
+                      <a:alpha val="40000"/>
+                    </a:schemeClr>
+                  </a:outerShdw>
+                </a:effectLst>
+              </a:rPr>
+              <a:t>苦労した点</a:t>
+            </a:r>
+          </a:p>
+        </p:txBody>
+      </p:sp>
+    </p:spTree>
+    <p:extLst>
+      <p:ext uri="{BB962C8B-B14F-4D97-AF65-F5344CB8AC3E}">
+        <p14:creationId xmlns:p14="http://schemas.microsoft.com/office/powerpoint/2010/main" val="2814706742"/>
+      </p:ext>
+    </p:extLst>
+  </p:cSld>
+  <p:clrMapOvr>
+    <a:masterClrMapping/>
+  </p:clrMapOvr>
+</p:sld>
+</file>
+
+<file path=ppt/slides/slide18.xml><?xml version="1.0" encoding="utf-8"?>
+<p:sld xmlns:a="http://schemas.openxmlformats.org/drawingml/2006/main" xmlns:r="http://schemas.openxmlformats.org/officeDocument/2006/relationships" xmlns:p="http://schemas.openxmlformats.org/presentationml/2006/main">
+  <p:cSld>
+    <p:spTree>
+      <p:nvGrpSpPr>
+        <p:cNvPr id="1" name=""/>
+        <p:cNvGrpSpPr/>
+        <p:nvPr/>
+      </p:nvGrpSpPr>
+      <p:grpSpPr>
+        <a:xfrm>
+          <a:off x="0" y="0"/>
+          <a:ext cx="0" cy="0"/>
+          <a:chOff x="0" y="0"/>
+          <a:chExt cx="0" cy="0"/>
+        </a:xfrm>
+      </p:grpSpPr>
+      <p:sp>
+        <p:nvSpPr>
+          <p:cNvPr id="2" name="タイトル 1">
+            <a:extLst>
+              <a:ext uri="{FF2B5EF4-FFF2-40B4-BE49-F238E27FC236}">
+                <a16:creationId xmlns:a16="http://schemas.microsoft.com/office/drawing/2014/main" id="{2C26E2AB-5D9F-31D7-1294-80C3E6B91528}"/>
+              </a:ext>
+            </a:extLst>
+          </p:cNvPr>
+          <p:cNvSpPr>
+            <a:spLocks noGrp="1"/>
+          </p:cNvSpPr>
+          <p:nvPr>
+            <p:ph type="title"/>
+          </p:nvPr>
+        </p:nvSpPr>
+        <p:spPr/>
+        <p:txBody>
+          <a:bodyPr/>
+          <a:lstStyle/>
+          <a:p>
+            <a:pPr algn="ctr"/>
+            <a:r>
+              <a:rPr kumimoji="1" lang="ja-JP" altLang="en-US" dirty="0"/>
+              <a:t>対応策と結果</a:t>
+            </a:r>
+          </a:p>
+        </p:txBody>
+      </p:sp>
+      <p:sp>
+        <p:nvSpPr>
+          <p:cNvPr id="3" name="コンテンツ プレースホルダー 2">
+            <a:extLst>
+              <a:ext uri="{FF2B5EF4-FFF2-40B4-BE49-F238E27FC236}">
+                <a16:creationId xmlns:a16="http://schemas.microsoft.com/office/drawing/2014/main" id="{9EFBC251-DC36-83AB-BCA8-EA195F65335D}"/>
+              </a:ext>
+            </a:extLst>
+          </p:cNvPr>
+          <p:cNvSpPr>
+            <a:spLocks noGrp="1"/>
+          </p:cNvSpPr>
+          <p:nvPr>
+            <p:ph idx="1"/>
+          </p:nvPr>
+        </p:nvSpPr>
+        <p:spPr/>
+        <p:txBody>
+          <a:bodyPr/>
+          <a:lstStyle/>
+          <a:p>
+            <a:pPr marL="0" indent="0">
+              <a:buNone/>
+            </a:pPr>
+            <a:endParaRPr kumimoji="1" lang="ja-JP" altLang="en-US" dirty="0"/>
+          </a:p>
+        </p:txBody>
+      </p:sp>
+    </p:spTree>
+    <p:extLst>
+      <p:ext uri="{BB962C8B-B14F-4D97-AF65-F5344CB8AC3E}">
+        <p14:creationId xmlns:p14="http://schemas.microsoft.com/office/powerpoint/2010/main" val="1470458677"/>
+      </p:ext>
+    </p:extLst>
+  </p:cSld>
+  <p:clrMapOvr>
+    <a:masterClrMapping/>
+  </p:clrMapOvr>
+</p:sld>
+</file>
+
+<file path=ppt/slides/slide19.xml><?xml version="1.0" encoding="utf-8"?>
+<p:sld xmlns:a="http://schemas.openxmlformats.org/drawingml/2006/main" xmlns:r="http://schemas.openxmlformats.org/officeDocument/2006/relationships" xmlns:p="http://schemas.openxmlformats.org/presentationml/2006/main">
+  <p:cSld>
+    <p:spTree>
+      <p:nvGrpSpPr>
+        <p:cNvPr id="1" name=""/>
+        <p:cNvGrpSpPr/>
+        <p:nvPr/>
+      </p:nvGrpSpPr>
+      <p:grpSpPr>
+        <a:xfrm>
+          <a:off x="0" y="0"/>
+          <a:ext cx="0" cy="0"/>
+          <a:chOff x="0" y="0"/>
+          <a:chExt cx="0" cy="0"/>
+        </a:xfrm>
+      </p:grpSpPr>
+      <p:sp>
+        <p:nvSpPr>
+          <p:cNvPr id="2" name="タイトル 1">
+            <a:extLst>
+              <a:ext uri="{FF2B5EF4-FFF2-40B4-BE49-F238E27FC236}">
+                <a16:creationId xmlns:a16="http://schemas.microsoft.com/office/drawing/2014/main" id="{740C3340-9848-2E93-A2CE-A21EF90CC8C3}"/>
+              </a:ext>
+            </a:extLst>
+          </p:cNvPr>
+          <p:cNvSpPr>
+            <a:spLocks noGrp="1"/>
+          </p:cNvSpPr>
+          <p:nvPr>
+            <p:ph type="title"/>
+          </p:nvPr>
+        </p:nvSpPr>
+        <p:spPr/>
+        <p:txBody>
+          <a:bodyPr/>
+          <a:lstStyle/>
+          <a:p>
+            <a:pPr algn="ctr"/>
+            <a:r>
+              <a:rPr kumimoji="1" lang="ja-JP" altLang="en-US" dirty="0"/>
+              <a:t>学んだ点</a:t>
+            </a:r>
+          </a:p>
+        </p:txBody>
+      </p:sp>
+      <p:sp>
+        <p:nvSpPr>
+          <p:cNvPr id="3" name="コンテンツ プレースホルダー 2">
+            <a:extLst>
+              <a:ext uri="{FF2B5EF4-FFF2-40B4-BE49-F238E27FC236}">
+                <a16:creationId xmlns:a16="http://schemas.microsoft.com/office/drawing/2014/main" id="{83DE67FB-5A8A-3EAC-5FF4-58EB3CF63890}"/>
+              </a:ext>
+            </a:extLst>
+          </p:cNvPr>
+          <p:cNvSpPr>
+            <a:spLocks noGrp="1"/>
+          </p:cNvSpPr>
+          <p:nvPr>
+            <p:ph idx="1"/>
+          </p:nvPr>
+        </p:nvSpPr>
+        <p:spPr/>
+        <p:txBody>
+          <a:bodyPr/>
+          <a:lstStyle/>
+          <a:p>
+            <a:pPr marL="0" indent="0">
+              <a:buNone/>
+            </a:pPr>
+            <a:endParaRPr kumimoji="1" lang="ja-JP" altLang="en-US" dirty="0"/>
+          </a:p>
+        </p:txBody>
+      </p:sp>
+    </p:spTree>
+    <p:extLst>
+      <p:ext uri="{BB962C8B-B14F-4D97-AF65-F5344CB8AC3E}">
+        <p14:creationId xmlns:p14="http://schemas.microsoft.com/office/powerpoint/2010/main" val="2833995024"/>
+      </p:ext>
+    </p:extLst>
+  </p:cSld>
+  <p:clrMapOvr>
+    <a:masterClrMapping/>
+  </p:clrMapOvr>
+</p:sld>
+</file>
+
+<file path=ppt/slides/slide2.xml><?xml version="1.0" encoding="utf-8"?>
+<p:sld xmlns:a="http://schemas.openxmlformats.org/drawingml/2006/main" xmlns:r="http://schemas.openxmlformats.org/officeDocument/2006/relationships" xmlns:p="http://schemas.openxmlformats.org/presentationml/2006/main">
+  <p:cSld>
+    <p:spTree>
+      <p:nvGrpSpPr>
+        <p:cNvPr id="1" name=""/>
+        <p:cNvGrpSpPr/>
+        <p:nvPr/>
+      </p:nvGrpSpPr>
+      <p:grpSpPr>
+        <a:xfrm>
+          <a:off x="0" y="0"/>
+          <a:ext cx="0" cy="0"/>
+          <a:chOff x="0" y="0"/>
+          <a:chExt cx="0" cy="0"/>
+        </a:xfrm>
+      </p:grpSpPr>
+      <p:sp>
+        <p:nvSpPr>
+          <p:cNvPr id="2" name="タイトル 1">
+            <a:extLst>
+              <a:ext uri="{FF2B5EF4-FFF2-40B4-BE49-F238E27FC236}">
+                <a16:creationId xmlns:a16="http://schemas.microsoft.com/office/drawing/2014/main" id="{93C946E9-2838-40EF-23B6-D0F1A3256A47}"/>
+              </a:ext>
+            </a:extLst>
+          </p:cNvPr>
+          <p:cNvSpPr>
+            <a:spLocks noGrp="1"/>
+          </p:cNvSpPr>
+          <p:nvPr>
+            <p:ph type="title"/>
+          </p:nvPr>
+        </p:nvSpPr>
+        <p:spPr/>
+        <p:txBody>
+          <a:bodyPr/>
+          <a:lstStyle/>
+          <a:p>
+            <a:pPr algn="ctr"/>
+            <a:r>
+              <a:rPr kumimoji="1" lang="ja-JP" altLang="en-US" dirty="0"/>
+              <a:t>アジェンダ</a:t>
+            </a:r>
+          </a:p>
+        </p:txBody>
+      </p:sp>
+      <p:sp>
+        <p:nvSpPr>
+          <p:cNvPr id="3" name="コンテンツ プレースホルダー 2">
+            <a:extLst>
+              <a:ext uri="{FF2B5EF4-FFF2-40B4-BE49-F238E27FC236}">
+                <a16:creationId xmlns:a16="http://schemas.microsoft.com/office/drawing/2014/main" id="{B91C7E83-1AC0-F7DD-CAD2-91F144C8C282}"/>
+              </a:ext>
+            </a:extLst>
+          </p:cNvPr>
+          <p:cNvSpPr>
+            <a:spLocks noGrp="1"/>
+          </p:cNvSpPr>
+          <p:nvPr>
+            <p:ph idx="1"/>
+          </p:nvPr>
+        </p:nvSpPr>
+        <p:spPr/>
+        <p:txBody>
+          <a:bodyPr/>
+          <a:lstStyle/>
+          <a:p>
+            <a:r>
+              <a:rPr kumimoji="1" lang="en-US" altLang="ja-JP" dirty="0"/>
+              <a:t>1</a:t>
+            </a:r>
+            <a:r>
+              <a:rPr kumimoji="1" lang="ja-JP" altLang="en-US" dirty="0"/>
+              <a:t>チーム名</a:t>
+            </a:r>
+            <a:endParaRPr kumimoji="1" lang="en-US" altLang="ja-JP" dirty="0"/>
+          </a:p>
+          <a:p>
+            <a:r>
+              <a:rPr lang="en-US" altLang="ja-JP" dirty="0"/>
+              <a:t>2</a:t>
+            </a:r>
+            <a:r>
+              <a:rPr lang="ja-JP" altLang="en-US" dirty="0"/>
+              <a:t>プログラム紹介</a:t>
+            </a:r>
+            <a:endParaRPr lang="en-US" altLang="ja-JP" dirty="0"/>
+          </a:p>
+          <a:p>
+            <a:r>
+              <a:rPr kumimoji="1" lang="en-US" altLang="ja-JP" dirty="0"/>
+              <a:t>3</a:t>
+            </a:r>
+            <a:r>
+              <a:rPr lang="ja-JP" altLang="en-US" b="0" i="0" u="none" strike="noStrike" dirty="0">
+                <a:solidFill>
+                  <a:srgbClr val="1D1C1D"/>
+                </a:solidFill>
+                <a:effectLst/>
+                <a:highlight>
+                  <a:srgbClr val="FFFFFF"/>
+                </a:highlight>
+                <a:latin typeface="Arial" panose="020B0604020202020204" pitchFamily="34" charset="0"/>
+              </a:rPr>
+              <a:t>プロジェクト進行で苦労した点＆対応策＆結果＆学んだ点</a:t>
+            </a:r>
+            <a:endParaRPr kumimoji="1" lang="en-US" altLang="ja-JP" dirty="0"/>
+          </a:p>
+          <a:p>
+            <a:r>
+              <a:rPr lang="en-US" altLang="ja-JP" dirty="0"/>
+              <a:t>4</a:t>
+            </a:r>
+            <a:r>
+              <a:rPr lang="ja-JP" altLang="en-US" dirty="0"/>
+              <a:t>個人の成果</a:t>
+            </a:r>
+            <a:endParaRPr lang="en-US" altLang="ja-JP" dirty="0"/>
+          </a:p>
+          <a:p>
+            <a:r>
+              <a:rPr lang="en-US" altLang="ja-JP" dirty="0"/>
+              <a:t>5</a:t>
+            </a:r>
+            <a:r>
+              <a:rPr lang="ja-JP" altLang="en-US" dirty="0"/>
+              <a:t>今後の目標</a:t>
+            </a:r>
+            <a:endParaRPr lang="en-US" altLang="ja-JP" dirty="0"/>
+          </a:p>
+          <a:p>
+            <a:endParaRPr lang="en-US" altLang="ja-JP" dirty="0"/>
+          </a:p>
+        </p:txBody>
+      </p:sp>
+    </p:spTree>
+    <p:extLst>
+      <p:ext uri="{BB962C8B-B14F-4D97-AF65-F5344CB8AC3E}">
+        <p14:creationId xmlns:p14="http://schemas.microsoft.com/office/powerpoint/2010/main" val="606201928"/>
+      </p:ext>
+    </p:extLst>
+  </p:cSld>
+  <p:clrMapOvr>
+    <a:masterClrMapping/>
+  </p:clrMapOvr>
+</p:sld>
+</file>
+
+<file path=ppt/slides/slide20.xml><?xml version="1.0" encoding="utf-8"?>
+<p:sld xmlns:a="http://schemas.openxmlformats.org/drawingml/2006/main" xmlns:r="http://schemas.openxmlformats.org/officeDocument/2006/relationships" xmlns:p="http://schemas.openxmlformats.org/presentationml/2006/main">
+  <p:cSld>
+    <p:spTree>
+      <p:nvGrpSpPr>
+        <p:cNvPr id="1" name=""/>
+        <p:cNvGrpSpPr/>
+        <p:nvPr/>
+      </p:nvGrpSpPr>
+      <p:grpSpPr>
+        <a:xfrm>
+          <a:off x="0" y="0"/>
+          <a:ext cx="0" cy="0"/>
+          <a:chOff x="0" y="0"/>
+          <a:chExt cx="0" cy="0"/>
+        </a:xfrm>
+      </p:grpSpPr>
+      <p:sp>
+        <p:nvSpPr>
+          <p:cNvPr id="2" name="タイトル 1">
+            <a:extLst>
+              <a:ext uri="{FF2B5EF4-FFF2-40B4-BE49-F238E27FC236}">
+                <a16:creationId xmlns:a16="http://schemas.microsoft.com/office/drawing/2014/main" id="{1D31BAA0-71CC-5FDD-0C0F-A3CB1D37A550}"/>
+              </a:ext>
+            </a:extLst>
+          </p:cNvPr>
+          <p:cNvSpPr>
+            <a:spLocks noGrp="1"/>
+          </p:cNvSpPr>
+          <p:nvPr>
+            <p:ph type="title"/>
+          </p:nvPr>
+        </p:nvSpPr>
+        <p:spPr/>
+        <p:txBody>
+          <a:bodyPr/>
+          <a:lstStyle/>
+          <a:p>
+            <a:pPr algn="ctr"/>
+            <a:r>
+              <a:rPr kumimoji="1" lang="ja-JP" altLang="en-US" dirty="0"/>
+              <a:t>情報の錬金術師筒井駿太</a:t>
+            </a:r>
+          </a:p>
+        </p:txBody>
+      </p:sp>
+      <p:sp>
+        <p:nvSpPr>
+          <p:cNvPr id="3" name="コンテンツ プレースホルダー 2">
+            <a:extLst>
+              <a:ext uri="{FF2B5EF4-FFF2-40B4-BE49-F238E27FC236}">
+                <a16:creationId xmlns:a16="http://schemas.microsoft.com/office/drawing/2014/main" id="{A9030C0B-40CC-1481-A180-94E04AE1F327}"/>
+              </a:ext>
+            </a:extLst>
+          </p:cNvPr>
+          <p:cNvSpPr>
+            <a:spLocks noGrp="1"/>
+          </p:cNvSpPr>
+          <p:nvPr>
+            <p:ph idx="1"/>
+          </p:nvPr>
+        </p:nvSpPr>
+        <p:spPr/>
+        <p:txBody>
+          <a:bodyPr/>
+          <a:lstStyle/>
+          <a:p>
+            <a:endParaRPr kumimoji="1" lang="ja-JP" altLang="en-US"/>
+          </a:p>
+        </p:txBody>
+      </p:sp>
+    </p:spTree>
+    <p:extLst>
+      <p:ext uri="{BB962C8B-B14F-4D97-AF65-F5344CB8AC3E}">
+        <p14:creationId xmlns:p14="http://schemas.microsoft.com/office/powerpoint/2010/main" val="378569110"/>
+      </p:ext>
+    </p:extLst>
+  </p:cSld>
+  <p:clrMapOvr>
+    <a:masterClrMapping/>
+  </p:clrMapOvr>
+</p:sld>
+</file>
+
+<file path=ppt/slides/slide21.xml><?xml version="1.0" encoding="utf-8"?>
+<p:sld xmlns:a="http://schemas.openxmlformats.org/drawingml/2006/main" xmlns:r="http://schemas.openxmlformats.org/officeDocument/2006/relationships" xmlns:p="http://schemas.openxmlformats.org/presentationml/2006/main">
+  <p:cSld>
+    <p:spTree>
+      <p:nvGrpSpPr>
+        <p:cNvPr id="1" name=""/>
+        <p:cNvGrpSpPr/>
+        <p:nvPr/>
+      </p:nvGrpSpPr>
+      <p:grpSpPr>
+        <a:xfrm>
+          <a:off x="0" y="0"/>
+          <a:ext cx="0" cy="0"/>
+          <a:chOff x="0" y="0"/>
+          <a:chExt cx="0" cy="0"/>
+        </a:xfrm>
+      </p:grpSpPr>
+      <p:sp>
+        <p:nvSpPr>
+          <p:cNvPr id="2" name="タイトル 1">
+            <a:extLst>
+              <a:ext uri="{FF2B5EF4-FFF2-40B4-BE49-F238E27FC236}">
+                <a16:creationId xmlns:a16="http://schemas.microsoft.com/office/drawing/2014/main" id="{99CA8BB2-4B01-ED54-3E66-E43EBB048DE3}"/>
+              </a:ext>
+            </a:extLst>
+          </p:cNvPr>
+          <p:cNvSpPr>
+            <a:spLocks noGrp="1"/>
+          </p:cNvSpPr>
+          <p:nvPr>
+            <p:ph type="title"/>
+          </p:nvPr>
+        </p:nvSpPr>
+        <p:spPr>
+          <a:xfrm>
+            <a:off x="1141771" y="318297"/>
+            <a:ext cx="9908458" cy="1325563"/>
+          </a:xfrm>
+        </p:spPr>
+        <p:txBody>
+          <a:bodyPr/>
+          <a:lstStyle/>
+          <a:p>
+            <a:pPr algn="ctr"/>
+            <a:r>
+              <a:rPr kumimoji="1" lang="ja-JP" altLang="en-US" dirty="0"/>
+              <a:t>フロントエンドのリニアモーターカー藤井結子</a:t>
+            </a:r>
+          </a:p>
+        </p:txBody>
+      </p:sp>
+      <p:sp>
+        <p:nvSpPr>
+          <p:cNvPr id="3" name="コンテンツ プレースホルダー 2">
+            <a:extLst>
+              <a:ext uri="{FF2B5EF4-FFF2-40B4-BE49-F238E27FC236}">
+                <a16:creationId xmlns:a16="http://schemas.microsoft.com/office/drawing/2014/main" id="{0A07112A-0D2D-02AE-12AA-E219F7A63ED4}"/>
+              </a:ext>
+            </a:extLst>
+          </p:cNvPr>
+          <p:cNvSpPr>
+            <a:spLocks noGrp="1"/>
+          </p:cNvSpPr>
+          <p:nvPr>
+            <p:ph idx="1"/>
+          </p:nvPr>
+        </p:nvSpPr>
+        <p:spPr/>
+        <p:txBody>
+          <a:bodyPr/>
+          <a:lstStyle/>
+          <a:p>
+            <a:endParaRPr kumimoji="1" lang="ja-JP" altLang="en-US"/>
+          </a:p>
+        </p:txBody>
+      </p:sp>
+    </p:spTree>
+    <p:extLst>
+      <p:ext uri="{BB962C8B-B14F-4D97-AF65-F5344CB8AC3E}">
+        <p14:creationId xmlns:p14="http://schemas.microsoft.com/office/powerpoint/2010/main" val="2982511376"/>
+      </p:ext>
+    </p:extLst>
+  </p:cSld>
+  <p:clrMapOvr>
+    <a:masterClrMapping/>
+  </p:clrMapOvr>
+</p:sld>
+</file>
+
+<file path=ppt/slides/slide22.xml><?xml version="1.0" encoding="utf-8"?>
+<p:sld xmlns:a="http://schemas.openxmlformats.org/drawingml/2006/main" xmlns:r="http://schemas.openxmlformats.org/officeDocument/2006/relationships" xmlns:p="http://schemas.openxmlformats.org/presentationml/2006/main">
+  <p:cSld>
+    <p:spTree>
+      <p:nvGrpSpPr>
+        <p:cNvPr id="1" name=""/>
+        <p:cNvGrpSpPr/>
+        <p:nvPr/>
+      </p:nvGrpSpPr>
+      <p:grpSpPr>
+        <a:xfrm>
+          <a:off x="0" y="0"/>
+          <a:ext cx="0" cy="0"/>
+          <a:chOff x="0" y="0"/>
+          <a:chExt cx="0" cy="0"/>
+        </a:xfrm>
+      </p:grpSpPr>
+      <p:sp>
+        <p:nvSpPr>
+          <p:cNvPr id="2" name="タイトル 1">
+            <a:extLst>
+              <a:ext uri="{FF2B5EF4-FFF2-40B4-BE49-F238E27FC236}">
+                <a16:creationId xmlns:a16="http://schemas.microsoft.com/office/drawing/2014/main" id="{0F475C17-AA0C-3FE7-EBC4-592F5EB1AA53}"/>
+              </a:ext>
+            </a:extLst>
+          </p:cNvPr>
+          <p:cNvSpPr>
+            <a:spLocks noGrp="1"/>
+          </p:cNvSpPr>
+          <p:nvPr>
+            <p:ph type="title"/>
+          </p:nvPr>
+        </p:nvSpPr>
+        <p:spPr/>
+        <p:txBody>
+          <a:bodyPr>
+            <a:normAutofit/>
+          </a:bodyPr>
+          <a:lstStyle/>
+          <a:p>
+            <a:r>
+              <a:rPr kumimoji="1" lang="ja-JP" altLang="en-US" sz="3200" dirty="0"/>
+              <a:t>モーダルを愛し、モーダルに愛された男、松井隆之介</a:t>
+            </a:r>
+          </a:p>
+        </p:txBody>
+      </p:sp>
+      <p:sp>
+        <p:nvSpPr>
+          <p:cNvPr id="3" name="コンテンツ プレースホルダー 2">
+            <a:extLst>
+              <a:ext uri="{FF2B5EF4-FFF2-40B4-BE49-F238E27FC236}">
+                <a16:creationId xmlns:a16="http://schemas.microsoft.com/office/drawing/2014/main" id="{91B744F9-CFD9-BA79-DA74-DE2057D68457}"/>
+              </a:ext>
+            </a:extLst>
+          </p:cNvPr>
+          <p:cNvSpPr>
+            <a:spLocks noGrp="1"/>
+          </p:cNvSpPr>
+          <p:nvPr>
+            <p:ph idx="1"/>
+          </p:nvPr>
+        </p:nvSpPr>
+        <p:spPr/>
+        <p:txBody>
+          <a:bodyPr/>
+          <a:lstStyle/>
+          <a:p>
+            <a:endParaRPr kumimoji="1" lang="ja-JP" altLang="en-US" dirty="0"/>
+          </a:p>
+        </p:txBody>
+      </p:sp>
+    </p:spTree>
+    <p:extLst>
+      <p:ext uri="{BB962C8B-B14F-4D97-AF65-F5344CB8AC3E}">
+        <p14:creationId xmlns:p14="http://schemas.microsoft.com/office/powerpoint/2010/main" val="174932722"/>
+      </p:ext>
+    </p:extLst>
+  </p:cSld>
+  <p:clrMapOvr>
+    <a:masterClrMapping/>
+  </p:clrMapOvr>
+</p:sld>
+</file>
+
+<file path=ppt/slides/slide23.xml><?xml version="1.0" encoding="utf-8"?>
+<p:sld xmlns:a="http://schemas.openxmlformats.org/drawingml/2006/main" xmlns:r="http://schemas.openxmlformats.org/officeDocument/2006/relationships" xmlns:p="http://schemas.openxmlformats.org/presentationml/2006/main">
+  <p:cSld>
+    <p:spTree>
+      <p:nvGrpSpPr>
+        <p:cNvPr id="1" name=""/>
+        <p:cNvGrpSpPr/>
+        <p:nvPr/>
+      </p:nvGrpSpPr>
+      <p:grpSpPr>
+        <a:xfrm>
+          <a:off x="0" y="0"/>
+          <a:ext cx="0" cy="0"/>
+          <a:chOff x="0" y="0"/>
+          <a:chExt cx="0" cy="0"/>
+        </a:xfrm>
+      </p:grpSpPr>
+      <p:sp>
+        <p:nvSpPr>
+          <p:cNvPr id="2" name="タイトル 1">
+            <a:extLst>
+              <a:ext uri="{FF2B5EF4-FFF2-40B4-BE49-F238E27FC236}">
+                <a16:creationId xmlns:a16="http://schemas.microsoft.com/office/drawing/2014/main" id="{5CF0F1B6-B388-AF0A-DE06-17DBFC98F05D}"/>
+              </a:ext>
+            </a:extLst>
+          </p:cNvPr>
+          <p:cNvSpPr>
+            <a:spLocks noGrp="1"/>
+          </p:cNvSpPr>
+          <p:nvPr>
+            <p:ph type="title"/>
+          </p:nvPr>
+        </p:nvSpPr>
+        <p:spPr/>
+        <p:txBody>
+          <a:bodyPr/>
+          <a:lstStyle/>
+          <a:p>
+            <a:pPr algn="ctr"/>
+            <a:r>
+              <a:rPr kumimoji="1" lang="ja-JP" altLang="en-US" dirty="0"/>
+              <a:t>色彩のマエストロ清宮美穂</a:t>
+            </a:r>
+          </a:p>
+        </p:txBody>
+      </p:sp>
+      <p:sp>
+        <p:nvSpPr>
+          <p:cNvPr id="3" name="コンテンツ プレースホルダー 2">
+            <a:extLst>
+              <a:ext uri="{FF2B5EF4-FFF2-40B4-BE49-F238E27FC236}">
+                <a16:creationId xmlns:a16="http://schemas.microsoft.com/office/drawing/2014/main" id="{FC1530F6-E97F-A0DF-EA5F-185B3643D6F7}"/>
+              </a:ext>
+            </a:extLst>
+          </p:cNvPr>
+          <p:cNvSpPr>
+            <a:spLocks noGrp="1"/>
+          </p:cNvSpPr>
+          <p:nvPr>
+            <p:ph idx="1"/>
+          </p:nvPr>
+        </p:nvSpPr>
+        <p:spPr/>
+        <p:txBody>
+          <a:bodyPr/>
+          <a:lstStyle/>
+          <a:p>
+            <a:endParaRPr kumimoji="1" lang="ja-JP" altLang="en-US"/>
+          </a:p>
+        </p:txBody>
+      </p:sp>
+    </p:spTree>
+    <p:extLst>
+      <p:ext uri="{BB962C8B-B14F-4D97-AF65-F5344CB8AC3E}">
+        <p14:creationId xmlns:p14="http://schemas.microsoft.com/office/powerpoint/2010/main" val="3405141386"/>
+      </p:ext>
+    </p:extLst>
+  </p:cSld>
+  <p:clrMapOvr>
+    <a:masterClrMapping/>
+  </p:clrMapOvr>
+</p:sld>
+</file>
+
+<file path=ppt/slides/slide24.xml><?xml version="1.0" encoding="utf-8"?>
+<p:sld xmlns:a="http://schemas.openxmlformats.org/drawingml/2006/main" xmlns:r="http://schemas.openxmlformats.org/officeDocument/2006/relationships" xmlns:p="http://schemas.openxmlformats.org/presentationml/2006/main">
+  <p:cSld>
+    <p:spTree>
+      <p:nvGrpSpPr>
+        <p:cNvPr id="1" name=""/>
+        <p:cNvGrpSpPr/>
+        <p:nvPr/>
+      </p:nvGrpSpPr>
+      <p:grpSpPr>
+        <a:xfrm>
+          <a:off x="0" y="0"/>
+          <a:ext cx="0" cy="0"/>
+          <a:chOff x="0" y="0"/>
+          <a:chExt cx="0" cy="0"/>
+        </a:xfrm>
+      </p:grpSpPr>
+      <p:sp>
+        <p:nvSpPr>
+          <p:cNvPr id="2" name="タイトル 1">
+            <a:extLst>
+              <a:ext uri="{FF2B5EF4-FFF2-40B4-BE49-F238E27FC236}">
+                <a16:creationId xmlns:a16="http://schemas.microsoft.com/office/drawing/2014/main" id="{F969997C-0363-413F-B704-C51B1D557434}"/>
+              </a:ext>
+            </a:extLst>
+          </p:cNvPr>
+          <p:cNvSpPr>
+            <a:spLocks noGrp="1"/>
+          </p:cNvSpPr>
+          <p:nvPr>
+            <p:ph type="title"/>
+          </p:nvPr>
+        </p:nvSpPr>
+        <p:spPr/>
+        <p:txBody>
+          <a:bodyPr/>
+          <a:lstStyle/>
+          <a:p>
+            <a:pPr algn="ctr"/>
+            <a:r>
+              <a:rPr kumimoji="1" lang="ja-JP" altLang="en-US" dirty="0"/>
+              <a:t>エクストラワーク芸人亀田翼　　</a:t>
+            </a:r>
+          </a:p>
+        </p:txBody>
+      </p:sp>
+      <p:sp>
+        <p:nvSpPr>
+          <p:cNvPr id="3" name="コンテンツ プレースホルダー 2">
+            <a:extLst>
+              <a:ext uri="{FF2B5EF4-FFF2-40B4-BE49-F238E27FC236}">
+                <a16:creationId xmlns:a16="http://schemas.microsoft.com/office/drawing/2014/main" id="{7AE25FFB-0B32-7433-BAD9-ADCF1D064A74}"/>
+              </a:ext>
+            </a:extLst>
+          </p:cNvPr>
+          <p:cNvSpPr>
+            <a:spLocks noGrp="1"/>
+          </p:cNvSpPr>
+          <p:nvPr>
+            <p:ph idx="1"/>
+          </p:nvPr>
+        </p:nvSpPr>
+        <p:spPr/>
+        <p:txBody>
+          <a:bodyPr/>
+          <a:lstStyle/>
+          <a:p>
+            <a:endParaRPr kumimoji="1" lang="ja-JP" altLang="en-US"/>
+          </a:p>
+        </p:txBody>
+      </p:sp>
+    </p:spTree>
+    <p:extLst>
+      <p:ext uri="{BB962C8B-B14F-4D97-AF65-F5344CB8AC3E}">
+        <p14:creationId xmlns:p14="http://schemas.microsoft.com/office/powerpoint/2010/main" val="2938256349"/>
+      </p:ext>
+    </p:extLst>
+  </p:cSld>
+  <p:clrMapOvr>
+    <a:masterClrMapping/>
+  </p:clrMapOvr>
+</p:sld>
+</file>
+
+<file path=ppt/slides/slide25.xml><?xml version="1.0" encoding="utf-8"?>
+<p:sld xmlns:a="http://schemas.openxmlformats.org/drawingml/2006/main" xmlns:r="http://schemas.openxmlformats.org/officeDocument/2006/relationships" xmlns:p="http://schemas.openxmlformats.org/presentationml/2006/main">
+  <p:cSld>
+    <p:spTree>
+      <p:nvGrpSpPr>
+        <p:cNvPr id="1" name=""/>
+        <p:cNvGrpSpPr/>
+        <p:nvPr/>
+      </p:nvGrpSpPr>
+      <p:grpSpPr>
+        <a:xfrm>
+          <a:off x="0" y="0"/>
+          <a:ext cx="0" cy="0"/>
+          <a:chOff x="0" y="0"/>
+          <a:chExt cx="0" cy="0"/>
+        </a:xfrm>
+      </p:grpSpPr>
+      <p:sp>
+        <p:nvSpPr>
+          <p:cNvPr id="2" name="タイトル 1">
+            <a:extLst>
+              <a:ext uri="{FF2B5EF4-FFF2-40B4-BE49-F238E27FC236}">
+                <a16:creationId xmlns:a16="http://schemas.microsoft.com/office/drawing/2014/main" id="{87FB02BD-59D1-6505-6627-CFF5E3F86FBB}"/>
+              </a:ext>
+            </a:extLst>
+          </p:cNvPr>
+          <p:cNvSpPr>
+            <a:spLocks noGrp="1"/>
+          </p:cNvSpPr>
+          <p:nvPr>
+            <p:ph type="title"/>
+          </p:nvPr>
+        </p:nvSpPr>
+        <p:spPr/>
+        <p:txBody>
+          <a:bodyPr/>
+          <a:lstStyle/>
+          <a:p>
+            <a:pPr algn="ctr"/>
+            <a:r>
+              <a:rPr kumimoji="1" lang="ja-JP" altLang="en-US" dirty="0"/>
+              <a:t>歩く</a:t>
+            </a:r>
+            <a:r>
+              <a:rPr kumimoji="1" lang="en-US" altLang="ja-JP" dirty="0"/>
+              <a:t>ChatGPT</a:t>
+            </a:r>
+            <a:r>
+              <a:rPr kumimoji="1" lang="ja-JP" altLang="en-US" dirty="0"/>
+              <a:t>丸山真穂</a:t>
+            </a:r>
+          </a:p>
+        </p:txBody>
+      </p:sp>
+      <p:sp>
+        <p:nvSpPr>
+          <p:cNvPr id="3" name="コンテンツ プレースホルダー 2">
+            <a:extLst>
+              <a:ext uri="{FF2B5EF4-FFF2-40B4-BE49-F238E27FC236}">
+                <a16:creationId xmlns:a16="http://schemas.microsoft.com/office/drawing/2014/main" id="{AD8C6D8F-B39F-B2A8-40F9-B2C8E1810596}"/>
+              </a:ext>
+            </a:extLst>
+          </p:cNvPr>
+          <p:cNvSpPr>
+            <a:spLocks noGrp="1"/>
+          </p:cNvSpPr>
+          <p:nvPr>
+            <p:ph idx="1"/>
+          </p:nvPr>
+        </p:nvSpPr>
+        <p:spPr/>
+        <p:txBody>
+          <a:bodyPr/>
+          <a:lstStyle/>
+          <a:p>
+            <a:endParaRPr kumimoji="1" lang="ja-JP" altLang="en-US"/>
+          </a:p>
+        </p:txBody>
+      </p:sp>
+    </p:spTree>
+    <p:extLst>
+      <p:ext uri="{BB962C8B-B14F-4D97-AF65-F5344CB8AC3E}">
+        <p14:creationId xmlns:p14="http://schemas.microsoft.com/office/powerpoint/2010/main" val="1432641818"/>
+      </p:ext>
+    </p:extLst>
+  </p:cSld>
+  <p:clrMapOvr>
+    <a:masterClrMapping/>
+  </p:clrMapOvr>
+</p:sld>
+</file>
+
+<file path=ppt/slides/slide26.xml><?xml version="1.0" encoding="utf-8"?>
+<p:sld xmlns:a="http://schemas.openxmlformats.org/drawingml/2006/main" xmlns:r="http://schemas.openxmlformats.org/officeDocument/2006/relationships" xmlns:p="http://schemas.openxmlformats.org/presentationml/2006/main">
+  <p:cSld>
+    <p:spTree>
+      <p:nvGrpSpPr>
+        <p:cNvPr id="1" name=""/>
+        <p:cNvGrpSpPr/>
+        <p:nvPr/>
+      </p:nvGrpSpPr>
+      <p:grpSpPr>
+        <a:xfrm>
+          <a:off x="0" y="0"/>
+          <a:ext cx="0" cy="0"/>
+          <a:chOff x="0" y="0"/>
+          <a:chExt cx="0" cy="0"/>
+        </a:xfrm>
+      </p:grpSpPr>
+      <p:sp>
+        <p:nvSpPr>
+          <p:cNvPr id="2" name="タイトル 1">
+            <a:extLst>
+              <a:ext uri="{FF2B5EF4-FFF2-40B4-BE49-F238E27FC236}">
+                <a16:creationId xmlns:a16="http://schemas.microsoft.com/office/drawing/2014/main" id="{18B06733-1A59-3103-FBFE-C91960BD42B9}"/>
+              </a:ext>
+            </a:extLst>
+          </p:cNvPr>
+          <p:cNvSpPr>
+            <a:spLocks noGrp="1"/>
+          </p:cNvSpPr>
+          <p:nvPr>
+            <p:ph type="title"/>
+          </p:nvPr>
+        </p:nvSpPr>
+        <p:spPr/>
+        <p:txBody>
+          <a:bodyPr/>
+          <a:lstStyle/>
+          <a:p>
+            <a:pPr algn="ctr"/>
+            <a:r>
+              <a:rPr kumimoji="1" lang="ja-JP" altLang="en-US" dirty="0"/>
+              <a:t>一年後は</a:t>
+            </a:r>
+            <a:r>
+              <a:rPr kumimoji="1" lang="en-US" altLang="ja-JP" dirty="0"/>
+              <a:t>10000</a:t>
+            </a:r>
+            <a:r>
+              <a:rPr kumimoji="1" lang="ja-JP" altLang="en-US" dirty="0"/>
+              <a:t>ユーザ登録を目標</a:t>
+            </a:r>
+          </a:p>
+        </p:txBody>
+      </p:sp>
+      <p:sp>
+        <p:nvSpPr>
+          <p:cNvPr id="3" name="コンテンツ プレースホルダー 2">
+            <a:extLst>
+              <a:ext uri="{FF2B5EF4-FFF2-40B4-BE49-F238E27FC236}">
+                <a16:creationId xmlns:a16="http://schemas.microsoft.com/office/drawing/2014/main" id="{93FE5395-4C58-4B8B-30AD-BA5EA092105B}"/>
+              </a:ext>
+            </a:extLst>
+          </p:cNvPr>
+          <p:cNvSpPr>
+            <a:spLocks noGrp="1"/>
+          </p:cNvSpPr>
+          <p:nvPr>
+            <p:ph idx="1"/>
+          </p:nvPr>
+        </p:nvSpPr>
+        <p:spPr/>
+        <p:txBody>
+          <a:bodyPr/>
+          <a:lstStyle/>
+          <a:p>
+            <a:r>
+              <a:rPr lang="ja-JP" altLang="en-US" dirty="0"/>
+              <a:t>私達は研修が終わってもこのアプリを日常生活で使う。そのぐらい私達はこのアプリを愛している。だからこのプレゼンを見ているみんなにも使ってほしいという事を伝えたい。</a:t>
+            </a:r>
+            <a:endParaRPr kumimoji="1" lang="ja-JP" altLang="en-US" dirty="0"/>
+          </a:p>
+        </p:txBody>
+      </p:sp>
+    </p:spTree>
+    <p:extLst>
+      <p:ext uri="{BB962C8B-B14F-4D97-AF65-F5344CB8AC3E}">
+        <p14:creationId xmlns:p14="http://schemas.microsoft.com/office/powerpoint/2010/main" val="58010978"/>
+      </p:ext>
+    </p:extLst>
+  </p:cSld>
+  <p:clrMapOvr>
+    <a:masterClrMapping/>
+  </p:clrMapOvr>
+</p:sld>
+</file>
+
+<file path=ppt/slides/slide27.xml><?xml version="1.0" encoding="utf-8"?>
+<p:sld xmlns:a="http://schemas.openxmlformats.org/drawingml/2006/main" xmlns:r="http://schemas.openxmlformats.org/officeDocument/2006/relationships" xmlns:p="http://schemas.openxmlformats.org/presentationml/2006/main">
+  <p:cSld>
+    <p:spTree>
+      <p:nvGrpSpPr>
+        <p:cNvPr id="1" name=""/>
+        <p:cNvGrpSpPr/>
+        <p:nvPr/>
+      </p:nvGrpSpPr>
+      <p:grpSpPr>
+        <a:xfrm>
+          <a:off x="0" y="0"/>
+          <a:ext cx="0" cy="0"/>
+          <a:chOff x="0" y="0"/>
+          <a:chExt cx="0" cy="0"/>
+        </a:xfrm>
+      </p:grpSpPr>
+      <p:sp>
+        <p:nvSpPr>
+          <p:cNvPr id="2" name="タイトル 1">
+            <a:extLst>
+              <a:ext uri="{FF2B5EF4-FFF2-40B4-BE49-F238E27FC236}">
+                <a16:creationId xmlns:a16="http://schemas.microsoft.com/office/drawing/2014/main" id="{E55BA3CD-7F55-0043-E90C-4DC078A90044}"/>
+              </a:ext>
+            </a:extLst>
+          </p:cNvPr>
+          <p:cNvSpPr>
+            <a:spLocks noGrp="1"/>
+          </p:cNvSpPr>
+          <p:nvPr>
+            <p:ph type="title"/>
+          </p:nvPr>
+        </p:nvSpPr>
+        <p:spPr/>
+        <p:txBody>
+          <a:bodyPr/>
+          <a:lstStyle/>
+          <a:p>
+            <a:pPr algn="ctr"/>
+            <a:r>
+              <a:rPr lang="ja-JP" altLang="en-US" dirty="0"/>
+              <a:t>謝辞</a:t>
+            </a:r>
+            <a:endParaRPr kumimoji="1" lang="ja-JP" altLang="en-US" dirty="0"/>
+          </a:p>
+        </p:txBody>
+      </p:sp>
+      <p:sp>
+        <p:nvSpPr>
+          <p:cNvPr id="3" name="コンテンツ プレースホルダー 2">
+            <a:extLst>
+              <a:ext uri="{FF2B5EF4-FFF2-40B4-BE49-F238E27FC236}">
+                <a16:creationId xmlns:a16="http://schemas.microsoft.com/office/drawing/2014/main" id="{C22891D0-CC6C-AA96-EDBC-2EA8586C0BF6}"/>
+              </a:ext>
+            </a:extLst>
+          </p:cNvPr>
+          <p:cNvSpPr>
+            <a:spLocks noGrp="1"/>
+          </p:cNvSpPr>
+          <p:nvPr>
+            <p:ph idx="1"/>
+          </p:nvPr>
+        </p:nvSpPr>
+        <p:spPr/>
+        <p:txBody>
+          <a:bodyPr/>
+          <a:lstStyle/>
+          <a:p>
+            <a:endParaRPr kumimoji="1" lang="ja-JP" altLang="en-US" dirty="0"/>
+          </a:p>
+        </p:txBody>
+      </p:sp>
+    </p:spTree>
+    <p:extLst>
+      <p:ext uri="{BB962C8B-B14F-4D97-AF65-F5344CB8AC3E}">
+        <p14:creationId xmlns:p14="http://schemas.microsoft.com/office/powerpoint/2010/main" val="2869420713"/>
+      </p:ext>
+    </p:extLst>
+  </p:cSld>
+  <p:clrMapOvr>
+    <a:masterClrMapping/>
+  </p:clrMapOvr>
+</p:sld>
+</file>
+
+<file path=ppt/slides/slide3.xml><?xml version="1.0" encoding="utf-8"?>
+<p:sld xmlns:a="http://schemas.openxmlformats.org/drawingml/2006/main" xmlns:r="http://schemas.openxmlformats.org/officeDocument/2006/relationships" xmlns:p="http://schemas.openxmlformats.org/presentationml/2006/main">
+  <p:cSld>
+    <p:spTree>
+      <p:nvGrpSpPr>
+        <p:cNvPr id="1" name=""/>
+        <p:cNvGrpSpPr/>
+        <p:nvPr/>
+      </p:nvGrpSpPr>
+      <p:grpSpPr>
+        <a:xfrm>
+          <a:off x="0" y="0"/>
+          <a:ext cx="0" cy="0"/>
+          <a:chOff x="0" y="0"/>
+          <a:chExt cx="0" cy="0"/>
+        </a:xfrm>
+      </p:grpSpPr>
+      <p:sp>
+        <p:nvSpPr>
+          <p:cNvPr id="2" name="正方形/長方形 1">
+            <a:extLst>
+              <a:ext uri="{FF2B5EF4-FFF2-40B4-BE49-F238E27FC236}">
+                <a16:creationId xmlns:a16="http://schemas.microsoft.com/office/drawing/2014/main" id="{D23F262B-F8FA-2054-7778-4674D1F920E4}"/>
+              </a:ext>
+            </a:extLst>
+          </p:cNvPr>
+          <p:cNvSpPr/>
+          <p:nvPr/>
+        </p:nvSpPr>
+        <p:spPr>
+          <a:xfrm>
+            <a:off x="2517135" y="2967335"/>
+            <a:ext cx="7157730" cy="923330"/>
+          </a:xfrm>
+          <a:prstGeom prst="rect">
+            <a:avLst/>
+          </a:prstGeom>
+          <a:noFill/>
+        </p:spPr>
+        <p:txBody>
+          <a:bodyPr wrap="none" lIns="91440" tIns="45720" rIns="91440" bIns="45720">
+            <a:spAutoFit/>
+          </a:bodyPr>
+          <a:lstStyle/>
+          <a:p>
+            <a:pPr algn="ctr"/>
+            <a:r>
+              <a:rPr lang="en-US" altLang="ja-JP" sz="5400" b="0" cap="none" spc="0" dirty="0">
+                <a:ln w="0"/>
+                <a:solidFill>
+                  <a:schemeClr val="tx1"/>
+                </a:solidFill>
+                <a:effectLst>
+                  <a:outerShdw blurRad="38100" dist="19050" dir="2700000" algn="tl" rotWithShape="0">
+                    <a:schemeClr val="dk1">
+                      <a:alpha val="40000"/>
+                    </a:schemeClr>
+                  </a:outerShdw>
+                </a:effectLst>
+              </a:rPr>
+              <a:t>We Are the Champion</a:t>
+            </a:r>
+            <a:endParaRPr lang="ja-JP" altLang="en-US" sz="5400" b="0" cap="none" spc="0" dirty="0">
+              <a:ln w="0"/>
+              <a:solidFill>
+                <a:schemeClr val="tx1"/>
+              </a:solidFill>
+              <a:effectLst>
+                <a:outerShdw blurRad="38100" dist="19050" dir="2700000" algn="tl" rotWithShape="0">
+                  <a:schemeClr val="dk1">
+                    <a:alpha val="40000"/>
+                  </a:schemeClr>
+                </a:outerShdw>
+              </a:effectLst>
+            </a:endParaRPr>
+          </a:p>
+        </p:txBody>
+      </p:sp>
+    </p:spTree>
+    <p:extLst>
+      <p:ext uri="{BB962C8B-B14F-4D97-AF65-F5344CB8AC3E}">
+        <p14:creationId xmlns:p14="http://schemas.microsoft.com/office/powerpoint/2010/main" val="1600258857"/>
+      </p:ext>
+    </p:extLst>
+  </p:cSld>
+  <p:clrMapOvr>
+    <a:masterClrMapping/>
+  </p:clrMapOvr>
+</p:sld>
+</file>
+
+<file path=ppt/slides/slide4.xml><?xml version="1.0" encoding="utf-8"?>
+<p:sld xmlns:a="http://schemas.openxmlformats.org/drawingml/2006/main" xmlns:r="http://schemas.openxmlformats.org/officeDocument/2006/relationships" xmlns:p="http://schemas.openxmlformats.org/presentationml/2006/main">
+  <p:cSld>
+    <p:spTree>
+      <p:nvGrpSpPr>
+        <p:cNvPr id="1" name=""/>
+        <p:cNvGrpSpPr/>
+        <p:nvPr/>
+      </p:nvGrpSpPr>
+      <p:grpSpPr>
+        <a:xfrm>
+          <a:off x="0" y="0"/>
+          <a:ext cx="0" cy="0"/>
+          <a:chOff x="0" y="0"/>
+          <a:chExt cx="0" cy="0"/>
+        </a:xfrm>
+      </p:grpSpPr>
+      <p:sp>
+        <p:nvSpPr>
+          <p:cNvPr id="2" name="タイトル 1">
+            <a:extLst>
+              <a:ext uri="{FF2B5EF4-FFF2-40B4-BE49-F238E27FC236}">
+                <a16:creationId xmlns:a16="http://schemas.microsoft.com/office/drawing/2014/main" id="{C492DAFF-C155-F9BB-50BE-1DA24E96CF1B}"/>
+              </a:ext>
+            </a:extLst>
+          </p:cNvPr>
+          <p:cNvSpPr>
+            <a:spLocks noGrp="1"/>
+          </p:cNvSpPr>
+          <p:nvPr>
+            <p:ph type="title"/>
+          </p:nvPr>
+        </p:nvSpPr>
+        <p:spPr/>
+        <p:txBody>
+          <a:bodyPr/>
+          <a:lstStyle/>
+          <a:p>
+            <a:pPr algn="ctr"/>
+            <a:r>
+              <a:rPr kumimoji="1" lang="ja-JP" altLang="en-US" dirty="0"/>
+              <a:t>登録、レビュー機能</a:t>
+            </a:r>
+          </a:p>
+        </p:txBody>
+      </p:sp>
+      <p:sp>
+        <p:nvSpPr>
+          <p:cNvPr id="3" name="コンテンツ プレースホルダー 2">
+            <a:extLst>
+              <a:ext uri="{FF2B5EF4-FFF2-40B4-BE49-F238E27FC236}">
+                <a16:creationId xmlns:a16="http://schemas.microsoft.com/office/drawing/2014/main" id="{62F540CA-CD45-0F05-8979-2F07EE18F990}"/>
+              </a:ext>
+            </a:extLst>
+          </p:cNvPr>
+          <p:cNvSpPr>
+            <a:spLocks noGrp="1"/>
+          </p:cNvSpPr>
+          <p:nvPr>
+            <p:ph idx="1"/>
+          </p:nvPr>
+        </p:nvSpPr>
+        <p:spPr/>
+        <p:txBody>
+          <a:bodyPr/>
+          <a:lstStyle/>
+          <a:p>
+            <a:pPr marL="0" indent="0">
+              <a:buNone/>
+            </a:pPr>
+            <a:r>
+              <a:rPr kumimoji="1" lang="ja-JP" altLang="en-US" dirty="0"/>
+              <a:t>ページの画像？</a:t>
+            </a:r>
+          </a:p>
+        </p:txBody>
+      </p:sp>
+    </p:spTree>
+    <p:extLst>
+      <p:ext uri="{BB962C8B-B14F-4D97-AF65-F5344CB8AC3E}">
+        <p14:creationId xmlns:p14="http://schemas.microsoft.com/office/powerpoint/2010/main" val="1787241114"/>
+      </p:ext>
+    </p:extLst>
+  </p:cSld>
+  <p:clrMapOvr>
+    <a:masterClrMapping/>
+  </p:clrMapOvr>
+</p:sld>
+</file>
+
+<file path=ppt/slides/slide5.xml><?xml version="1.0" encoding="utf-8"?>
+<p:sld xmlns:a="http://schemas.openxmlformats.org/drawingml/2006/main" xmlns:r="http://schemas.openxmlformats.org/officeDocument/2006/relationships" xmlns:p="http://schemas.openxmlformats.org/presentationml/2006/main">
+  <p:cSld>
+    <p:spTree>
+      <p:nvGrpSpPr>
+        <p:cNvPr id="1" name=""/>
+        <p:cNvGrpSpPr/>
+        <p:nvPr/>
+      </p:nvGrpSpPr>
+      <p:grpSpPr>
+        <a:xfrm>
+          <a:off x="0" y="0"/>
+          <a:ext cx="0" cy="0"/>
+          <a:chOff x="0" y="0"/>
+          <a:chExt cx="0" cy="0"/>
+        </a:xfrm>
+      </p:grpSpPr>
+      <p:pic>
+        <p:nvPicPr>
+          <p:cNvPr id="2" name="図 1">
+            <a:extLst>
+              <a:ext uri="{FF2B5EF4-FFF2-40B4-BE49-F238E27FC236}">
+                <a16:creationId xmlns:a16="http://schemas.microsoft.com/office/drawing/2014/main" id="{075AFF4A-7578-1997-6707-51AC2EBA1B0F}"/>
+              </a:ext>
+            </a:extLst>
+          </p:cNvPr>
+          <p:cNvPicPr>
+            <a:picLocks noChangeAspect="1"/>
+          </p:cNvPicPr>
+          <p:nvPr/>
+        </p:nvPicPr>
+        <p:blipFill>
+          <a:blip r:embed="rId3"/>
+          <a:stretch>
+            <a:fillRect/>
+          </a:stretch>
+        </p:blipFill>
+        <p:spPr>
+          <a:xfrm>
+            <a:off x="461247" y="371252"/>
+            <a:ext cx="11269506" cy="6115496"/>
+          </a:xfrm>
+          <a:prstGeom prst="rect">
+            <a:avLst/>
+          </a:prstGeom>
+        </p:spPr>
+      </p:pic>
+    </p:spTree>
+    <p:extLst>
+      <p:ext uri="{BB962C8B-B14F-4D97-AF65-F5344CB8AC3E}">
+        <p14:creationId xmlns:p14="http://schemas.microsoft.com/office/powerpoint/2010/main" val="325103364"/>
+      </p:ext>
+    </p:extLst>
+  </p:cSld>
+  <p:clrMapOvr>
+    <a:masterClrMapping/>
+  </p:clrMapOvr>
+</p:sld>
+</file>
+
+<file path=ppt/slides/slide6.xml><?xml version="1.0" encoding="utf-8"?>
+<p:sld xmlns:a="http://schemas.openxmlformats.org/drawingml/2006/main" xmlns:r="http://schemas.openxmlformats.org/officeDocument/2006/relationships" xmlns:p="http://schemas.openxmlformats.org/presentationml/2006/main">
+  <p:cSld>
+    <p:spTree>
+      <p:nvGrpSpPr>
+        <p:cNvPr id="1" name=""/>
+        <p:cNvGrpSpPr/>
+        <p:nvPr/>
+      </p:nvGrpSpPr>
+      <p:grpSpPr>
+        <a:xfrm>
+          <a:off x="0" y="0"/>
+          <a:ext cx="0" cy="0"/>
+          <a:chOff x="0" y="0"/>
+          <a:chExt cx="0" cy="0"/>
+        </a:xfrm>
+      </p:grpSpPr>
+      <p:pic>
+        <p:nvPicPr>
+          <p:cNvPr id="2" name="図 1">
+            <a:extLst>
+              <a:ext uri="{FF2B5EF4-FFF2-40B4-BE49-F238E27FC236}">
+                <a16:creationId xmlns:a16="http://schemas.microsoft.com/office/drawing/2014/main" id="{C80D3AB6-A7BD-4447-88C9-324C8C7DFD55}"/>
+              </a:ext>
+            </a:extLst>
+          </p:cNvPr>
+          <p:cNvPicPr>
+            <a:picLocks noChangeAspect="1"/>
+          </p:cNvPicPr>
+          <p:nvPr/>
+        </p:nvPicPr>
+        <p:blipFill>
+          <a:blip r:embed="rId3" cstate="print">
+            <a:extLst>
+              <a:ext uri="{28A0092B-C50C-407E-A947-70E740481C1C}">
+                <a14:useLocalDpi xmlns:a14="http://schemas.microsoft.com/office/drawing/2010/main" val="0"/>
+              </a:ext>
+            </a:extLst>
+          </a:blip>
+          <a:stretch>
+            <a:fillRect/>
+          </a:stretch>
+        </p:blipFill>
+        <p:spPr>
+          <a:xfrm>
+            <a:off x="875831" y="533400"/>
+            <a:ext cx="10440337" cy="5791200"/>
+          </a:xfrm>
+          <a:prstGeom prst="rect">
+            <a:avLst/>
+          </a:prstGeom>
+        </p:spPr>
+      </p:pic>
+    </p:spTree>
+    <p:extLst>
+      <p:ext uri="{BB962C8B-B14F-4D97-AF65-F5344CB8AC3E}">
+        <p14:creationId xmlns:p14="http://schemas.microsoft.com/office/powerpoint/2010/main" val="3430149876"/>
+      </p:ext>
+    </p:extLst>
+  </p:cSld>
+  <p:clrMapOvr>
+    <a:masterClrMapping/>
+  </p:clrMapOvr>
+</p:sld>
+</file>
+
+<file path=ppt/slides/slide7.xml><?xml version="1.0" encoding="utf-8"?>
+<p:sld xmlns:a="http://schemas.openxmlformats.org/drawingml/2006/main" xmlns:r="http://schemas.openxmlformats.org/officeDocument/2006/relationships" xmlns:p="http://schemas.openxmlformats.org/presentationml/2006/main">
+  <p:cSld>
+    <p:spTree>
+      <p:nvGrpSpPr>
+        <p:cNvPr id="1" name=""/>
+        <p:cNvGrpSpPr/>
+        <p:nvPr/>
+      </p:nvGrpSpPr>
+      <p:grpSpPr>
+        <a:xfrm>
+          <a:off x="0" y="0"/>
+          <a:ext cx="0" cy="0"/>
+          <a:chOff x="0" y="0"/>
+          <a:chExt cx="0" cy="0"/>
+        </a:xfrm>
+      </p:grpSpPr>
+      <p:pic>
+        <p:nvPicPr>
+          <p:cNvPr id="1025" name="Picture 1">
+            <a:extLst>
+              <a:ext uri="{FF2B5EF4-FFF2-40B4-BE49-F238E27FC236}">
+                <a16:creationId xmlns:a16="http://schemas.microsoft.com/office/drawing/2014/main" id="{99A4C13A-DF17-71EE-F87D-C9471D80FA6E}"/>
+              </a:ext>
+            </a:extLst>
+          </p:cNvPr>
+          <p:cNvPicPr>
+            <a:picLocks noChangeAspect="1" noChangeArrowheads="1"/>
+          </p:cNvPicPr>
+          <p:nvPr/>
+        </p:nvPicPr>
+        <p:blipFill>
+          <a:blip r:embed="rId3">
+            <a:extLst>
+              <a:ext uri="{28A0092B-C50C-407E-A947-70E740481C1C}">
+                <a14:useLocalDpi xmlns:a14="http://schemas.microsoft.com/office/drawing/2010/main" val="0"/>
+              </a:ext>
+            </a:extLst>
+          </a:blip>
+          <a:srcRect/>
+          <a:stretch>
+            <a:fillRect/>
+          </a:stretch>
+        </p:blipFill>
+        <p:spPr bwMode="auto">
+          <a:xfrm>
+            <a:off x="557672" y="191729"/>
+            <a:ext cx="11467179" cy="6295063"/>
+          </a:xfrm>
+          <a:prstGeom prst="rect">
+            <a:avLst/>
+          </a:prstGeom>
+          <a:noFill/>
+          <a:extLst>
+            <a:ext uri="{909E8E84-426E-40DD-AFC4-6F175D3DCCD1}">
+              <a14:hiddenFill xmlns:a14="http://schemas.microsoft.com/office/drawing/2010/main">
+                <a:solidFill>
+                  <a:srgbClr val="FFFFFF"/>
+                </a:solidFill>
+              </a14:hiddenFill>
+            </a:ext>
+          </a:extLst>
+        </p:spPr>
+      </p:pic>
+    </p:spTree>
+    <p:extLst>
+      <p:ext uri="{BB962C8B-B14F-4D97-AF65-F5344CB8AC3E}">
+        <p14:creationId xmlns:p14="http://schemas.microsoft.com/office/powerpoint/2010/main" val="1703153303"/>
+      </p:ext>
+    </p:extLst>
+  </p:cSld>
+  <p:clrMapOvr>
+    <a:masterClrMapping/>
+  </p:clrMapOvr>
+</p:sld>
+</file>
+
+<file path=ppt/slides/slide8.xml><?xml version="1.0" encoding="utf-8"?>
+<p:sld xmlns:a="http://schemas.openxmlformats.org/drawingml/2006/main" xmlns:r="http://schemas.openxmlformats.org/officeDocument/2006/relationships" xmlns:p="http://schemas.openxmlformats.org/presentationml/2006/main">
+  <p:cSld>
+    <p:spTree>
+      <p:nvGrpSpPr>
+        <p:cNvPr id="1" name=""/>
+        <p:cNvGrpSpPr/>
+        <p:nvPr/>
+      </p:nvGrpSpPr>
+      <p:grpSpPr>
+        <a:xfrm>
+          <a:off x="0" y="0"/>
+          <a:ext cx="0" cy="0"/>
+          <a:chOff x="0" y="0"/>
+          <a:chExt cx="0" cy="0"/>
+        </a:xfrm>
+      </p:grpSpPr>
+      <p:pic>
+        <p:nvPicPr>
+          <p:cNvPr id="2" name="図 1">
+            <a:extLst>
+              <a:ext uri="{FF2B5EF4-FFF2-40B4-BE49-F238E27FC236}">
+                <a16:creationId xmlns:a16="http://schemas.microsoft.com/office/drawing/2014/main" id="{2E6CA1D8-FF89-4E65-B8E7-9A793EF16B61}"/>
+              </a:ext>
+            </a:extLst>
+          </p:cNvPr>
+          <p:cNvPicPr>
+            <a:picLocks noChangeAspect="1"/>
+          </p:cNvPicPr>
+          <p:nvPr/>
+        </p:nvPicPr>
+        <p:blipFill>
+          <a:blip r:embed="rId3" cstate="print">
+            <a:extLst>
+              <a:ext uri="{28A0092B-C50C-407E-A947-70E740481C1C}">
+                <a14:useLocalDpi xmlns:a14="http://schemas.microsoft.com/office/drawing/2010/main" val="0"/>
+              </a:ext>
+            </a:extLst>
+          </a:blip>
+          <a:stretch>
+            <a:fillRect/>
+          </a:stretch>
+        </p:blipFill>
+        <p:spPr>
+          <a:xfrm>
+            <a:off x="837297" y="609698"/>
+            <a:ext cx="10517406" cy="5638604"/>
+          </a:xfrm>
+          <a:prstGeom prst="rect">
+            <a:avLst/>
+          </a:prstGeom>
+        </p:spPr>
+      </p:pic>
+    </p:spTree>
+    <p:extLst>
+      <p:ext uri="{BB962C8B-B14F-4D97-AF65-F5344CB8AC3E}">
+        <p14:creationId xmlns:p14="http://schemas.microsoft.com/office/powerpoint/2010/main" val="4051111152"/>
+      </p:ext>
+    </p:extLst>
+  </p:cSld>
+  <p:clrMapOvr>
+    <a:masterClrMapping/>
+  </p:clrMapOvr>
+</p:sld>
+</file>
+
+<file path=ppt/slides/slide9.xml><?xml version="1.0" encoding="utf-8"?>
+<p:sld xmlns:a="http://schemas.openxmlformats.org/drawingml/2006/main" xmlns:r="http://schemas.openxmlformats.org/officeDocument/2006/relationships" xmlns:p="http://schemas.openxmlformats.org/presentationml/2006/main">
+  <p:cSld>
+    <p:spTree>
+      <p:nvGrpSpPr>
+        <p:cNvPr id="1" name=""/>
+        <p:cNvGrpSpPr/>
+        <p:nvPr/>
+      </p:nvGrpSpPr>
+      <p:grpSpPr>
+        <a:xfrm>
+          <a:off x="0" y="0"/>
+          <a:ext cx="0" cy="0"/>
+          <a:chOff x="0" y="0"/>
+          <a:chExt cx="0" cy="0"/>
+        </a:xfrm>
+      </p:grpSpPr>
+      <p:pic>
+        <p:nvPicPr>
+          <p:cNvPr id="2" name="図 1">
+            <a:extLst>
+              <a:ext uri="{FF2B5EF4-FFF2-40B4-BE49-F238E27FC236}">
+                <a16:creationId xmlns:a16="http://schemas.microsoft.com/office/drawing/2014/main" id="{075AFF4A-7578-1997-6707-51AC2EBA1B0F}"/>
+              </a:ext>
+            </a:extLst>
+          </p:cNvPr>
+          <p:cNvPicPr>
+            <a:picLocks noChangeAspect="1"/>
+          </p:cNvPicPr>
+          <p:nvPr/>
+        </p:nvPicPr>
+        <p:blipFill>
+          <a:blip r:embed="rId3"/>
+          <a:stretch>
+            <a:fillRect/>
+          </a:stretch>
+        </p:blipFill>
+        <p:spPr>
+          <a:xfrm>
+            <a:off x="461247" y="371252"/>
+            <a:ext cx="11269506" cy="6115496"/>
+          </a:xfrm>
+          <a:prstGeom prst="rect">
+            <a:avLst/>
+          </a:prstGeom>
+        </p:spPr>
+      </p:pic>
+    </p:spTree>
+    <p:extLst>
+      <p:ext uri="{BB962C8B-B14F-4D97-AF65-F5344CB8AC3E}">
+        <p14:creationId xmlns:p14="http://schemas.microsoft.com/office/powerpoint/2010/main" val="2547688959"/>
       </p:ext>
     </p:extLst>
   </p:cSld>
@@ -7279,4 +8158,319 @@
     </a:ext>
   </a:extLst>
 </a:theme>
+</file>
+
+<file path=ppt/theme/theme2.xml><?xml version="1.0" encoding="utf-8"?>
+<a:theme xmlns:a="http://schemas.openxmlformats.org/drawingml/2006/main" name="Office テーマ">
+  <a:themeElements>
+    <a:clrScheme name="Office">
+      <a:dk1>
+        <a:sysClr val="windowText" lastClr="000000"/>
+      </a:dk1>
+      <a:lt1>
+        <a:sysClr val="window" lastClr="FFFFFF"/>
+      </a:lt1>
+      <a:dk2>
+        <a:srgbClr val="0E2841"/>
+      </a:dk2>
+      <a:lt2>
+        <a:srgbClr val="E8E8E8"/>
+      </a:lt2>
+      <a:accent1>
+        <a:srgbClr val="156082"/>
+      </a:accent1>
+      <a:accent2>
+        <a:srgbClr val="E97132"/>
+      </a:accent2>
+      <a:accent3>
+        <a:srgbClr val="196B24"/>
+      </a:accent3>
+      <a:accent4>
+        <a:srgbClr val="0F9ED5"/>
+      </a:accent4>
+      <a:accent5>
+        <a:srgbClr val="A02B93"/>
+      </a:accent5>
+      <a:accent6>
+        <a:srgbClr val="4EA72E"/>
+      </a:accent6>
+      <a:hlink>
+        <a:srgbClr val="467886"/>
+      </a:hlink>
+      <a:folHlink>
+        <a:srgbClr val="96607D"/>
+      </a:folHlink>
+    </a:clrScheme>
+    <a:fontScheme name="Office">
+      <a:majorFont>
+        <a:latin typeface="游ゴシック Light" panose="02110004020202020204"/>
+        <a:ea typeface=""/>
+        <a:cs typeface=""/>
+        <a:font script="Jpan" typeface="游ゴシック Light"/>
+        <a:font script="Hang" typeface="맑은 고딕"/>
+        <a:font script="Hans" typeface="等线 Light"/>
+        <a:font script="Hant" typeface="新細明體"/>
+        <a:font script="Arab" typeface="Times New Roman"/>
+        <a:font script="Hebr" typeface="Times New Roman"/>
+        <a:font script="Thai" typeface="Angsana New"/>
+        <a:font script="Ethi" typeface="Nyala"/>
+        <a:font script="Beng" typeface="Vrinda"/>
+        <a:font script="Gujr" typeface="Shruti"/>
+        <a:font script="Khmr" typeface="MoolBoran"/>
+        <a:font script="Knda" typeface="Tunga"/>
+        <a:font script="Guru" typeface="Raavi"/>
+        <a:font script="Cans" typeface="Euphemia"/>
+        <a:font script="Cher" typeface="Plantagenet Cherokee"/>
+        <a:font script="Yiii" typeface="Microsoft Yi Baiti"/>
+        <a:font script="Tibt" typeface="Microsoft Himalaya"/>
+        <a:font script="Thaa" typeface="MV Boli"/>
+        <a:font script="Deva" typeface="Mangal"/>
+        <a:font script="Telu" typeface="Gautami"/>
+        <a:font script="Taml" typeface="Latha"/>
+        <a:font script="Syrc" typeface="Estrangelo Edessa"/>
+        <a:font script="Orya" typeface="Kalinga"/>
+        <a:font script="Mlym" typeface="Kartika"/>
+        <a:font script="Laoo" typeface="DokChampa"/>
+        <a:font script="Sinh" typeface="Iskoola Pota"/>
+        <a:font script="Mong" typeface="Mongolian Baiti"/>
+        <a:font script="Viet" typeface="Times New Roman"/>
+        <a:font script="Uigh" typeface="Microsoft Uighur"/>
+        <a:font script="Geor" typeface="Sylfaen"/>
+        <a:font script="Armn" typeface="Arial"/>
+        <a:font script="Bugi" typeface="Leelawadee UI"/>
+        <a:font script="Bopo" typeface="Microsoft JhengHei"/>
+        <a:font script="Java" typeface="Javanese Text"/>
+        <a:font script="Lisu" typeface="Segoe UI"/>
+        <a:font script="Mymr" typeface="Myanmar Text"/>
+        <a:font script="Nkoo" typeface="Ebrima"/>
+        <a:font script="Olck" typeface="Nirmala UI"/>
+        <a:font script="Osma" typeface="Ebrima"/>
+        <a:font script="Phag" typeface="Phagspa"/>
+        <a:font script="Syrn" typeface="Estrangelo Edessa"/>
+        <a:font script="Syrj" typeface="Estrangelo Edessa"/>
+        <a:font script="Syre" typeface="Estrangelo Edessa"/>
+        <a:font script="Sora" typeface="Nirmala UI"/>
+        <a:font script="Tale" typeface="Microsoft Tai Le"/>
+        <a:font script="Talu" typeface="Microsoft New Tai Lue"/>
+        <a:font script="Tfng" typeface="Ebrima"/>
+      </a:majorFont>
+      <a:minorFont>
+        <a:latin typeface="游ゴシック" panose="02110004020202020204"/>
+        <a:ea typeface=""/>
+        <a:cs typeface=""/>
+        <a:font script="Jpan" typeface="游ゴシック"/>
+        <a:font script="Hang" typeface="맑은 고딕"/>
+        <a:font script="Hans" typeface="等线"/>
+        <a:font script="Hant" typeface="新細明體"/>
+        <a:font script="Arab" typeface="Arial"/>
+        <a:font script="Hebr" typeface="Arial"/>
+        <a:font script="Thai" typeface="Cordia New"/>
+        <a:font script="Ethi" typeface="Nyala"/>
+        <a:font script="Beng" typeface="Vrinda"/>
+        <a:font script="Gujr" typeface="Shruti"/>
+        <a:font script="Khmr" typeface="DaunPenh"/>
+        <a:font script="Knda" typeface="Tunga"/>
+        <a:font script="Guru" typeface="Raavi"/>
+        <a:font script="Cans" typeface="Euphemia"/>
+        <a:font script="Cher" typeface="Plantagenet Cherokee"/>
+        <a:font script="Yiii" typeface="Microsoft Yi Baiti"/>
+        <a:font script="Tibt" typeface="Microsoft Himalaya"/>
+        <a:font script="Thaa" typeface="MV Boli"/>
+        <a:font script="Deva" typeface="Mangal"/>
+        <a:font script="Telu" typeface="Gautami"/>
+        <a:font script="Taml" typeface="Latha"/>
+        <a:font script="Syrc" typeface="Estrangelo Edessa"/>
+        <a:font script="Orya" typeface="Kalinga"/>
+        <a:font script="Mlym" typeface="Kartika"/>
+        <a:font script="Laoo" typeface="DokChampa"/>
+        <a:font script="Sinh" typeface="Iskoola Pota"/>
+        <a:font script="Mong" typeface="Mongolian Baiti"/>
+        <a:font script="Viet" typeface="Arial"/>
+        <a:font script="Uigh" typeface="Microsoft Uighur"/>
+        <a:font script="Geor" typeface="Sylfaen"/>
+        <a:font script="Armn" typeface="Arial"/>
+        <a:font script="Bugi" typeface="Leelawadee UI"/>
+        <a:font script="Bopo" typeface="Microsoft JhengHei"/>
+        <a:font script="Java" typeface="Javanese Text"/>
+        <a:font script="Lisu" typeface="Segoe UI"/>
+        <a:font script="Mymr" typeface="Myanmar Text"/>
+        <a:font script="Nkoo" typeface="Ebrima"/>
+        <a:font script="Olck" typeface="Nirmala UI"/>
+        <a:font script="Osma" typeface="Ebrima"/>
+        <a:font script="Phag" typeface="Phagspa"/>
+        <a:font script="Syrn" typeface="Estrangelo Edessa"/>
+        <a:font script="Syrj" typeface="Estrangelo Edessa"/>
+        <a:font script="Syre" typeface="Estrangelo Edessa"/>
+        <a:font script="Sora" typeface="Nirmala UI"/>
+        <a:font script="Tale" typeface="Microsoft Tai Le"/>
+        <a:font script="Talu" typeface="Microsoft New Tai Lue"/>
+        <a:font script="Tfng" typeface="Ebrima"/>
+      </a:minorFont>
+    </a:fontScheme>
+    <a:fmtScheme name="Office">
+      <a:fillStyleLst>
+        <a:solidFill>
+          <a:schemeClr val="phClr"/>
+        </a:solidFill>
+        <a:gradFill rotWithShape="1">
+          <a:gsLst>
+            <a:gs pos="0">
+              <a:schemeClr val="phClr">
+                <a:lumMod val="110000"/>
+                <a:satMod val="105000"/>
+                <a:tint val="67000"/>
+              </a:schemeClr>
+            </a:gs>
+            <a:gs pos="50000">
+              <a:schemeClr val="phClr">
+                <a:lumMod val="105000"/>
+                <a:satMod val="103000"/>
+                <a:tint val="73000"/>
+              </a:schemeClr>
+            </a:gs>
+            <a:gs pos="100000">
+              <a:schemeClr val="phClr">
+                <a:lumMod val="105000"/>
+                <a:satMod val="109000"/>
+                <a:tint val="81000"/>
+              </a:schemeClr>
+            </a:gs>
+          </a:gsLst>
+          <a:lin ang="5400000" scaled="0"/>
+        </a:gradFill>
+        <a:gradFill rotWithShape="1">
+          <a:gsLst>
+            <a:gs pos="0">
+              <a:schemeClr val="phClr">
+                <a:satMod val="103000"/>
+                <a:lumMod val="102000"/>
+                <a:tint val="94000"/>
+              </a:schemeClr>
+            </a:gs>
+            <a:gs pos="50000">
+              <a:schemeClr val="phClr">
+                <a:satMod val="110000"/>
+                <a:lumMod val="100000"/>
+                <a:shade val="100000"/>
+              </a:schemeClr>
+            </a:gs>
+            <a:gs pos="100000">
+              <a:schemeClr val="phClr">
+                <a:lumMod val="99000"/>
+                <a:satMod val="120000"/>
+                <a:shade val="78000"/>
+              </a:schemeClr>
+            </a:gs>
+          </a:gsLst>
+          <a:lin ang="5400000" scaled="0"/>
+        </a:gradFill>
+      </a:fillStyleLst>
+      <a:lnStyleLst>
+        <a:ln w="12700" cap="flat" cmpd="sng" algn="ctr">
+          <a:solidFill>
+            <a:schemeClr val="phClr"/>
+          </a:solidFill>
+          <a:prstDash val="solid"/>
+          <a:miter lim="800000"/>
+        </a:ln>
+        <a:ln w="19050" cap="flat" cmpd="sng" algn="ctr">
+          <a:solidFill>
+            <a:schemeClr val="phClr"/>
+          </a:solidFill>
+          <a:prstDash val="solid"/>
+          <a:miter lim="800000"/>
+        </a:ln>
+        <a:ln w="25400" cap="flat" cmpd="sng" algn="ctr">
+          <a:solidFill>
+            <a:schemeClr val="phClr"/>
+          </a:solidFill>
+          <a:prstDash val="solid"/>
+          <a:miter lim="800000"/>
+        </a:ln>
+      </a:lnStyleLst>
+      <a:effectStyleLst>
+        <a:effectStyle>
+          <a:effectLst/>
+        </a:effectStyle>
+        <a:effectStyle>
+          <a:effectLst/>
+        </a:effectStyle>
+        <a:effectStyle>
+          <a:effectLst>
+            <a:outerShdw blurRad="57150" dist="19050" dir="5400000" algn="ctr" rotWithShape="0">
+              <a:srgbClr val="000000">
+                <a:alpha val="63000"/>
+              </a:srgbClr>
+            </a:outerShdw>
+          </a:effectLst>
+        </a:effectStyle>
+      </a:effectStyleLst>
+      <a:bgFillStyleLst>
+        <a:solidFill>
+          <a:schemeClr val="phClr"/>
+        </a:solidFill>
+        <a:solidFill>
+          <a:schemeClr val="phClr">
+            <a:tint val="95000"/>
+            <a:satMod val="170000"/>
+          </a:schemeClr>
+        </a:solidFill>
+        <a:gradFill rotWithShape="1">
+          <a:gsLst>
+            <a:gs pos="0">
+              <a:schemeClr val="phClr">
+                <a:tint val="93000"/>
+                <a:satMod val="150000"/>
+                <a:shade val="98000"/>
+                <a:lumMod val="102000"/>
+              </a:schemeClr>
+            </a:gs>
+            <a:gs pos="50000">
+              <a:schemeClr val="phClr">
+                <a:tint val="98000"/>
+                <a:satMod val="130000"/>
+                <a:shade val="90000"/>
+                <a:lumMod val="103000"/>
+              </a:schemeClr>
+            </a:gs>
+            <a:gs pos="100000">
+              <a:schemeClr val="phClr">
+                <a:shade val="63000"/>
+                <a:satMod val="120000"/>
+              </a:schemeClr>
+            </a:gs>
+          </a:gsLst>
+          <a:lin ang="5400000" scaled="0"/>
+        </a:gradFill>
+      </a:bgFillStyleLst>
+    </a:fmtScheme>
+  </a:themeElements>
+  <a:objectDefaults>
+    <a:lnDef>
+      <a:spPr/>
+      <a:bodyPr/>
+      <a:lstStyle/>
+      <a:style>
+        <a:lnRef idx="2">
+          <a:schemeClr val="accent1"/>
+        </a:lnRef>
+        <a:fillRef idx="0">
+          <a:schemeClr val="accent1"/>
+        </a:fillRef>
+        <a:effectRef idx="1">
+          <a:schemeClr val="accent1"/>
+        </a:effectRef>
+        <a:fontRef idx="minor">
+          <a:schemeClr val="tx1"/>
+        </a:fontRef>
+      </a:style>
+    </a:lnDef>
+  </a:objectDefaults>
+  <a:extraClrSchemeLst/>
+  <a:extLst>
+    <a:ext uri="{05A4C25C-085E-4340-85A3-A5531E510DB2}">
+      <thm15:themeFamily xmlns:thm15="http://schemas.microsoft.com/office/thememl/2012/main" name="Office Theme" id="{2E142A2C-CD16-42D6-873A-C26D2A0506FA}" vid="{1BDDFF52-6CD6-40A5-AB3C-68EB2F1E4D0A}"/>
+    </a:ext>
+  </a:extLst>
+</a:theme>
 </file>